--- a/JavaFX vs Swing.pptx
+++ b/JavaFX vs Swing.pptx
@@ -5,7 +5,7 @@
     <p:sldMasterId id="2147483660" r:id="rId1"/>
   </p:sldMasterIdLst>
   <p:notesMasterIdLst>
-    <p:notesMasterId r:id="rId23"/>
+    <p:notesMasterId r:id="rId28"/>
   </p:notesMasterIdLst>
   <p:sldIdLst>
     <p:sldId id="256" r:id="rId2"/>
@@ -29,6 +29,11 @@
     <p:sldId id="274" r:id="rId20"/>
     <p:sldId id="275" r:id="rId21"/>
     <p:sldId id="276" r:id="rId22"/>
+    <p:sldId id="277" r:id="rId23"/>
+    <p:sldId id="278" r:id="rId24"/>
+    <p:sldId id="279" r:id="rId25"/>
+    <p:sldId id="280" r:id="rId26"/>
+    <p:sldId id="281" r:id="rId27"/>
   </p:sldIdLst>
   <p:sldSz cx="12192000" cy="6858000"/>
   <p:notesSz cx="6858000" cy="9144000"/>
@@ -135,6 +140,846 @@
 </p:presentation>
 </file>
 
+<file path=ppt/ink/ink1.xml><?xml version="1.0" encoding="utf-8"?>
+<inkml:ink xmlns:inkml="http://www.w3.org/2003/InkML">
+  <inkml:definitions>
+    <inkml:context xml:id="ctx0">
+      <inkml:inkSource xml:id="inkSrc0">
+        <inkml:traceFormat>
+          <inkml:channel name="X" type="integer" min="-2.14748E9" max="2.14748E9" units="cm"/>
+          <inkml:channel name="Y" type="integer" min="-2.14748E9" max="2.14748E9" units="cm"/>
+          <inkml:channel name="F" type="integer" max="32767" units="dev"/>
+        </inkml:traceFormat>
+        <inkml:channelProperties>
+          <inkml:channelProperty channel="X" name="resolution" value="1000" units="1/cm"/>
+          <inkml:channelProperty channel="Y" name="resolution" value="1000" units="1/cm"/>
+          <inkml:channelProperty channel="F" name="resolution" value="0" units="1/dev"/>
+        </inkml:channelProperties>
+      </inkml:inkSource>
+      <inkml:timestamp xml:id="ts0" timeString="2022-03-22T09:18:00.645"/>
+    </inkml:context>
+    <inkml:brush xml:id="br0">
+      <inkml:brushProperty name="width" value="0.05" units="cm"/>
+      <inkml:brushProperty name="height" value="0.05" units="cm"/>
+      <inkml:brushProperty name="color" value="#00A0D7"/>
+    </inkml:brush>
+  </inkml:definitions>
+  <inkml:trace contextRef="#ctx0" brushRef="#br0">1 3368 660,'5'0'1751,"0"-1"1,0 1-1,0-1 1,0 0-1,0 0 0,0-1 1,0 1-1,8-5 0,-1-1-21,-1-1 0,0 0-1,0 0 1,10-11-1,37-26 2256,284-196-3025,-82 13-1050,-180 149 145,-5-3 0,91-128-1,102-207 287,-240 369-325,25-38 18,66-152 0,-98 184-39,133-368-13,95-597-154,-246 1002-42,-3 12-54,0 0 0,1 0 1,0 0-1,0 0 1,0 0-1,1 0 0,-1 1 1,1-1-1,0 0 1,1 1-1,-1-1 0,4-3 1,3 5-6470,14 5 1368,1 1 74,-18-5 4488,1 1 0,-1-1 0,0 0 0,-1-1 0,1 1 1,0-1-1,-1 0 0,9-7 0,17-17-1128</inkml:trace>
+</inkml:ink>
+</file>
+
+<file path=ppt/ink/ink10.xml><?xml version="1.0" encoding="utf-8"?>
+<inkml:ink xmlns:inkml="http://www.w3.org/2003/InkML">
+  <inkml:definitions>
+    <inkml:context xml:id="ctx0">
+      <inkml:inkSource xml:id="inkSrc0">
+        <inkml:traceFormat>
+          <inkml:channel name="X" type="integer" min="-2.14748E9" max="2.14748E9" units="cm"/>
+          <inkml:channel name="Y" type="integer" min="-2.14748E9" max="2.14748E9" units="cm"/>
+          <inkml:channel name="F" type="integer" max="32767" units="dev"/>
+        </inkml:traceFormat>
+        <inkml:channelProperties>
+          <inkml:channelProperty channel="X" name="resolution" value="1000" units="1/cm"/>
+          <inkml:channelProperty channel="Y" name="resolution" value="1000" units="1/cm"/>
+          <inkml:channelProperty channel="F" name="resolution" value="0" units="1/dev"/>
+        </inkml:channelProperties>
+      </inkml:inkSource>
+      <inkml:timestamp xml:id="ts0" timeString="2022-03-22T09:18:09.964"/>
+    </inkml:context>
+    <inkml:brush xml:id="br0">
+      <inkml:brushProperty name="width" value="0.05" units="cm"/>
+      <inkml:brushProperty name="height" value="0.05" units="cm"/>
+      <inkml:brushProperty name="color" value="#00A0D7"/>
+    </inkml:brush>
+  </inkml:definitions>
+  <inkml:trace contextRef="#ctx0" brushRef="#br0">77 182 208,'0'2'379,"0"-1"-1,0 1 1,0 0 0,0-1 0,0 1-1,0-1 1,-1 1 0,1-1-1,-1 1 1,1-1 0,-1 1 0,0-1-1,1 1 1,-1-1 0,0 0-1,0 1 1,0-1 0,0 0 0,0 0-1,0 0 1,-1 0 0,1 0-1,0 0 1,-1 0 0,1 0 0,0 0-1,-1 0 1,1-1 0,-1 1-1,1-1 1,-1 1 0,1-1 0,-1 0-1,1 1 1,-1-1 0,0 0-1,1 0 1,-1 0 0,1 0 0,-1 0-1,0-1 1,1 1 0,-1 0-1,1-1 1,-1 1 0,-1-2 0,1 1-316,1 1 1,-1-1-1,0 0 1,1-1 0,0 1-1,-1 0 1,1 0-1,0 0 1,-1-1 0,1 1-1,0-1 1,0 1 0,0-1-1,0 0 1,0 1-1,1-1 1,-1 0 0,0 1-1,1-1 1,-1 0 0,1 0-1,0 0 1,0 1-1,0-1 1,-1 0 0,2 0-1,-1 0 1,0-3-1,3-5-67,0 1-1,0-1 0,0 0 1,1 1-1,1 0 0,0 0 1,0 0-1,1 1 0,0-1 0,0 2 1,0-1-1,1 0 0,1 1 1,-1 1-1,1-1 0,0 1 1,1 0-1,0 1 0,14-7 0,-21 11 73,-1 0 0,0 0 0,1 1 0,-1-1 0,1 0 0,0 1-1,-1 0 1,1-1 0,-1 1 0,1 0 0,0-1 0,-1 1-1,1 0 1,-1 0 0,1 0 0,0 1 0,-1-1 0,1 0-1,-1 1 1,1-1 0,0 1 0,-1-1 0,1 1 0,-1 0-1,2 0 1,-2 1 84,1 0 0,-1-1-1,0 1 1,0 0-1,0 0 1,0 0 0,0 0-1,0 0 1,-1 0-1,1 0 1,-1 1 0,1-1-1,-1 0 1,0 0 0,0 4-1,-1 9 513,0 0 0,-1 0 0,0 0 0,-6 14 0,5-15-379,2-6-270,-1 0 1,0-1-1,0 1 1,-1 0-1,0 0 0,0-1 1,-1 0-1,0 0 1,0 0-1,0 0 1,-1 0-1,-9 8 1,14-15-148,0 0 0,0 1 1,-1-1-1,1 0 0,0 0 0,-1 0 1,1 0-1,0 0 0,-1 0 0,1 0 1,0 0-1,-1 0 0,1 0 0,-1 0 0,1 0 1,0 0-1,-1 0 0,1 0 0,0 0 1,-1 0-1,1 0 0,0 0 0,-1-1 1,1 1-1,0 0 0,0 0 0,-1 0 1,1-1-1,0 1 0,0 0 0,-1 0 1,1-1-1,0 1 0,0 0 0,-1 0 1,1-1-1,0 1 0,0 0 0,0-1 1,0 0-1,-6-20-8500,9 2 2656,-3 19 6037,1 0 0,-1-1 0,0 1 0,0 0 0,1 0 0,-1-1 0,0 1 0,1 0 0,-1 0 0,0 0 0,1-1 0,-1 1 0,0 0 0,1 0 0,-1 0 0,1 0 0,-1 0 0,0 0 0,1 0 0,-1 0 0,0 0 0,1 0 0,-1 0 0,1 0 0,-1 0 0,0 0 0,1 0 0,-1 0 0,0 0 0,1 0 0,-1 1 0,0-1 0,1 0 0,-1 0 0,0 0 0,1 1 0,-1-1 0,0 0 0,1 0 0,-1 1 0,0 0 0,35 20 9973,4-8-4755,-28-11-5347,0 0-1,0-1 1,0 0-1,0-1 1,18-2-1,-17 1-1736,0-1 1,0-1-1,0 0 0,0-1 1,-1 0-1,0 0 0,0-2 0,0 1 1,-1-1-1,1-1 0,16-13 1,-4 0-840</inkml:trace>
+</inkml:ink>
+</file>
+
+<file path=ppt/ink/ink11.xml><?xml version="1.0" encoding="utf-8"?>
+<inkml:ink xmlns:inkml="http://www.w3.org/2003/InkML">
+  <inkml:definitions>
+    <inkml:context xml:id="ctx0">
+      <inkml:inkSource xml:id="inkSrc0">
+        <inkml:traceFormat>
+          <inkml:channel name="X" type="integer" min="-2.14748E9" max="2.14748E9" units="cm"/>
+          <inkml:channel name="Y" type="integer" min="-2.14748E9" max="2.14748E9" units="cm"/>
+          <inkml:channel name="F" type="integer" max="32767" units="dev"/>
+        </inkml:traceFormat>
+        <inkml:channelProperties>
+          <inkml:channelProperty channel="X" name="resolution" value="1000" units="1/cm"/>
+          <inkml:channelProperty channel="Y" name="resolution" value="1000" units="1/cm"/>
+          <inkml:channelProperty channel="F" name="resolution" value="0" units="1/dev"/>
+        </inkml:channelProperties>
+      </inkml:inkSource>
+      <inkml:timestamp xml:id="ts0" timeString="2022-03-22T09:18:10.416"/>
+    </inkml:context>
+    <inkml:brush xml:id="br0">
+      <inkml:brushProperty name="width" value="0.05" units="cm"/>
+      <inkml:brushProperty name="height" value="0.05" units="cm"/>
+      <inkml:brushProperty name="color" value="#00A0D7"/>
+    </inkml:brush>
+  </inkml:definitions>
+  <inkml:trace contextRef="#ctx0" brushRef="#br0">181 1 1400,'-31'-1'13380,"2"3"-9581,15 0-2865,-1 1 0,0 1 0,1 0 0,0 1 0,-24 12 0,37-17-903,1 1 0,-1-1 0,0 1 0,1-1 0,-1 1 0,0-1 0,1 1 0,-1 0 0,1-1 1,-1 1-1,1 0 0,-1-1 0,1 1 0,-1 0 0,1 0 0,0-1 0,-1 1 0,1 0 0,0 0 0,0 0 0,0-1 0,0 1 0,-1 0 0,1 0 0,0 0 1,0 0-1,1-1 0,-1 1 0,0 0 0,0 0 0,0 0 0,0-1 0,1 1 0,-1 0 0,0 0 0,1 0 0,-1-1 0,1 1 0,-1 0 0,1-1 0,-1 1 1,1 0-1,-1-1 0,1 1 0,0-1 0,1 2 0,37 30 758,-30-26-585,1 2-84,7 5 146,-1 0 0,0 1-1,-1 0 1,26 33-1,-39-44-222,1 0 0,-1 0 0,0 0 0,-1 1 0,1-1 0,0 0 0,-1 1 0,0-1 0,0 1 0,0 0 0,0-1 0,0 1 0,-1 0 0,0 0 0,0-1 0,0 1 0,0 0 0,0 0 0,-1-1 0,0 1 0,1 0 0,-1-1 1,-1 1-1,1-1 0,0 1 0,-1-1 0,0 0 0,0 1 0,0-1 0,0 0 0,0 0 0,-1 0 0,0-1 0,1 1 0,-4 2 0,3-3-68,0 0-1,0 0 1,-1 0 0,1 0 0,0-1 0,-1 1 0,1-1 0,-1 0 0,1 0-1,-1-1 1,-6 2 0,8-2-140,1 0 0,0 0 0,0 0-1,0 0 1,0 0 0,0-1 0,0 1 0,0 0-1,0 0 1,0-1 0,-1 1 0,1-1 0,0 1-1,1-1 1,-1 1 0,0-1 0,-2-1 0,2 1-208,1 0 0,-1 0 1,1-1-1,-1 1 1,1 0-1,-1 0 0,1 0 1,0 0-1,0-1 1,0 1-1,-1 0 0,1 0 1,0 0-1,0-1 1,0 1-1,1 0 0,-1 0 1,0 0-1,0-1 1,1-1-1,34-90-13301,-22 62 11091,1-4 503</inkml:trace>
+</inkml:ink>
+</file>
+
+<file path=ppt/ink/ink12.xml><?xml version="1.0" encoding="utf-8"?>
+<inkml:ink xmlns:inkml="http://www.w3.org/2003/InkML">
+  <inkml:definitions>
+    <inkml:context xml:id="ctx0">
+      <inkml:inkSource xml:id="inkSrc0">
+        <inkml:traceFormat>
+          <inkml:channel name="X" type="integer" min="-2.14748E9" max="2.14748E9" units="cm"/>
+          <inkml:channel name="Y" type="integer" min="-2.14748E9" max="2.14748E9" units="cm"/>
+          <inkml:channel name="F" type="integer" max="32767" units="dev"/>
+        </inkml:traceFormat>
+        <inkml:channelProperties>
+          <inkml:channelProperty channel="X" name="resolution" value="1000" units="1/cm"/>
+          <inkml:channelProperty channel="Y" name="resolution" value="1000" units="1/cm"/>
+          <inkml:channelProperty channel="F" name="resolution" value="0" units="1/dev"/>
+        </inkml:channelProperties>
+      </inkml:inkSource>
+      <inkml:timestamp xml:id="ts0" timeString="2022-03-22T09:18:10.759"/>
+    </inkml:context>
+    <inkml:brush xml:id="br0">
+      <inkml:brushProperty name="width" value="0.05" units="cm"/>
+      <inkml:brushProperty name="height" value="0.05" units="cm"/>
+      <inkml:brushProperty name="color" value="#00A0D7"/>
+    </inkml:brush>
+  </inkml:definitions>
+  <inkml:trace contextRef="#ctx0" brushRef="#br0">1 64 2124,'19'-10'1614,"54"-25"6619,-65 31-6469,0 1-1,1 0 0,-1 1 1,1 0-1,-1 0 1,15-1-1,-22 3-1658,-1 0 1,1 0-1,-1 0 1,1 0 0,-1 0-1,1 0 1,-1 0-1,1 0 1,-1 0-1,0 1 1,1-1-1,-1 0 1,1 0-1,-1 0 1,1 0-1,-1 1 1,1-1-1,-1 0 1,0 0-1,1 1 1,-1-1-1,0 0 1,1 1-1,-1-1 1,0 1 0,1-1-1,-1 0 1,0 1-1,0-1 1,1 1-1,-1-1 1,0 0-1,0 1 1,0-1-1,0 1 1,0-1-1,0 1 1,1 0-1,-9 23 1196,-21 22-1171,28-45-16,-19 25-20,8-11-65,0 0-1,1 1 1,0 0-1,1 1 0,1 0 1,1 0-1,-9 29 1,16-44-14,0 0 1,1 0-1,-1 0 0,1 0 1,0 0-1,0 0 1,0 0-1,0 0 0,0 0 1,0 0-1,1 0 1,-1 0-1,1 0 0,-1 0 1,1 0-1,0 0 1,0 0-1,-1 0 0,1 0 1,1 0-1,-1-1 1,0 1-1,0 0 0,1-1 1,-1 1-1,1-1 1,-1 1-1,1-1 0,0 0 1,-1 0-1,1 0 1,0 0-1,0 0 0,0 0 1,0 0-1,0-1 0,0 1 1,0-1-1,0 1 1,0-1-1,0 0 0,0 0 1,3 0-1,12 1-615,1-1 0,0-1 0,-1-1 0,23-4 0,-13 1-2877,-18 4 2033,0-2 0,0 1-1,-1-1 1,1 0 0,0-1 0,-1 0 0,0 0-1,0-1 1,0 0 0,-1-1 0,0 1 0,0-1 0,0-1-1,6-7 1,12-12-902</inkml:trace>
+</inkml:ink>
+</file>
+
+<file path=ppt/ink/ink13.xml><?xml version="1.0" encoding="utf-8"?>
+<inkml:ink xmlns:inkml="http://www.w3.org/2003/InkML">
+  <inkml:definitions>
+    <inkml:context xml:id="ctx0">
+      <inkml:inkSource xml:id="inkSrc0">
+        <inkml:traceFormat>
+          <inkml:channel name="X" type="integer" min="-2.14748E9" max="2.14748E9" units="cm"/>
+          <inkml:channel name="Y" type="integer" min="-2.14748E9" max="2.14748E9" units="cm"/>
+          <inkml:channel name="F" type="integer" max="32767" units="dev"/>
+        </inkml:traceFormat>
+        <inkml:channelProperties>
+          <inkml:channelProperty channel="X" name="resolution" value="1000" units="1/cm"/>
+          <inkml:channelProperty channel="Y" name="resolution" value="1000" units="1/cm"/>
+          <inkml:channelProperty channel="F" name="resolution" value="0" units="1/dev"/>
+        </inkml:channelProperties>
+      </inkml:inkSource>
+      <inkml:timestamp xml:id="ts0" timeString="2022-03-22T09:18:11.116"/>
+    </inkml:context>
+    <inkml:brush xml:id="br0">
+      <inkml:brushProperty name="width" value="0.05" units="cm"/>
+      <inkml:brushProperty name="height" value="0.05" units="cm"/>
+      <inkml:brushProperty name="color" value="#00A0D7"/>
+    </inkml:brush>
+  </inkml:definitions>
+  <inkml:trace contextRef="#ctx0" brushRef="#br0">58 132 1868,'11'1'1279,"0"0"-1,0-1 1,0-1-1,0 0 1,0 0-1,0-1 1,-1 0-1,1-1 1,12-4-1,-17 5-672,0-1-1,-1 1 1,1-1 0,-1 0-1,1 0 1,-1 0-1,0-1 1,-1 0 0,1 0-1,0 0 1,-1 0 0,0-1-1,0 0 1,0 0-1,-1 0 1,0 0 0,5-10-1,-8 14-532,1 0 0,-1 0 0,0 0-1,1 0 1,-1 0 0,0 0 0,0 1-1,0-1 1,0 0 0,0 0 0,0 0-1,0 0 1,0 0 0,0 0 0,0 0-1,-1 0 1,1 0 0,0 1 0,-1-1-1,1 0 1,0 0 0,-1 0 0,1 0-1,-1 1 1,0-1 0,1 0 0,-1 1-1,1-1 1,-1 0 0,0 1 0,-1-2-1,-1 1-5,0-1-1,0 1 1,0 0 0,0 0-1,0 0 1,-1 0-1,1 1 1,0-1 0,-5 1-1,-7 0-58,1 0 0,-1 1-1,-17 4 1,22-2 14,0 0 0,0 0 0,0 1 0,1 0-1,0 1 1,0 0 0,0 1 0,0 0 0,1 0-1,0 1 1,-13 12 0,19-16 0,0-1-1,-1 1 1,1-1 0,0 1 0,0 0-1,1-1 1,-1 1 0,1 0 0,-1 0-1,1 1 1,0-1 0,0 0 0,0 0-1,1 0 1,-1 1 0,1-1 0,0 0-1,0 1 1,0-1 0,0 0 0,0 1-1,1-1 1,0 0 0,-1 0 0,1 1-1,0-1 1,1 0 0,-1 0 0,0 0-1,1 0 1,0 0 0,0-1 0,0 1-1,0 0 1,0-1 0,0 1 0,1-1-1,-1 0 1,4 3 0,2 0-151,-1-1 0,1 1 0,0-1 0,0-1 0,0 1 1,0-1-1,0-1 0,1 1 0,-1-2 0,1 1 0,0-1 0,0 0 0,16-1 1,49-5-3959,-6-6-3456,-68 11 7516,16-3-1983,0-1 0,-1-1 0,1 0-1,-1-1 1,24-13 0,1-3-911</inkml:trace>
+</inkml:ink>
+</file>
+
+<file path=ppt/ink/ink14.xml><?xml version="1.0" encoding="utf-8"?>
+<inkml:ink xmlns:inkml="http://www.w3.org/2003/InkML">
+  <inkml:definitions>
+    <inkml:context xml:id="ctx0">
+      <inkml:inkSource xml:id="inkSrc0">
+        <inkml:traceFormat>
+          <inkml:channel name="X" type="integer" min="-2.14748E9" max="2.14748E9" units="cm"/>
+          <inkml:channel name="Y" type="integer" min="-2.14748E9" max="2.14748E9" units="cm"/>
+          <inkml:channel name="F" type="integer" max="32767" units="dev"/>
+        </inkml:traceFormat>
+        <inkml:channelProperties>
+          <inkml:channelProperty channel="X" name="resolution" value="1000" units="1/cm"/>
+          <inkml:channelProperty channel="Y" name="resolution" value="1000" units="1/cm"/>
+          <inkml:channelProperty channel="F" name="resolution" value="0" units="1/dev"/>
+        </inkml:channelProperties>
+      </inkml:inkSource>
+      <inkml:timestamp xml:id="ts0" timeString="2022-03-22T09:18:11.679"/>
+    </inkml:context>
+    <inkml:brush xml:id="br0">
+      <inkml:brushProperty name="width" value="0.05" units="cm"/>
+      <inkml:brushProperty name="height" value="0.05" units="cm"/>
+      <inkml:brushProperty name="color" value="#00A0D7"/>
+    </inkml:brush>
+  </inkml:definitions>
+  <inkml:trace contextRef="#ctx0" brushRef="#br0">248 131 688,'0'1'277,"0"0"-1,0 0 1,0 0 0,0 0-1,0 0 1,-1 0-1,1 0 1,0 0 0,-1 0-1,1 0 1,-1 0-1,1 0 1,-1 0 0,1 0-1,-1 0 1,0 0-1,0-1 1,1 1 0,-1 0-1,0-1 1,0 1-1,0 0 1,1-1 0,-1 1-1,0-1 1,0 1 0,-1 0-1,-2 0 329,0 0 1,0 0-1,0 0 0,0-1 1,-1 1-1,1-1 0,-6 0 0,-4-1 701,-1-1-1,1-1 1,-20-5-1,26 6-707,1 0 1,-1-1-1,1 0 1,-1 0-1,1-1 1,0 0-1,0 0 0,1 0 1,-1-1-1,1 0 1,0-1-1,-8-8 0,13 13-537,1 0 0,-1 0 0,1 0 0,-1 1 0,1-1-1,0 0 1,-1 0 0,1 0 0,0 0 0,-1 0 0,1 0 0,0 0-1,0 0 1,0-1 0,0 1 0,0 0 0,0 0 0,0 0-1,0 0 1,1 0 0,-1 0 0,0 0 0,1 0 0,-1 0-1,1 0 1,0 0 0,24-25 523,-17 21-554,0 0 1,0 1-1,1 0 0,0 0 0,13-4 1,-13 7 23,0 0 0,0 0 1,0 0-1,0 1 1,0 1-1,0 0 0,0 0 1,0 0-1,0 1 0,0 1 1,-1-1-1,1 1 1,-1 1-1,14 7 0,-18-9-23,-1 0-1,1 1 1,-1-1 0,0 1-1,0-1 1,0 1-1,0 0 1,0 0-1,-1 0 1,1 1 0,-1-1-1,0 1 1,0-1-1,0 1 1,-1 0-1,1-1 1,-1 1 0,0 0-1,0 0 1,0 0-1,0 0 1,-1 0-1,0 0 1,1 0-1,-2 1 1,1-1 0,0 0-1,-1 0 1,0 0-1,0 0 1,0 0-1,0 0 1,-1-1 0,-1 5-1,2-6-34,0-1-1,0 1 1,-1-1-1,1 1 1,0-1-1,0 0 1,-1 0-1,1 1 1,0-1-1,-1 0 1,1 0-1,-1-1 1,0 1-1,1 0 0,-1 0 1,0-1-1,1 1 1,-1-1-1,0 1 1,1-1-1,-1 0 1,0 0-1,0 0 1,0 0-1,1 0 1,-1 0-1,0 0 1,0-1-1,0 1 1,1 0-1,-1-1 1,-2-1-1,-10-2-126,0-1 0,0-1-1,-14-8 1,5 4-242,19 8 269,0 0 1,-1 0-1,1 1 1,-1 0-1,1 0 1,-1 0 0,1 0-1,-1 1 1,0 0-1,0 0 1,1 0-1,-1 0 1,0 1 0,-5 1-1,8-1 74,-1 1-1,0-1 1,0 1 0,1 0-1,-1-1 1,1 1 0,-1 0-1,1 1 1,0-1 0,0 0-1,0 1 1,0-1-1,0 1 1,0-1 0,1 1-1,-1 0 1,1 0 0,0 0-1,0 0 1,0 0 0,-1 6-1,-7 32 325,2 0-1,1 1 0,3 0 1,1 0-1,2 0 0,2 1 1,2-1-1,14 64 0,-18-103-351,1 0 0,-1-1 0,1 1 0,0 0 0,0-1 0,0 1-1,0-1 1,1 1 0,-1-1 0,1 1 0,-1-1 0,1 0 0,0 0-1,0 1 1,0-1 0,0-1 0,0 1 0,0 0 0,1 0-1,-1-1 1,1 0 0,-1 1 0,1-1 0,3 1 0,-4-1-270,0-1 1,0 0 0,0 0 0,0 0 0,0 0-1,0-1 1,0 1 0,0-1 0,0 1-1,0-1 1,0 1 0,0-1 0,0 0-1,1-1 1,1 0-626,-1-1-1,0 1 1,0-1-1,0 0 1,0 1-1,-1-1 1,1-1-1,3-4 1,-4 4 1,0 0 0,0 1 0,-1-1-1,1 0 1,-1 0 0,0 0 0,0-1 0,0 1 0,0-6 0,2-11-2090,5-4 869</inkml:trace>
+</inkml:ink>
+</file>
+
+<file path=ppt/ink/ink15.xml><?xml version="1.0" encoding="utf-8"?>
+<inkml:ink xmlns:inkml="http://www.w3.org/2003/InkML">
+  <inkml:definitions>
+    <inkml:context xml:id="ctx0">
+      <inkml:inkSource xml:id="inkSrc0">
+        <inkml:traceFormat>
+          <inkml:channel name="X" type="integer" min="-2.14748E9" max="2.14748E9" units="cm"/>
+          <inkml:channel name="Y" type="integer" min="-2.14748E9" max="2.14748E9" units="cm"/>
+          <inkml:channel name="F" type="integer" max="32767" units="dev"/>
+        </inkml:traceFormat>
+        <inkml:channelProperties>
+          <inkml:channelProperty channel="X" name="resolution" value="1000" units="1/cm"/>
+          <inkml:channelProperty channel="Y" name="resolution" value="1000" units="1/cm"/>
+          <inkml:channelProperty channel="F" name="resolution" value="0" units="1/dev"/>
+        </inkml:channelProperties>
+      </inkml:inkSource>
+      <inkml:timestamp xml:id="ts0" timeString="2022-03-22T09:18:12.260"/>
+    </inkml:context>
+    <inkml:brush xml:id="br0">
+      <inkml:brushProperty name="width" value="0.05" units="cm"/>
+      <inkml:brushProperty name="height" value="0.05" units="cm"/>
+      <inkml:brushProperty name="color" value="#00A0D7"/>
+    </inkml:brush>
+  </inkml:definitions>
+  <inkml:trace contextRef="#ctx0" brushRef="#br0">44 407 1012,'-6'-16'8619,"1"9"-7474,1 0 1,-1 0-1,2 0 1,-1 0-1,1-1 1,0 1-1,-3-13 1,5 12-806,-1 0 0,1 0 1,1 1-1,0-1 1,0 0-1,0 0 1,3-9-1,-1 7-255,1 0 0,0 0 1,0 1-1,1 0 0,1 0 0,-1 0 1,1 0-1,1 1 0,0-1 0,0 1 1,0 1-1,16-14 0,-11 11 176,66-56 1862,-68 59-1735,-1 1-1,1 1 0,1-1 0,-1 1 1,1 1-1,-1 0 0,13-3 1,-21 6-340,1 2 1,0-1-1,0 0 0,-1 0 1,1 0-1,0 1 1,-1-1-1,1 1 1,0 0-1,-1-1 1,1 1-1,-1 0 1,1 0-1,-1 0 1,1 0-1,-1 0 1,1 0-1,-1 0 0,0 1 1,0-1-1,0 0 1,0 1-1,0-1 1,0 1-1,0-1 1,0 1-1,0-1 1,-1 1-1,1 2 1,18 51 192,-19-53-228,3 12 9,-1 1 0,0-1 1,-1 1-1,-1-1 0,0 1 0,-1-1 0,-1 1 0,0-1 0,-8 27 0,8-35-16,0-1 1,0 0 0,-1 1-1,1-1 1,-1 0 0,-1 0-1,1-1 1,0 1 0,-1-1-1,0 1 1,0-1-1,-6 4 1,7-6-3,-1 0 1,1 0-1,-1 0 1,0 0-1,0-1 1,0 0-1,0 0 0,0 0 1,0 0-1,-1 0 1,1-1-1,0 0 1,0 0-1,0 0 0,-1 0 1,1-1-1,0 0 1,-6-1-1,7 1-43,1 1 0,-1-1 1,1 0-1,0 0 0,0 0 0,-1 0 0,1 0 1,0 0-1,0-1 0,0 1 0,0-1 0,0 1 1,0-1-1,1 0 0,-1 0 0,1 1 0,-1-1 1,1-1-1,-1 1 0,1 0 0,0 0 0,-1-3 1,2 4-225,0-1 0,0 1 0,0-1 0,0 1 0,0-1 0,0 1 0,1 0 0,-1-1 0,0 1 0,1-1 0,-1 1 0,1 0 0,-1 0 0,1-1 0,0 1 0,0 0 0,0 0 0,-1 0 0,1 0 0,0 0 0,0 0 0,0 0 0,1 0 1,-1 0-1,0 0 0,0 0 0,0 1 0,1-1 0,-1 0 0,0 1 0,1-1 0,-1 1 0,0 0 0,1-1 0,-1 1 0,1 0 0,1 0 0,19-4-4870,25-8-6789,-33 4 9838</inkml:trace>
+</inkml:ink>
+</file>
+
+<file path=ppt/ink/ink16.xml><?xml version="1.0" encoding="utf-8"?>
+<inkml:ink xmlns:inkml="http://www.w3.org/2003/InkML">
+  <inkml:definitions>
+    <inkml:context xml:id="ctx0">
+      <inkml:inkSource xml:id="inkSrc0">
+        <inkml:traceFormat>
+          <inkml:channel name="X" type="integer" min="-2.14748E9" max="2.14748E9" units="cm"/>
+          <inkml:channel name="Y" type="integer" min="-2.14748E9" max="2.14748E9" units="cm"/>
+          <inkml:channel name="F" type="integer" max="32767" units="dev"/>
+        </inkml:traceFormat>
+        <inkml:channelProperties>
+          <inkml:channelProperty channel="X" name="resolution" value="1000" units="1/cm"/>
+          <inkml:channelProperty channel="Y" name="resolution" value="1000" units="1/cm"/>
+          <inkml:channelProperty channel="F" name="resolution" value="0" units="1/dev"/>
+        </inkml:channelProperties>
+      </inkml:inkSource>
+      <inkml:timestamp xml:id="ts0" timeString="2022-03-22T09:18:13.429"/>
+    </inkml:context>
+    <inkml:brush xml:id="br0">
+      <inkml:brushProperty name="width" value="0.05" units="cm"/>
+      <inkml:brushProperty name="height" value="0.05" units="cm"/>
+      <inkml:brushProperty name="color" value="#00A0D7"/>
+    </inkml:brush>
+  </inkml:definitions>
+  <inkml:trace contextRef="#ctx0" brushRef="#br0">234 42 1360,'-1'0'103,"1"1"-1,0-1 1,0 0 0,0 0-1,0 0 1,0 0-1,0 1 1,0-1 0,0 0-1,0 0 1,0 0-1,0 0 1,0 1 0,0-1-1,0 0 1,0 0-1,0 0 1,0 1 0,0-1-1,0 0 1,0 0 0,0 0-1,0 0 1,0 1-1,0-1 1,1 0 0,-1 0-1,0 0 1,0 0-1,0 1 1,0-1 0,0 0-1,0 0 1,1 0-1,-1 0 1,0 0 0,0 0-1,0 0 1,0 0 0,1 1-1,-1-1 1,0 0-1,0 0 1,0 0 0,0 0-1,1 0 1,-1 0-1,0 0 1,0 0 0,0 0-1,1 0 1,-1 0-1,0 0 1,0 0 0,0 0-1,0 0 1,1 0-1,-1 0 1,0-1 0,11-10 3478,-5-1-1575,-15 16-654,5 1-540,-1 0 0,1 0 1,-1 1-1,1 0 0,1-1 0,-1 1 1,1 1-1,0-1 0,1 0 0,-1 1 1,1-1-1,1 1 0,-3 11 0,1 11 79,1 0 0,2 32 0,0-33-674,0 1-1,-6 30 1,4-45-210,-1-1 0,0 1 0,-2-1-1,1 0 1,-2 0 0,-6 12 0,11-22-12,-1-1 0,1 0 1,0 0-1,-1 1 0,1-1 1,-1 0-1,0 0 0,0 0 0,1-1 1,-1 1-1,0 0 0,-1-1 0,1 1 1,0-1-1,0 0 0,-1 0 0,1 0 1,-1 0-1,1 0 0,-1 0 1,1-1-1,-1 1 0,1-1 0,-1 1 1,1-1-1,-1 0 0,0 0 0,1-1 1,-1 1-1,0 0 0,1-1 0,-1 1 1,1-1-1,-1 0 0,1 0 1,0 0-1,-1 0 0,1-1 0,-4-2 1,2 2-21,-1-1 1,1 0-1,0 0 1,0-1-1,0 1 0,0-1 1,1 0-1,-1 0 1,1 0-1,0 0 1,0-1-1,1 1 1,-1-1-1,1 0 1,0 0-1,0 0 1,-1-8-1,2 5 10,0 0 0,1 0 0,0 0 1,0 1-1,1-1 0,0 0 0,1 0 0,-1 1 0,1-1 0,6-12 0,2-2-24,1 1 0,1 1 0,1 0 0,0 0 0,2 1-1,31-31 1,-35 39-433,1 1 0,0 0 0,1 1-1,0 0 1,0 1 0,22-10 0,-21 12-1244,0 1 1,0 1 0,0 0-1,15-1 1,-26 4 1029,0 1 0,0 0 0,1-1 0,-1 1 0,0-1 0,0 0 0,0 0 0,0-1 0,0 1 0,0 0 0,-1-1 0,1 0 0,0 1 0,-1-1 0,1 0 0,-1-1 0,3-1 0,1-10-2121</inkml:trace>
+</inkml:ink>
+</file>
+
+<file path=ppt/ink/ink17.xml><?xml version="1.0" encoding="utf-8"?>
+<inkml:ink xmlns:inkml="http://www.w3.org/2003/InkML">
+  <inkml:definitions>
+    <inkml:context xml:id="ctx0">
+      <inkml:inkSource xml:id="inkSrc0">
+        <inkml:traceFormat>
+          <inkml:channel name="X" type="integer" min="-2.14748E9" max="2.14748E9" units="cm"/>
+          <inkml:channel name="Y" type="integer" min="-2.14748E9" max="2.14748E9" units="cm"/>
+          <inkml:channel name="F" type="integer" max="32767" units="dev"/>
+        </inkml:traceFormat>
+        <inkml:channelProperties>
+          <inkml:channelProperty channel="X" name="resolution" value="1000" units="1/cm"/>
+          <inkml:channelProperty channel="Y" name="resolution" value="1000" units="1/cm"/>
+          <inkml:channelProperty channel="F" name="resolution" value="0" units="1/dev"/>
+        </inkml:channelProperties>
+      </inkml:inkSource>
+      <inkml:timestamp xml:id="ts0" timeString="2022-03-22T09:18:16.152"/>
+    </inkml:context>
+    <inkml:brush xml:id="br0">
+      <inkml:brushProperty name="width" value="0.05" units="cm"/>
+      <inkml:brushProperty name="height" value="0.05" units="cm"/>
+      <inkml:brushProperty name="color" value="#00A0D7"/>
+    </inkml:brush>
+  </inkml:definitions>
+  <inkml:trace contextRef="#ctx0" brushRef="#br0">118 266 240,'-19'4'11206,"5"-9"-5665,12 3-5347,1 0 1,-1 1-1,1-1 1,0 0-1,0 0 1,0 0-1,0 0 1,0 0-1,0 0 1,0 0-1,1 0 1,-1 0 0,1-1-1,-1 1 1,1-3-1,0-7-32,1 0 1,1 1-1,-1-1 0,2 1 0,0-1 1,0 1-1,1 0 0,0 0 0,1 0 1,0 1-1,1-1 0,0 1 0,11-12 1,-13 17-94,1-1 0,0 1 0,1 0 0,-1 0 0,1 1 1,0 0-1,0 0 0,1 0 0,-1 1 0,1 0 0,0 0 0,-1 0 1,1 1-1,1 0 0,-1 1 0,7-1 0,-10 1 30,0 1-1,-1 0 1,1 0-1,0 0 1,0 1-1,-1-1 1,1 1-1,-1 0 1,1 0-1,0 0 1,-1 0-1,0 1 1,1-1-1,-1 1 1,0 0-1,0 0 1,0 0 0,0 1-1,0-1 1,0 1-1,-1-1 1,1 1-1,-1 0 1,0 0-1,0 0 1,0 0-1,0 1 1,0-1-1,-1 0 1,1 1-1,-1-1 1,0 1-1,1 4 1,-1-2-21,-1 0-1,0 0 1,1 0 0,-2 0 0,1 0-1,-1 0 1,0 0 0,0 0 0,-1 0-1,1 0 1,-1 0 0,-1-1 0,1 1-1,-1-1 1,0 1 0,0-1 0,-1 0-1,1 0 1,-1 0 0,0-1 0,0 1-1,-1-1 1,1 0 0,-7 4 0,-1 1-23,0 0 1,-1 0 0,0-1-1,0-1 1,-1 0-1,0-1 1,0-1-1,-25 7 1,36-11-111,0 0 0,1-1 0,-1 1 0,1-1 1,-1 1-1,0-1 0,1 0 0,-1 0 0,0 0 0,1 0 0,-1-1 0,0 1 1,1-1-1,-1 0 0,1 1 0,-1-1 0,1 0 0,-1-1 0,1 1 0,-1 0 1,1-1-1,0 1 0,0-1 0,0 0 0,0 1 0,0-1 0,0 0 0,0 0 0,1 0 1,-1-1-1,1 1 0,-1 0 0,1-1 0,-1-3 0,2 6 32,-1 0 1,1 0-1,0 0 0,0-1 0,0 1 1,0 0-1,0 0 0,0 0 0,0 0 0,0 0 1,0 0-1,-1 0 0,1 0 0,0 0 1,0-1-1,0 1 0,0 0 0,0 0 0,0 0 1,-1 0-1,1 0 0,0 0 0,0 0 0,0 0 1,0 0-1,0 0 0,-1 0 0,1 0 1,0 0-1,0 0 0,0 0 0,0 0 0,0 0 1,-1 0-1,1 0 0,0 0 0,0 0 1,0 1-1,0-1 0,0 0 0,0 0 0,-1 0 1,1 0-1,0 0 0,0 0 0,0 0 1,0 0-1,0 1 0,0-1 0,0 0 0,0 0 1,0 0-1,0 0 0,-1 0 0,1 1 1,-8 12-236,-5 18 674,3 15 369,3 1-1,2-1 0,1 1 0,4 61 0,1-73-701,5 0-46,13-6-3296,-18-28 2897,1 1 0,-1-1 0,0 0 0,1 0 0,-1 0 0,1 0 0,-1-1 0,1 1 0,0 0 0,-1-1 0,1 1 0,0-1 0,-1 1 0,1-1 0,0 0 0,0 1 0,-1-1 0,1 0 1,0 0-1,0-1 0,-1 1 0,1 0 0,0 0 0,0-1 0,-1 1 0,1-1 0,0 0 0,-1 1 0,1-1 0,-1 0 0,1 0 0,-1 0 0,1 0 0,-1 0 0,0 0 0,0-1 0,1 1 0,0-2 0,3-2-1054,-1-1-1,0 1 0,0-1 1,0-1-1,4-10 1,3-10-1660</inkml:trace>
+</inkml:ink>
+</file>
+
+<file path=ppt/ink/ink18.xml><?xml version="1.0" encoding="utf-8"?>
+<inkml:ink xmlns:inkml="http://www.w3.org/2003/InkML">
+  <inkml:definitions>
+    <inkml:context xml:id="ctx0">
+      <inkml:inkSource xml:id="inkSrc0">
+        <inkml:traceFormat>
+          <inkml:channel name="X" type="integer" min="-2.14748E9" max="2.14748E9" units="cm"/>
+          <inkml:channel name="Y" type="integer" min="-2.14748E9" max="2.14748E9" units="cm"/>
+          <inkml:channel name="F" type="integer" max="32767" units="dev"/>
+        </inkml:traceFormat>
+        <inkml:channelProperties>
+          <inkml:channelProperty channel="X" name="resolution" value="1000" units="1/cm"/>
+          <inkml:channelProperty channel="Y" name="resolution" value="1000" units="1/cm"/>
+          <inkml:channelProperty channel="F" name="resolution" value="0" units="1/dev"/>
+        </inkml:channelProperties>
+      </inkml:inkSource>
+      <inkml:timestamp xml:id="ts0" timeString="2022-03-22T09:18:16.698"/>
+    </inkml:context>
+    <inkml:brush xml:id="br0">
+      <inkml:brushProperty name="width" value="0.05" units="cm"/>
+      <inkml:brushProperty name="height" value="0.05" units="cm"/>
+      <inkml:brushProperty name="color" value="#00A0D7"/>
+    </inkml:brush>
+  </inkml:definitions>
+  <inkml:trace contextRef="#ctx0" brushRef="#br0">102 1 1100,'-4'9'12347,"-6"14"-8258,-4 2-875,2 2-1,-16 52 1,19-46-2457,1-1 1,2 2-1,1-1 1,-1 48-1,6-72-818,0-1 0,1 1-1,0 0 1,1-1 0,-1 1-1,1-1 1,1 1 0,0-1 0,0 0-1,1 0 1,0 0 0,8 11-1,-9-14-424,0-1-1,1-1 1,0 1-1,-1 0 0,2-1 1,-1 0-1,0 0 1,1 0-1,5 2 0,-5-2-630,1-1 0,-1 0 0,1-1 0,0 1 0,0-1 0,0 0 0,0-1 0,12 0 0,-9 0-161,0 0-1,0-1 1,0-1-1,0 1 0,0-2 1,0 1-1,0-1 1,0 0-1,13-8 1,8-10-905</inkml:trace>
+</inkml:ink>
+</file>
+
+<file path=ppt/ink/ink19.xml><?xml version="1.0" encoding="utf-8"?>
+<inkml:ink xmlns:inkml="http://www.w3.org/2003/InkML">
+  <inkml:definitions>
+    <inkml:context xml:id="ctx0">
+      <inkml:inkSource xml:id="inkSrc0">
+        <inkml:traceFormat>
+          <inkml:channel name="X" type="integer" min="-2.14748E9" max="2.14748E9" units="cm"/>
+          <inkml:channel name="Y" type="integer" min="-2.14748E9" max="2.14748E9" units="cm"/>
+          <inkml:channel name="F" type="integer" max="32767" units="dev"/>
+        </inkml:traceFormat>
+        <inkml:channelProperties>
+          <inkml:channelProperty channel="X" name="resolution" value="1000" units="1/cm"/>
+          <inkml:channelProperty channel="Y" name="resolution" value="1000" units="1/cm"/>
+          <inkml:channelProperty channel="F" name="resolution" value="0" units="1/dev"/>
+        </inkml:channelProperties>
+      </inkml:inkSource>
+      <inkml:timestamp xml:id="ts0" timeString="2022-03-22T09:18:17.214"/>
+    </inkml:context>
+    <inkml:brush xml:id="br0">
+      <inkml:brushProperty name="width" value="0.05" units="cm"/>
+      <inkml:brushProperty name="height" value="0.05" units="cm"/>
+      <inkml:brushProperty name="color" value="#00A0D7"/>
+    </inkml:brush>
+  </inkml:definitions>
+  <inkml:trace contextRef="#ctx0" brushRef="#br0">1 0 1320,'8'20'10788,"2"1"-4210,-8-9-4252,9 52 4402,-7-45-6060,1 0 0,0-1 0,8 19-1,-11-34-824,0 1 0,0-1 0,0 1-1,0-1 1,0 0 0,0 0 0,1 0-1,0 0 1,0 0 0,3 2 0,-4-4-344,1 1 1,-1-1 0,1 0-1,0 0 1,-1 0 0,1 0-1,0 0 1,0-1-1,-1 1 1,1-1 0,0 0-1,0 0 1,0 0 0,0 0-1,0 0 1,-1-1 0,1 1-1,0-1 1,0 0-1,0 0 1,-1 0 0,1 0-1,-1 0 1,1-1 0,-1 1-1,1-1 1,-1 0 0,0 1-1,0-1 1,0 0 0,0 0-1,3-4 1,4-4-1400,-1-1-1,0 0 1,9-17 0,-8 14 745,19-31-1479</inkml:trace>
+</inkml:ink>
+</file>
+
+<file path=ppt/ink/ink2.xml><?xml version="1.0" encoding="utf-8"?>
+<inkml:ink xmlns:inkml="http://www.w3.org/2003/InkML">
+  <inkml:definitions>
+    <inkml:context xml:id="ctx0">
+      <inkml:inkSource xml:id="inkSrc0">
+        <inkml:traceFormat>
+          <inkml:channel name="X" type="integer" min="-2.14748E9" max="2.14748E9" units="cm"/>
+          <inkml:channel name="Y" type="integer" min="-2.14748E9" max="2.14748E9" units="cm"/>
+          <inkml:channel name="F" type="integer" max="32767" units="dev"/>
+        </inkml:traceFormat>
+        <inkml:channelProperties>
+          <inkml:channelProperty channel="X" name="resolution" value="1000" units="1/cm"/>
+          <inkml:channelProperty channel="Y" name="resolution" value="1000" units="1/cm"/>
+          <inkml:channelProperty channel="F" name="resolution" value="0" units="1/dev"/>
+        </inkml:channelProperties>
+      </inkml:inkSource>
+      <inkml:timestamp xml:id="ts0" timeString="2022-03-22T09:18:01.866"/>
+    </inkml:context>
+    <inkml:brush xml:id="br0">
+      <inkml:brushProperty name="width" value="0.05" units="cm"/>
+      <inkml:brushProperty name="height" value="0.05" units="cm"/>
+      <inkml:brushProperty name="color" value="#00A0D7"/>
+    </inkml:brush>
+  </inkml:definitions>
+  <inkml:trace contextRef="#ctx0" brushRef="#br0">182 31 944,'12'1'6520,"-4"-14"-2125,-7 12-4126,-1 0-1,1 0 1,-1-1-1,1 1 1,0 0-1,9-10 9324,-14 12-5996,-21 13-1405,9 1-1921,0 0-1,2 1 0,0 0 0,1 1 0,0 1 1,-11 22-1,4-3 6,3 1 0,-18 49 0,34-85-276,1 0 1,-1 0-1,0 0 1,1 0-1,-1 0 1,1 0-1,0 0 0,-1 0 1,1 0-1,0 0 1,0 1-1,0-1 1,1 0-1,-1 0 1,1 0-1,-1 0 0,1 0 1,-1 0-1,1 0 1,0 0-1,0 0 1,0-1-1,0 1 1,0 0-1,1 0 0,-1-1 1,0 1-1,1-1 1,-1 1-1,1-1 1,3 2-1,3 2-4,0-1 0,1-1-1,0 0 1,-1 0 0,1-1 0,9 2 0,2 1 2,5 0 19,0-1 0,0-1 1,1-1-1,-1-1 1,0-1-1,1-1 1,-1-1-1,43-10 1,-19-5-99,-59 40-4909,6-2-6100</inkml:trace>
+</inkml:ink>
+</file>
+
+<file path=ppt/ink/ink20.xml><?xml version="1.0" encoding="utf-8"?>
+<inkml:ink xmlns:inkml="http://www.w3.org/2003/InkML">
+  <inkml:definitions>
+    <inkml:context xml:id="ctx0">
+      <inkml:inkSource xml:id="inkSrc0">
+        <inkml:traceFormat>
+          <inkml:channel name="X" type="integer" min="-2.14748E9" max="2.14748E9" units="cm"/>
+          <inkml:channel name="Y" type="integer" min="-2.14748E9" max="2.14748E9" units="cm"/>
+          <inkml:channel name="F" type="integer" max="32767" units="dev"/>
+        </inkml:traceFormat>
+        <inkml:channelProperties>
+          <inkml:channelProperty channel="X" name="resolution" value="1000" units="1/cm"/>
+          <inkml:channelProperty channel="Y" name="resolution" value="1000" units="1/cm"/>
+          <inkml:channelProperty channel="F" name="resolution" value="0" units="1/dev"/>
+        </inkml:channelProperties>
+      </inkml:inkSource>
+      <inkml:timestamp xml:id="ts0" timeString="2022-03-22T09:18:17.540"/>
+    </inkml:context>
+    <inkml:brush xml:id="br0">
+      <inkml:brushProperty name="width" value="0.05" units="cm"/>
+      <inkml:brushProperty name="height" value="0.05" units="cm"/>
+      <inkml:brushProperty name="color" value="#00A0D7"/>
+    </inkml:brush>
+  </inkml:definitions>
+  <inkml:trace contextRef="#ctx0" brushRef="#br0">45 34 600,'-15'-9'2808,"-14"-15"21587,29 28-24447,5 7-1489,0 5-1779,-5 1-948,0 5-445,0-2-19,0 0 531,-5-5 993,0-1 1500</inkml:trace>
+</inkml:ink>
+</file>
+
+<file path=ppt/ink/ink21.xml><?xml version="1.0" encoding="utf-8"?>
+<inkml:ink xmlns:inkml="http://www.w3.org/2003/InkML">
+  <inkml:definitions>
+    <inkml:context xml:id="ctx0">
+      <inkml:inkSource xml:id="inkSrc0">
+        <inkml:traceFormat>
+          <inkml:channel name="X" type="integer" min="-2.14748E9" max="2.14748E9" units="cm"/>
+          <inkml:channel name="Y" type="integer" min="-2.14748E9" max="2.14748E9" units="cm"/>
+          <inkml:channel name="F" type="integer" max="32767" units="dev"/>
+        </inkml:traceFormat>
+        <inkml:channelProperties>
+          <inkml:channelProperty channel="X" name="resolution" value="1000" units="1/cm"/>
+          <inkml:channelProperty channel="Y" name="resolution" value="1000" units="1/cm"/>
+          <inkml:channelProperty channel="F" name="resolution" value="0" units="1/dev"/>
+        </inkml:channelProperties>
+      </inkml:inkSource>
+      <inkml:timestamp xml:id="ts0" timeString="2022-03-22T09:18:18.039"/>
+    </inkml:context>
+    <inkml:brush xml:id="br0">
+      <inkml:brushProperty name="width" value="0.05" units="cm"/>
+      <inkml:brushProperty name="height" value="0.05" units="cm"/>
+      <inkml:brushProperty name="color" value="#00A0D7"/>
+    </inkml:brush>
+  </inkml:definitions>
+  <inkml:trace contextRef="#ctx0" brushRef="#br0">117 38 576,'1'-11'1632,"-8"-15"12757,-3 38-12724,-4 10-586,1 1-1,1 0 1,1 1 0,1 1 0,2 0 0,0 0 0,1 0 0,-4 37 0,8-39-848,1 0 1,1 0 0,1 0-1,1 0 1,1 0-1,1 0 1,1 0 0,1 0-1,14 39 1,-18-58-226,1 0 1,-1 0-1,1 0 1,0-1-1,0 1 0,1 0 1,-1-1-1,1 0 0,-1 1 1,1-1-1,0 0 1,0 0-1,1-1 0,-1 1 1,0-1-1,1 0 0,0 1 1,6 1-1,-6-3-86,0 0 1,0-1-1,1 1 0,-1-1 0,1 0 1,-1 0-1,0 0 0,1-1 0,-1 0 0,0 0 1,0 0-1,0 0 0,1-1 0,6-3 1,7-5-509,0-2 1,-1 0 0,-1 0 0,0-2 0,-1 0-1,15-17 1,-30 31 579,15-16-635,0 0 0,27-20 0,-42 36 683,0 0 0,1-1-1,-1 1 1,1 0 0,-1-1-1,1 1 1,-1 0 0,1 0-1,-1-1 1,1 1-1,-1 0 1,1 0 0,-1 0-1,1 0 1,-1 0 0,1 0-1,-1 0 1,1 0-1,-1 0 1,1 0 0,-1 0-1,1 0 1,-1 0 0,1 0-1,-1 0 1,1 1-1,-1-1 1,1 0 0,-1 0-1,1 0 1,-1 1 0,0-1-1,1 0 1,-1 1 0,1-1-1,-1 0 1,0 1-1,1-1 1,-1 1 0,0-1-1,1 1 1,-1-1 0,0 1-1,10 28 1609,-6-15-731,-2-11-867,-1-1 0,1 1 1,-1-1-1,1 1 0,0-1 0,0 0 1,0 0-1,0 0 0,1 0 0,-1 0 1,0-1-1,1 1 0,-1-1 0,1 1 0,0-1 1,-1 0-1,1 0 0,0 0 0,0-1 1,0 1-1,3 0 0,0-1-492,0 0 0,0 0 0,0-1-1,0 0 1,0 0 0,0 0 0,-1-1 0,1 0-1,-1 0 1,8-4 0,-4 1-1204,1 0-1,-1 0 1,0-1-1,-1-1 1,0 1-1,0-1 1,0-1-1,-1 1 1,0-1-1,0-1 1,-1 1-1,6-11 1,-7 4-433</inkml:trace>
+</inkml:ink>
+</file>
+
+<file path=ppt/ink/ink22.xml><?xml version="1.0" encoding="utf-8"?>
+<inkml:ink xmlns:inkml="http://www.w3.org/2003/InkML">
+  <inkml:definitions>
+    <inkml:context xml:id="ctx0">
+      <inkml:inkSource xml:id="inkSrc0">
+        <inkml:traceFormat>
+          <inkml:channel name="X" type="integer" min="-2.14748E9" max="2.14748E9" units="cm"/>
+          <inkml:channel name="Y" type="integer" min="-2.14748E9" max="2.14748E9" units="cm"/>
+          <inkml:channel name="F" type="integer" max="32767" units="dev"/>
+        </inkml:traceFormat>
+        <inkml:channelProperties>
+          <inkml:channelProperty channel="X" name="resolution" value="1000" units="1/cm"/>
+          <inkml:channelProperty channel="Y" name="resolution" value="1000" units="1/cm"/>
+          <inkml:channelProperty channel="F" name="resolution" value="0" units="1/dev"/>
+        </inkml:channelProperties>
+      </inkml:inkSource>
+      <inkml:timestamp xml:id="ts0" timeString="2022-03-22T09:18:18.394"/>
+    </inkml:context>
+    <inkml:brush xml:id="br0">
+      <inkml:brushProperty name="width" value="0.05" units="cm"/>
+      <inkml:brushProperty name="height" value="0.05" units="cm"/>
+      <inkml:brushProperty name="color" value="#00A0D7"/>
+    </inkml:brush>
+  </inkml:definitions>
+  <inkml:trace contextRef="#ctx0" brushRef="#br0">8 64 1208,'-3'17'1508,"1"-1"-1,0 1 1,2 0-1,0-1 1,0 1-1,2 0 1,0-1-1,1 0 1,0 1-1,1-1 1,1 0-1,1-1 1,0 1-1,10 16 1,-15-30-1378,1 0 0,0 0 0,-1 0 0,1 0 0,0 0 0,0 0 0,0 0 0,0 0 1,1-1-1,-1 1 0,0-1 0,1 1 0,-1-1 0,1 0 0,-1 0 0,1 0 0,-1-1 0,1 1 0,0-1 0,0 1 0,-1-1 1,1 0-1,0 0 0,-1 0 0,1 0 0,0 0 0,0-1 0,-1 1 0,1-1 0,0 0 0,-1 0 0,1 0 0,-1 0 0,1 0 1,-1-1-1,5-2 0,5-4 24,-1 0 0,1-1 1,-1 0-1,-1-1 0,17-19 0,58-82-1147,-41 51-4862,2 3-6662,-43 53 11652,0 1 0,0 0 0,0 0 1,1 0-1,0 0 0,-1 0 0,1 1 1,5-3-1,15-6-1294</inkml:trace>
+</inkml:ink>
+</file>
+
+<file path=ppt/ink/ink23.xml><?xml version="1.0" encoding="utf-8"?>
+<inkml:ink xmlns:inkml="http://www.w3.org/2003/InkML">
+  <inkml:definitions>
+    <inkml:context xml:id="ctx0">
+      <inkml:inkSource xml:id="inkSrc0">
+        <inkml:traceFormat>
+          <inkml:channel name="X" type="integer" min="-2.14748E9" max="2.14748E9" units="cm"/>
+          <inkml:channel name="Y" type="integer" min="-2.14748E9" max="2.14748E9" units="cm"/>
+          <inkml:channel name="F" type="integer" max="32767" units="dev"/>
+        </inkml:traceFormat>
+        <inkml:channelProperties>
+          <inkml:channelProperty channel="X" name="resolution" value="1000" units="1/cm"/>
+          <inkml:channelProperty channel="Y" name="resolution" value="1000" units="1/cm"/>
+          <inkml:channelProperty channel="F" name="resolution" value="0" units="1/dev"/>
+        </inkml:channelProperties>
+      </inkml:inkSource>
+      <inkml:timestamp xml:id="ts0" timeString="2022-03-22T09:18:19.733"/>
+    </inkml:context>
+    <inkml:brush xml:id="br0">
+      <inkml:brushProperty name="width" value="0.05" units="cm"/>
+      <inkml:brushProperty name="height" value="0.05" units="cm"/>
+      <inkml:brushProperty name="color" value="#00A0D7"/>
+    </inkml:brush>
+  </inkml:definitions>
+  <inkml:trace contextRef="#ctx0" brushRef="#br0">176 194 1256,'10'-11'2180,"-1"0"0,-1 0 0,0-1 0,10-18 0,-15 24-1305,0 0-1,0 0 1,-1 0-1,0-1 1,0 1 0,0 0-1,-1-1 1,0 1 0,0-1-1,-1 1 1,0-12-1,0 16-744,-1 1-1,1-1 1,0 1-1,-1-1 0,1 1 1,-1 0-1,1-1 1,-1 1-1,0 0 1,1-1-1,-1 1 0,0 0 1,0 0-1,0 0 1,0 0-1,0-1 0,0 1 1,0 1-1,0-1 1,-1 0-1,1 0 1,0 0-1,-1 1 0,1-1 1,0 1-1,-1-1 1,1 1-1,-1-1 0,1 1 1,0 0-1,-1 0 1,1-1-1,-1 1 0,1 0 1,-1 0-1,1 1 1,-1-1-1,1 0 1,-1 0-1,1 1 0,-1-1 1,1 1-1,0-1 1,-1 1-1,1 0 0,-2 1 1,-6 1 4,1 2 1,-1-1-1,1 1 1,0 0-1,-13 12 1,9-5 21,0 1 0,1 1-1,1 0 1,0 1 0,1 0 0,0 0 0,1 1 0,1 0 0,1 0 0,-7 24 0,6-14 33,1 1 1,1-1-1,2 1 0,0 0 1,2 0-1,2 30 1,0-44-163,1 0 0,0 0 0,0-1 0,2 1 0,-1 0 0,2-1 0,-1 0 0,2 0 0,7 13 0,-10-19-93,1-1 0,0 0-1,1 0 1,-1 0 0,1-1 0,0 1-1,0-1 1,0 0 0,0-1 0,1 1-1,0-1 1,0 0 0,0 0 0,0-1-1,0 0 1,0 0 0,1 0 0,-1-1-1,0 0 1,8 0 0,56-2-2912,0-15-3660,-61 12 5304,0 1 1,0-1-1,-1 0 1,1-1-1,-1 0 1,0 0-1,0-1 1,-1 0-1,1 0 1,-2-1-1,1 0 1,9-13-1,0-5-1763</inkml:trace>
+</inkml:ink>
+</file>
+
+<file path=ppt/ink/ink24.xml><?xml version="1.0" encoding="utf-8"?>
+<inkml:ink xmlns:inkml="http://www.w3.org/2003/InkML">
+  <inkml:definitions>
+    <inkml:context xml:id="ctx0">
+      <inkml:inkSource xml:id="inkSrc0">
+        <inkml:traceFormat>
+          <inkml:channel name="X" type="integer" min="-2.14748E9" max="2.14748E9" units="cm"/>
+          <inkml:channel name="Y" type="integer" min="-2.14748E9" max="2.14748E9" units="cm"/>
+          <inkml:channel name="F" type="integer" max="32767" units="dev"/>
+        </inkml:traceFormat>
+        <inkml:channelProperties>
+          <inkml:channelProperty channel="X" name="resolution" value="1000" units="1/cm"/>
+          <inkml:channelProperty channel="Y" name="resolution" value="1000" units="1/cm"/>
+          <inkml:channelProperty channel="F" name="resolution" value="0" units="1/dev"/>
+        </inkml:channelProperties>
+      </inkml:inkSource>
+      <inkml:timestamp xml:id="ts0" timeString="2022-03-22T09:18:20.336"/>
+    </inkml:context>
+    <inkml:brush xml:id="br0">
+      <inkml:brushProperty name="width" value="0.05" units="cm"/>
+      <inkml:brushProperty name="height" value="0.05" units="cm"/>
+      <inkml:brushProperty name="color" value="#00A0D7"/>
+    </inkml:brush>
+  </inkml:definitions>
+  <inkml:trace contextRef="#ctx0" brushRef="#br0">202 59 1592,'1'-2'443,"0"1"0,0-1-1,-1 0 1,1 0 0,-1 0-1,1 1 1,-1-1 0,0 0-1,1 0 1,-1 0 0,0 0 0,0 0-1,-1 1 1,1-1 0,0 0-1,-1 0 1,1 0 0,-1 0 0,1 1-1,-1-1 1,0 0 0,-1-2-1,0 2-45,0 1-1,0-1 1,1 1-1,-1 0 1,0 0-1,0 0 0,0 0 1,0 0-1,-1 0 1,1 0-1,0 1 1,0-1-1,0 1 1,-1-1-1,1 1 0,-3 0 1,-5 0 601,-1 1 0,0 0 1,0 0-1,1 1 0,-1 0 0,-19 8 1,27-9-843,-4 2 147,0 0 0,0 0 0,1 0 0,-1 1 0,1-1-1,-8 7 1,13-8-268,0-1 0,0 0-1,0 0 1,0 0 0,0 1-1,0-1 1,0 1 0,1-1-1,-1 0 1,0 1 0,1-1-1,-1 1 1,1-1 0,0 1-1,0 0 1,-1-1 0,1 1-1,0-1 1,0 1 0,0 0 0,1-1-1,-1 1 1,0-1 0,1 1-1,-1-1 1,1 1 0,-1-1-1,1 1 1,-1-1 0,1 1-1,0-1 1,0 0 0,0 1-1,0-1 1,2 2 0,10 12 72,1 0 0,1-1 0,0-1 0,1 0 1,34 20-1,-33-23 1,-1 0 1,-1 1-1,0 1 1,0 1-1,-1 0 1,18 22-1,-30-31-60,1-1-1,-1 1 1,0 0-1,0 0 0,0 0 1,-1 0-1,0 0 0,1 1 1,-1-1-1,-1 0 0,1 1 1,-1-1-1,1 0 0,-1 1 1,0-1-1,-1 1 0,1-1 1,-1 0-1,0 1 0,0-1 1,0 0-1,-1 0 1,1 0-1,-1 1 0,0-2 1,-4 6-1,3-4-80,-1 0 0,1-1 0,-1 1 1,0-1-1,0 0 0,-1 0 0,0-1 0,1 1 1,-1-1-1,0 0 0,0 0 0,-1-1 0,1 1 0,0-1 1,-1 0-1,0-1 0,1 0 0,-1 1 0,-7-1 1,7-1 573,-13 1-2322,-6-4-6697,24 3 8109,1 0-1,-1 0 0,1-1 1,-1 1-1,1 0 1,-1-1-1,1 1 1,-1 0-1,1-1 1,-1 1-1,1-1 1,-1 1-1,1-1 0,0 1 1,-1-1-1,1 1 1,0-1-1,-1 1 1,1-1-1,0 1 1,0-1-1,0 0 1,-1 0-1,9-23-6728,6 6 3881,5 1 1191</inkml:trace>
+</inkml:ink>
+</file>
+
+<file path=ppt/ink/ink25.xml><?xml version="1.0" encoding="utf-8"?>
+<inkml:ink xmlns:inkml="http://www.w3.org/2003/InkML">
+  <inkml:definitions>
+    <inkml:context xml:id="ctx0">
+      <inkml:inkSource xml:id="inkSrc0">
+        <inkml:traceFormat>
+          <inkml:channel name="X" type="integer" min="-2.14748E9" max="2.14748E9" units="cm"/>
+          <inkml:channel name="Y" type="integer" min="-2.14748E9" max="2.14748E9" units="cm"/>
+          <inkml:channel name="F" type="integer" max="32767" units="dev"/>
+        </inkml:traceFormat>
+        <inkml:channelProperties>
+          <inkml:channelProperty channel="X" name="resolution" value="1000" units="1/cm"/>
+          <inkml:channelProperty channel="Y" name="resolution" value="1000" units="1/cm"/>
+          <inkml:channelProperty channel="F" name="resolution" value="0" units="1/dev"/>
+        </inkml:channelProperties>
+      </inkml:inkSource>
+      <inkml:timestamp xml:id="ts0" timeString="2022-03-22T09:18:20.965"/>
+    </inkml:context>
+    <inkml:brush xml:id="br0">
+      <inkml:brushProperty name="width" value="0.05" units="cm"/>
+      <inkml:brushProperty name="height" value="0.05" units="cm"/>
+      <inkml:brushProperty name="color" value="#00A0D7"/>
+    </inkml:brush>
+  </inkml:definitions>
+  <inkml:trace contextRef="#ctx0" brushRef="#br0">199 105 848,'3'-5'1349,"-1"0"-1,-1-1 1,1 1-1,-1-1 1,0 1-1,0-1 1,0-10-1,-1 13-970,0 1 0,-1 0-1,0 1 1,1-1 0,-1 0-1,0 0 1,0 0 0,0 0 0,0 1-1,0-1 1,0 0 0,-1 1-1,1-1 1,0 1 0,-1-1-1,0 1 1,1 0 0,-1-1-1,0 1 1,1 0 0,-1 0 0,0 0-1,0 1 1,0-1 0,0 0-1,-3 0 1,-5-2 372,-1 1-1,0 0 1,1 0-1,-1 1 1,0 1-1,0 0 1,-15 1-1,22 0-707,0-1-1,0 1 1,0 0 0,1 0-1,-1 1 1,1-1-1,-1 0 1,1 1-1,-1 0 1,1 0-1,-4 3 1,6-4-31,0 1 0,-1-1 0,1 1 0,0 0 1,-1-1-1,1 1 0,0 0 0,0 0 0,1 0 0,-1 0 1,0 0-1,0 0 0,1 0 0,0 0 0,-1 0 1,1 0-1,0 0 0,0 0 0,0 1 0,0-1 0,1 3 1,0-1 1,0-1 0,0 1 0,0 0 1,1-1-1,0 1 0,-1-1 0,1 0 1,1 1-1,-1-1 0,0 0 0,1 0 0,0-1 1,-1 1-1,7 4 0,51 33 141,-36-26-87,3 5 68,40 32 1,-59-44-80,-1 1-1,1 0 1,-1 0 0,-1 0 0,0 1-1,0-1 1,-1 2 0,9 18 0,-13-26-30,0 1 0,0 0 0,0 0 0,-1-1 0,1 1-1,-1 0 1,0 0 0,1 0 0,-1 0 0,-1 0 0,1 0 0,0 0 0,-1 0 0,1-1 0,-1 1 0,0 0 0,0 0 0,0 0 0,0-1 0,-1 1 0,1-1 0,-1 1 0,1-1 0,-1 1 0,0-1 0,0 0 0,0 0 0,0 0 0,0 0 0,-1 0 0,1-1 0,0 1-1,-1-1 1,-4 3 0,-9 3-282,0 0-1,0-2 0,-1 0 1,-28 6-1,18-5-1124,-71 24-10957,78-23 7079,48-18-4895</inkml:trace>
+</inkml:ink>
+</file>
+
+<file path=ppt/ink/ink26.xml><?xml version="1.0" encoding="utf-8"?>
+<inkml:ink xmlns:inkml="http://www.w3.org/2003/InkML">
+  <inkml:definitions>
+    <inkml:context xml:id="ctx0">
+      <inkml:inkSource xml:id="inkSrc0">
+        <inkml:traceFormat>
+          <inkml:channel name="X" type="integer" min="-2.14748E9" max="2.14748E9" units="cm"/>
+          <inkml:channel name="Y" type="integer" min="-2.14748E9" max="2.14748E9" units="cm"/>
+          <inkml:channel name="F" type="integer" max="32767" units="dev"/>
+        </inkml:traceFormat>
+        <inkml:channelProperties>
+          <inkml:channelProperty channel="X" name="resolution" value="1000" units="1/cm"/>
+          <inkml:channelProperty channel="Y" name="resolution" value="1000" units="1/cm"/>
+          <inkml:channelProperty channel="F" name="resolution" value="0" units="1/dev"/>
+        </inkml:channelProperties>
+      </inkml:inkSource>
+      <inkml:timestamp xml:id="ts0" timeString="2022-03-22T09:18:29.327"/>
+    </inkml:context>
+    <inkml:brush xml:id="br0">
+      <inkml:brushProperty name="width" value="0.05" units="cm"/>
+      <inkml:brushProperty name="height" value="0.05" units="cm"/>
+      <inkml:brushProperty name="color" value="#00A0D7"/>
+    </inkml:brush>
+  </inkml:definitions>
+  <inkml:trace contextRef="#ctx0" brushRef="#br0">191 10 1716,'15'-10'7264,"-7"13"-729,-8 9-2194,-9 4-3718,-64 79 3593,-53 75-1801,121-157-3579,16-17-7963,-10 3 8126,0 0 0,1-1 1,-1 1-1,0-1 1,1 0-1,-1 1 0,0-1 1,0 0-1,-1 0 0,2-2 1,1-4-1914,-2-1 608</inkml:trace>
+</inkml:ink>
+</file>
+
+<file path=ppt/ink/ink27.xml><?xml version="1.0" encoding="utf-8"?>
+<inkml:ink xmlns:inkml="http://www.w3.org/2003/InkML">
+  <inkml:definitions>
+    <inkml:context xml:id="ctx0">
+      <inkml:inkSource xml:id="inkSrc0">
+        <inkml:traceFormat>
+          <inkml:channel name="X" type="integer" min="-2.14748E9" max="2.14748E9" units="cm"/>
+          <inkml:channel name="Y" type="integer" min="-2.14748E9" max="2.14748E9" units="cm"/>
+          <inkml:channel name="F" type="integer" max="32767" units="dev"/>
+        </inkml:traceFormat>
+        <inkml:channelProperties>
+          <inkml:channelProperty channel="X" name="resolution" value="1000" units="1/cm"/>
+          <inkml:channelProperty channel="Y" name="resolution" value="1000" units="1/cm"/>
+          <inkml:channelProperty channel="F" name="resolution" value="0" units="1/dev"/>
+        </inkml:channelProperties>
+      </inkml:inkSource>
+      <inkml:timestamp xml:id="ts0" timeString="2022-03-22T09:18:29.655"/>
+    </inkml:context>
+    <inkml:brush xml:id="br0">
+      <inkml:brushProperty name="width" value="0.05" units="cm"/>
+      <inkml:brushProperty name="height" value="0.05" units="cm"/>
+      <inkml:brushProperty name="color" value="#00A0D7"/>
+    </inkml:brush>
+  </inkml:definitions>
+  <inkml:trace contextRef="#ctx0" brushRef="#br0">255 128 1708,'-9'9'13617,"9"-9"-13400,-12-7-906,-39-19 1292,-87-50-1346,121 68-2147,-6-5-7131,18 7 8239</inkml:trace>
+</inkml:ink>
+</file>
+
+<file path=ppt/ink/ink28.xml><?xml version="1.0" encoding="utf-8"?>
+<inkml:ink xmlns:inkml="http://www.w3.org/2003/InkML">
+  <inkml:definitions>
+    <inkml:context xml:id="ctx0">
+      <inkml:inkSource xml:id="inkSrc0">
+        <inkml:traceFormat>
+          <inkml:channel name="X" type="integer" min="-2.14748E9" max="2.14748E9" units="cm"/>
+          <inkml:channel name="Y" type="integer" min="-2.14748E9" max="2.14748E9" units="cm"/>
+          <inkml:channel name="F" type="integer" max="32767" units="dev"/>
+        </inkml:traceFormat>
+        <inkml:channelProperties>
+          <inkml:channelProperty channel="X" name="resolution" value="1000" units="1/cm"/>
+          <inkml:channelProperty channel="Y" name="resolution" value="1000" units="1/cm"/>
+          <inkml:channelProperty channel="F" name="resolution" value="0" units="1/dev"/>
+        </inkml:channelProperties>
+      </inkml:inkSource>
+      <inkml:timestamp xml:id="ts0" timeString="2022-03-22T09:18:30.159"/>
+    </inkml:context>
+    <inkml:brush xml:id="br0">
+      <inkml:brushProperty name="width" value="0.05" units="cm"/>
+      <inkml:brushProperty name="height" value="0.05" units="cm"/>
+      <inkml:brushProperty name="color" value="#00A0D7"/>
+    </inkml:brush>
+  </inkml:definitions>
+  <inkml:trace contextRef="#ctx0" brushRef="#br0">16 0 1448,'1'0'440,"0"1"-1,0-1 1,0 0-1,0 1 1,0-1 0,0 1-1,0 0 1,0-1-1,0 1 1,0 0 0,0-1-1,0 1 1,0 0-1,0 0 1,-1 0-1,1 0 1,1 1 0,4 22 3967,-11 38-1502,0-25-1829,4-24-860,0-1-1,-1 0 1,0 0-1,-7 18 1,6-18-576,0-1 1,0 0-1,1 1 1,-1 17 0</inkml:trace>
+</inkml:ink>
+</file>
+
+<file path=ppt/ink/ink29.xml><?xml version="1.0" encoding="utf-8"?>
+<inkml:ink xmlns:inkml="http://www.w3.org/2003/InkML">
+  <inkml:definitions>
+    <inkml:context xml:id="ctx0">
+      <inkml:inkSource xml:id="inkSrc0">
+        <inkml:traceFormat>
+          <inkml:channel name="X" type="integer" min="-2.14748E9" max="2.14748E9" units="cm"/>
+          <inkml:channel name="Y" type="integer" min="-2.14748E9" max="2.14748E9" units="cm"/>
+          <inkml:channel name="F" type="integer" max="32767" units="dev"/>
+        </inkml:traceFormat>
+        <inkml:channelProperties>
+          <inkml:channelProperty channel="X" name="resolution" value="1000" units="1/cm"/>
+          <inkml:channelProperty channel="Y" name="resolution" value="1000" units="1/cm"/>
+          <inkml:channelProperty channel="F" name="resolution" value="0" units="1/dev"/>
+        </inkml:channelProperties>
+      </inkml:inkSource>
+      <inkml:timestamp xml:id="ts0" timeString="2022-03-22T09:18:30.552"/>
+    </inkml:context>
+    <inkml:brush xml:id="br0">
+      <inkml:brushProperty name="width" value="0.05" units="cm"/>
+      <inkml:brushProperty name="height" value="0.05" units="cm"/>
+      <inkml:brushProperty name="color" value="#00A0D7"/>
+    </inkml:brush>
+  </inkml:definitions>
+  <inkml:trace contextRef="#ctx0" brushRef="#br0">416 0 872,'4'3'3692,"-3"-3"-3446,-1 1 1,0-1-1,0 0 0,0 0 0,0 1 0,1-1 0,-1 0 0,0 1 1,0-1-1,0 0 0,0 1 0,0-1 0,0 0 0,0 1 0,0-1 1,0 0-1,0 1 0,0-1 0,0 1 0,0-1 0,0 0 1,-1 1-1,1-1 0,0 0 0,0 0 0,0 1 0,0-1 0,-1 0 1,1 1-1,-21 11 4241,-48 5-4079,47-12 583,-86 21-170,-10 3-586,42-5-3165,71-22 2887</inkml:trace>
+</inkml:ink>
+</file>
+
+<file path=ppt/ink/ink3.xml><?xml version="1.0" encoding="utf-8"?>
+<inkml:ink xmlns:inkml="http://www.w3.org/2003/InkML">
+  <inkml:definitions>
+    <inkml:context xml:id="ctx0">
+      <inkml:inkSource xml:id="inkSrc0">
+        <inkml:traceFormat>
+          <inkml:channel name="X" type="integer" min="-2.14748E9" max="2.14748E9" units="cm"/>
+          <inkml:channel name="Y" type="integer" min="-2.14748E9" max="2.14748E9" units="cm"/>
+          <inkml:channel name="F" type="integer" max="32767" units="dev"/>
+        </inkml:traceFormat>
+        <inkml:channelProperties>
+          <inkml:channelProperty channel="X" name="resolution" value="1000" units="1/cm"/>
+          <inkml:channelProperty channel="Y" name="resolution" value="1000" units="1/cm"/>
+          <inkml:channelProperty channel="F" name="resolution" value="0" units="1/dev"/>
+        </inkml:channelProperties>
+      </inkml:inkSource>
+      <inkml:timestamp xml:id="ts0" timeString="2022-03-22T09:18:06.184"/>
+    </inkml:context>
+    <inkml:brush xml:id="br0">
+      <inkml:brushProperty name="width" value="0.05" units="cm"/>
+      <inkml:brushProperty name="height" value="0.05" units="cm"/>
+      <inkml:brushProperty name="color" value="#00A0D7"/>
+    </inkml:brush>
+  </inkml:definitions>
+  <inkml:trace contextRef="#ctx0" brushRef="#br0">35 21 568,'-2'124'13736,"-15"59"-6296,9-108-4517,1 89 1,11-140-2232,6-34-317,9-38-181,-19 46-192,25-82-220,18-114-1,-22 90-887,-17 86 762,0-5-365,-2 46 501,-2 11 358,2 0-1,1 0 1,1-1-1,1 1 1,10 29-1,-11-47-84,0 1 0,1-1 0,1 1 0,0-1 0,0-1-1,2 1 1,-1-1 0,1-1 0,1 1 0,0-1 0,0-1 0,1 0-1,18 14 1,-25-21-37,1 0 0,0 0 0,-1 0 0,1 0 0,0 0 0,0-1 0,0 0 0,0 1 0,0-2 0,0 1 0,0 0 0,1-1 0,-1 0 0,0 0 0,0 0 0,0 0 0,1-1 0,3-1 0,-1 0 12,-1 0-1,0-1 0,0 0 0,-1 0 1,1 0-1,-1-1 0,1 0 1,-1 0-1,0-1 0,7-7 0,3-7 44,0-1 0,-1 0 0,-1-1 0,-1 0 0,9-25 0,-12 23-468,-2-1 0,0 0 0,-2 0-1,0-1 1,1-46 0,-5 62-116,1-4-1599,0 1 0,1 0-1,8-21 1,9-7-11348</inkml:trace>
+</inkml:ink>
+</file>
+
+<file path=ppt/ink/ink30.xml><?xml version="1.0" encoding="utf-8"?>
+<inkml:ink xmlns:inkml="http://www.w3.org/2003/InkML">
+  <inkml:definitions>
+    <inkml:context xml:id="ctx0">
+      <inkml:inkSource xml:id="inkSrc0">
+        <inkml:traceFormat>
+          <inkml:channel name="X" type="integer" min="-2.14748E9" max="2.14748E9" units="cm"/>
+          <inkml:channel name="Y" type="integer" min="-2.14748E9" max="2.14748E9" units="cm"/>
+          <inkml:channel name="F" type="integer" max="32767" units="dev"/>
+        </inkml:traceFormat>
+        <inkml:channelProperties>
+          <inkml:channelProperty channel="X" name="resolution" value="1000" units="1/cm"/>
+          <inkml:channelProperty channel="Y" name="resolution" value="1000" units="1/cm"/>
+          <inkml:channelProperty channel="F" name="resolution" value="0" units="1/dev"/>
+        </inkml:channelProperties>
+      </inkml:inkSource>
+      <inkml:timestamp xml:id="ts0" timeString="2022-03-22T09:18:31.635"/>
+    </inkml:context>
+    <inkml:brush xml:id="br0">
+      <inkml:brushProperty name="width" value="0.05" units="cm"/>
+      <inkml:brushProperty name="height" value="0.05" units="cm"/>
+      <inkml:brushProperty name="color" value="#00A0D7"/>
+    </inkml:brush>
+  </inkml:definitions>
+  <inkml:trace contextRef="#ctx0" brushRef="#br0">0 16 1160,'2'-1'700,"0"-1"-1,-1 1 1,1-1-1,0 1 1,1 0 0,-1-1-1,0 1 1,0 0-1,0 1 1,0-1 0,1 0-1,-1 1 1,0-1-1,1 1 1,2 0-1,-2 0-176,0 0-1,0 0 1,0 1-1,0 0 0,0-1 1,0 1-1,0 0 1,0 1-1,0-1 0,3 3 1,7 5 227,-2 0-1,1 1 1,-2 0 0,13 14 0,11 11 1926,-22-24-2257,-1-1 1,-1 2-1,0 0 0,-1 0 1,0 1-1,-1 0 0,0 0 1,11 28-1,-1 11-2075,-3 3-4036,-13-42 1003</inkml:trace>
+</inkml:ink>
+</file>
+
+<file path=ppt/ink/ink4.xml><?xml version="1.0" encoding="utf-8"?>
+<inkml:ink xmlns:inkml="http://www.w3.org/2003/InkML">
+  <inkml:definitions>
+    <inkml:context xml:id="ctx0">
+      <inkml:inkSource xml:id="inkSrc0">
+        <inkml:traceFormat>
+          <inkml:channel name="X" type="integer" min="-2.14748E9" max="2.14748E9" units="cm"/>
+          <inkml:channel name="Y" type="integer" min="-2.14748E9" max="2.14748E9" units="cm"/>
+          <inkml:channel name="F" type="integer" max="32767" units="dev"/>
+        </inkml:traceFormat>
+        <inkml:channelProperties>
+          <inkml:channelProperty channel="X" name="resolution" value="1000" units="1/cm"/>
+          <inkml:channelProperty channel="Y" name="resolution" value="1000" units="1/cm"/>
+          <inkml:channelProperty channel="F" name="resolution" value="0" units="1/dev"/>
+        </inkml:channelProperties>
+      </inkml:inkSource>
+      <inkml:timestamp xml:id="ts0" timeString="2022-03-22T09:18:06.682"/>
+    </inkml:context>
+    <inkml:brush xml:id="br0">
+      <inkml:brushProperty name="width" value="0.05" units="cm"/>
+      <inkml:brushProperty name="height" value="0.05" units="cm"/>
+      <inkml:brushProperty name="color" value="#00A0D7"/>
+    </inkml:brush>
+  </inkml:definitions>
+  <inkml:trace contextRef="#ctx0" brushRef="#br0">46 275 736,'-3'8'7401,"2"-8"-7154,1 0-1,0 0 1,-1 0 0,-11-3 3518,-10-16-620,21 14-2906,-1 0-1,1-1 1,0 1-1,0-1 1,1 1-1,0-1 1,0 1-1,0-1 1,1 1-1,-1 0 1,1-1-1,1 1 1,-1 0-1,1-1 1,0 1-1,0 0 1,4-7-1,3-6 49,1 0 1,0 1-1,20-24 0,-24 34-18,1 0 0,0 0 0,0 1 0,0 0 0,1 0 0,0 0 1,10-4-1,-16 9-185,-1 0 1,0 0 0,1 0 0,-1 0 0,1 1 0,-1-1 0,1 1 0,-1-1 0,1 1-1,0-1 1,-1 1 0,1 0 0,0 0 0,-1 0 0,1 0 0,-1 0 0,1 0-1,0 0 1,-1 0 0,1 1 0,0-1 0,-1 1 0,1-1 0,-1 1 0,1 0 0,-1-1-1,1 1 1,-1 0 0,0 0 0,1 0 0,-1 0 0,0 0 0,0 1 0,0-1-1,0 0 1,0 0 0,0 1 0,0-1 0,0 0 0,0 1 0,-1-1 0,1 1 0,0 0-1,-1-1 1,0 1 0,1-1 0,-1 1 0,0 3 0,1 2 24,0 0 1,-1 1-1,-1-1 0,1 1 1,-1-1-1,0 0 1,-1 1-1,0-1 0,0 0 1,0 0-1,-1 0 1,0 0-1,-6 9 0,2-4-148,0 0 0,-1-1 0,-1 1 0,0-2 0,0 1 0,-12 9 0,3-8-107,1-8-3292,16-4 3206,1 0 0,-1 0 0,0 0 0,0-1 0,1 1 0,-1 0 1,0-1-1,1 1 0,-1-1 0,1 1 0,-1-1 0,0 1 0,1-1 0,-1 1 0,1-1 0,-1 0 0,1 1 0,-1-1 0,1 0 0,0 1 0,-1-1 0,1 0 0,0 1 0,0-1 0,-1 0 0,1 0 0,0 1 0,0-1 1,0 0-1,0 0 0,0 0 0,0 1 0,0-1 0,0 0 0,0 0 0,0 1 0,1-1 0,-1 0 0,0 0 0,1 1 0,-1-1 0,1-1 0,14-95-11818,-10 68 9460</inkml:trace>
+</inkml:ink>
+</file>
+
+<file path=ppt/ink/ink5.xml><?xml version="1.0" encoding="utf-8"?>
+<inkml:ink xmlns:inkml="http://www.w3.org/2003/InkML">
+  <inkml:definitions>
+    <inkml:context xml:id="ctx0">
+      <inkml:inkSource xml:id="inkSrc0">
+        <inkml:traceFormat>
+          <inkml:channel name="X" type="integer" min="-2.14748E9" max="2.14748E9" units="cm"/>
+          <inkml:channel name="Y" type="integer" min="-2.14748E9" max="2.14748E9" units="cm"/>
+          <inkml:channel name="F" type="integer" max="32767" units="dev"/>
+        </inkml:traceFormat>
+        <inkml:channelProperties>
+          <inkml:channelProperty channel="X" name="resolution" value="1000" units="1/cm"/>
+          <inkml:channelProperty channel="Y" name="resolution" value="1000" units="1/cm"/>
+          <inkml:channelProperty channel="F" name="resolution" value="0" units="1/dev"/>
+        </inkml:channelProperties>
+      </inkml:inkSource>
+      <inkml:timestamp xml:id="ts0" timeString="2022-03-22T09:18:07.007"/>
+    </inkml:context>
+    <inkml:brush xml:id="br0">
+      <inkml:brushProperty name="width" value="0.05" units="cm"/>
+      <inkml:brushProperty name="height" value="0.05" units="cm"/>
+      <inkml:brushProperty name="color" value="#00A0D7"/>
+    </inkml:brush>
+  </inkml:definitions>
+  <inkml:trace contextRef="#ctx0" brushRef="#br0">1 1 1620,'15'15'3216,"-1"5"865,6 4 531,-1 0 301,1 1-869,5-10-1188,4-4-1136,-5-4-1227,1-5-1218,-1-2-1455,1 0-1432,-6-4-736,1-5-285,-15-9 225,5-2 603,-5 0 1125</inkml:trace>
+</inkml:ink>
+</file>
+
+<file path=ppt/ink/ink6.xml><?xml version="1.0" encoding="utf-8"?>
+<inkml:ink xmlns:inkml="http://www.w3.org/2003/InkML">
+  <inkml:definitions>
+    <inkml:context xml:id="ctx0">
+      <inkml:inkSource xml:id="inkSrc0">
+        <inkml:traceFormat>
+          <inkml:channel name="X" type="integer" min="-2.14748E9" max="2.14748E9" units="cm"/>
+          <inkml:channel name="Y" type="integer" min="-2.14748E9" max="2.14748E9" units="cm"/>
+          <inkml:channel name="F" type="integer" max="32767" units="dev"/>
+        </inkml:traceFormat>
+        <inkml:channelProperties>
+          <inkml:channelProperty channel="X" name="resolution" value="1000" units="1/cm"/>
+          <inkml:channelProperty channel="Y" name="resolution" value="1000" units="1/cm"/>
+          <inkml:channelProperty channel="F" name="resolution" value="0" units="1/dev"/>
+        </inkml:channelProperties>
+      </inkml:inkSource>
+      <inkml:timestamp xml:id="ts0" timeString="2022-03-22T09:18:07.341"/>
+    </inkml:context>
+    <inkml:brush xml:id="br0">
+      <inkml:brushProperty name="width" value="0.05" units="cm"/>
+      <inkml:brushProperty name="height" value="0.05" units="cm"/>
+      <inkml:brushProperty name="color" value="#00A0D7"/>
+    </inkml:brush>
+  </inkml:definitions>
+  <inkml:trace contextRef="#ctx0" brushRef="#br0">1 25 1332,'14'-5'1903,"-5"1"349,1 1-1,0 0 0,-1 0 0,1 1 1,1 0-1,-1 1 0,14 0 0,-23 1-2065,0 0 1,-1 0-1,1 0 0,0 1 0,0-1 1,0 0-1,0 0 0,-1 1 0,1-1 0,0 0 1,0 1-1,-1-1 0,1 1 0,0-1 0,0 1 1,-1 0-1,1-1 0,-1 1 0,1 0 1,-1-1-1,1 1 0,-1 0 0,1-1 0,-1 1 1,1 0-1,-1 0 0,0 1 0,1 28 1587,-19 26-1328,14-48-402,1 0-1,-1 0 1,2 0-1,-1 1 0,1-1 1,1 1-1,0-1 1,0 1-1,0 0 0,2 13 1,0-17 0,0-1 0,0 1 0,0 0 1,1-1-1,0 1 0,0-1 0,0 1 0,1-1 0,-1 0 1,1 0-1,0 0 0,0 0 0,0-1 0,1 1 1,0-1-1,-1 0 0,1 0 0,0 0 0,8 4 0,33 13 1021,1-10-3480,-37-9 1217,1-1-1,-1 0 0,1 0 0,-1-1 1,0 0-1,1-1 0,-1 0 1,0 0-1,0-1 0,0-1 1,0 1-1,-1-1 0,0-1 1,1 1-1,-1-2 0,-1 1 1,1-1-1,-1 0 0,0 0 1,-1-1-1,7-8 0,8-13-882</inkml:trace>
+</inkml:ink>
+</file>
+
+<file path=ppt/ink/ink7.xml><?xml version="1.0" encoding="utf-8"?>
+<inkml:ink xmlns:inkml="http://www.w3.org/2003/InkML">
+  <inkml:definitions>
+    <inkml:context xml:id="ctx0">
+      <inkml:inkSource xml:id="inkSrc0">
+        <inkml:traceFormat>
+          <inkml:channel name="X" type="integer" min="-2.14748E9" max="2.14748E9" units="cm"/>
+          <inkml:channel name="Y" type="integer" min="-2.14748E9" max="2.14748E9" units="cm"/>
+          <inkml:channel name="F" type="integer" max="32767" units="dev"/>
+        </inkml:traceFormat>
+        <inkml:channelProperties>
+          <inkml:channelProperty channel="X" name="resolution" value="1000" units="1/cm"/>
+          <inkml:channelProperty channel="Y" name="resolution" value="1000" units="1/cm"/>
+          <inkml:channelProperty channel="F" name="resolution" value="0" units="1/dev"/>
+        </inkml:channelProperties>
+      </inkml:inkSource>
+      <inkml:timestamp xml:id="ts0" timeString="2022-03-22T09:18:07.686"/>
+    </inkml:context>
+    <inkml:brush xml:id="br0">
+      <inkml:brushProperty name="width" value="0.05" units="cm"/>
+      <inkml:brushProperty name="height" value="0.05" units="cm"/>
+      <inkml:brushProperty name="color" value="#00A0D7"/>
+    </inkml:brush>
+  </inkml:definitions>
+  <inkml:trace contextRef="#ctx0" brushRef="#br0">87 23 1924,'-29'31'10276,"23"-27"-9067,1 1 1,0 0-1,1 0 1,-1 1-1,1 0 0,-6 9 1,7-9-451,0 0 1,1 1-1,-1-1 0,1 1 1,1 0-1,-1 0 0,0 11 1,2-16-699,0 0 1,0 0-1,0 0 1,0 0-1,0 0 1,0 0 0,1 0-1,-1 0 1,1-1-1,0 1 1,-1 0-1,1 0 1,0 0 0,0-1-1,0 1 1,0 0-1,1-1 1,-1 1-1,0-1 1,1 1-1,-1-1 1,1 0 0,-1 1-1,1-1 1,-1 0-1,1 0 1,0 0-1,0-1 1,0 1 0,-1 0-1,4 0 1,16 4-155,1-1 1,30 2-1,-36-5 44,0 0 0,0 1 0,0 1 0,0 1 0,-1 0 0,26 11 0,-33-11 65,-3-1 61,1 0 0,-1 0 0,0-1 0,1 0 0,0 0 1,-1 0-1,1-1 0,6 1 0,-10-2-56,0-1 1,0 1-1,0-1 1,0 1-1,0-1 1,-1 0-1,1 0 1,0 0-1,0 0 1,-1 0-1,1 0 1,0 0-1,-1 0 1,1-1-1,-1 1 1,1-1-1,-1 1 0,0-1 1,0 0-1,0 1 1,0-1-1,0 0 1,0 0-1,0 0 1,0 0-1,-1 1 1,1-4-1,1 0 12,0-1-1,0 0 1,0 0 0,-1 0-1,0 0 1,-1-1-1,1 1 1,-1 0-1,0 0 1,-1 0-1,-1-9 1,-2-2-1303,-1 1 1,-11-28-1,10 32-606,6 10 1264,-1 1 1,1-1 0,-1 0-1,1 1 1,0-1 0,-1 1-1,1-1 1,0 0-1,0 1 1,0-1 0,0 0-1,1 1 1,-1-1 0,0 1-1,1-1 1,-1 1-1,1-1 1,-1 0 0,1 1-1,0 0 1,-1-1 0,2-1-1,1 0-179,-1 1-1,1-1 0,-1 0 1,1 1-1,0-1 0,0 1 1,0 0-1,5-2 0,16-8-1596</inkml:trace>
+</inkml:ink>
+</file>
+
+<file path=ppt/ink/ink8.xml><?xml version="1.0" encoding="utf-8"?>
+<inkml:ink xmlns:inkml="http://www.w3.org/2003/InkML">
+  <inkml:definitions>
+    <inkml:context xml:id="ctx0">
+      <inkml:inkSource xml:id="inkSrc0">
+        <inkml:traceFormat>
+          <inkml:channel name="X" type="integer" min="-2.14748E9" max="2.14748E9" units="cm"/>
+          <inkml:channel name="Y" type="integer" min="-2.14748E9" max="2.14748E9" units="cm"/>
+          <inkml:channel name="F" type="integer" max="32767" units="dev"/>
+        </inkml:traceFormat>
+        <inkml:channelProperties>
+          <inkml:channelProperty channel="X" name="resolution" value="1000" units="1/cm"/>
+          <inkml:channelProperty channel="Y" name="resolution" value="1000" units="1/cm"/>
+          <inkml:channelProperty channel="F" name="resolution" value="0" units="1/dev"/>
+        </inkml:channelProperties>
+      </inkml:inkSource>
+      <inkml:timestamp xml:id="ts0" timeString="2022-03-22T09:18:08.075"/>
+    </inkml:context>
+    <inkml:brush xml:id="br0">
+      <inkml:brushProperty name="width" value="0.05" units="cm"/>
+      <inkml:brushProperty name="height" value="0.05" units="cm"/>
+      <inkml:brushProperty name="color" value="#00A0D7"/>
+    </inkml:brush>
+  </inkml:definitions>
+  <inkml:trace contextRef="#ctx0" brushRef="#br0">57 172 1812,'0'2'534,"-1"0"1,0 0-1,1 0 0,-1 0 1,0 0-1,0 0 0,0 0 1,-1-1-1,1 1 0,0 0 1,-1-1-1,1 1 0,-1-1 1,1 0-1,-1 1 0,-3 1 1,5-3-275,-1 0 0,0 1 0,0-1 0,0 0 0,0 0 1,0 0-1,0 0 0,0 0 0,0 0 0,0 0 0,0 0 0,0-1 1,0 1-1,0 0 0,0-1 0,0 1 0,0 0 0,0-1 0,0 1 1,0-1-1,0 1 0,1-1 0,-1 0 0,0 1 0,0-1 0,1 0 1,-1 1-1,1-1 0,-1 0 0,0 0 0,1 0 0,-1 0 0,1 0 1,0 0-1,-1 1 0,1-1 0,0 0 0,-1-2 0,0-1-15,0 0 1,1 0-1,-1-1 0,1 1 0,-1 0 0,1 0 0,1-1 0,-1 1 1,1 0-1,-1 0 0,1-1 0,0 1 0,1 0 0,-1 0 0,1 0 1,0 0-1,0 1 0,0-1 0,0 0 0,1 1 0,-1-1 0,1 1 1,0 0-1,4-3 0,2-4-59,0 1 1,1 0-1,0 1 0,0 1 1,1-1-1,19-9 1,-25 15-114,0-1 0,0 1 0,0 1 0,0-1 0,0 1 0,0 0 0,1 0 0,-1 0 0,0 1 0,0 0 0,1 0 0,-1 0 0,0 1 0,1 0 0,-1 0 0,0 0 0,0 0 0,6 3 0,-8-2-37,0 0 0,0 0 0,-1 0 0,1 0 0,-1 1 0,0-1 1,0 1-1,0-1 0,0 1 0,0 0 0,0 0 0,-1 0 0,1 0 0,-1 0 1,0 0-1,0 0 0,0 0 0,0 0 0,-1 1 0,1-1 0,-1 0 0,0 1 1,0-1-1,0 0 0,0 1 0,-1-1 0,1 0 0,-1 0 0,-1 6 0,-2 1 15,1 0 0,-1 1 0,-1-1 0,1-1 0,-2 1 0,1-1 0,-1 0 0,-12 14 0,13-18-242,0 0 0,0 0 0,-1 0 0,1 0 1,-1-1-1,-9 5 0,12-7-161,0-1 0,0 0 1,0 0-1,0 0 0,0 0 1,0 0-1,0-1 0,0 1 1,0-1-1,0 0 1,-1 0-1,1 0 0,0 0 1,-6-1-1,7-1-322,0 1 0,-1 0 0,1-1 0,0 1 1,0-1-1,1 1 0,-1-1 0,0 0 0,0 0 0,1 0 0,-1 0 1,1 0-1,0 0 0,-1 0 0,1-1 0,0 1 0,-1-5 0,0 3-395,1 0 0,0-1 0,-1 1 0,1 0 0,1-1 0,-1 1 0,1-1 0,0-8 0,0 13 1042,0-1-1,0 1 1,0-1 0,1 1-1,-1 0 1,0-1-1,0 1 1,0-1-1,1 1 1,-1 0-1,0-1 1,1 1 0,-1 0-1,0-1 1,1 1-1,-1 0 1,0-1-1,1 1 1,-1 0-1,1 0 1,-1-1 0,1 1-1,-1 0 1,0 0-1,1 0 1,-1 0-1,1 0 1,-1-1-1,1 1 1,-1 0 0,1 0-1,-1 0 1,1 0-1,-1 0 1,1 1-1,-1-1 1,1 0-1,-1 0 1,1 0 0,-1 0-1,0 0 1,1 1-1,-1-1 1,1 0-1,-1 0 1,0 1-1,1-1 1,0 1 0,24 16 3989,-20-13-2998,20 13 4003,0-1 0,36 16-1,-42-24-3929,0-1 0,1 0-1,0-2 1,25 4 0,24 0-3587,-5-6-5075,70-6-1,-49-3 3549,19-3 823</inkml:trace>
+</inkml:ink>
+</file>
+
+<file path=ppt/ink/ink9.xml><?xml version="1.0" encoding="utf-8"?>
+<inkml:ink xmlns:inkml="http://www.w3.org/2003/InkML">
+  <inkml:definitions>
+    <inkml:context xml:id="ctx0">
+      <inkml:inkSource xml:id="inkSrc0">
+        <inkml:traceFormat>
+          <inkml:channel name="X" type="integer" min="-2.14748E9" max="2.14748E9" units="cm"/>
+          <inkml:channel name="Y" type="integer" min="-2.14748E9" max="2.14748E9" units="cm"/>
+          <inkml:channel name="F" type="integer" max="32767" units="dev"/>
+        </inkml:traceFormat>
+        <inkml:channelProperties>
+          <inkml:channelProperty channel="X" name="resolution" value="1000" units="1/cm"/>
+          <inkml:channelProperty channel="Y" name="resolution" value="1000" units="1/cm"/>
+          <inkml:channelProperty channel="F" name="resolution" value="0" units="1/dev"/>
+        </inkml:channelProperties>
+      </inkml:inkSource>
+      <inkml:timestamp xml:id="ts0" timeString="2022-03-22T09:18:09.432"/>
+    </inkml:context>
+    <inkml:brush xml:id="br0">
+      <inkml:brushProperty name="width" value="0.05" units="cm"/>
+      <inkml:brushProperty name="height" value="0.05" units="cm"/>
+      <inkml:brushProperty name="color" value="#00A0D7"/>
+    </inkml:brush>
+  </inkml:definitions>
+  <inkml:trace contextRef="#ctx0" brushRef="#br0">23 112 1512,'1'2'769,"1"0"-1,-1 1 1,0-1-1,0 1 1,0 0-1,0-1 1,-1 1-1,1 0 1,-1 0 0,1-1-1,-1 1 1,0 0-1,-1 4 1,-6 43 5852,0-5-2697,7-32-2960,1-2-507,-1 0 0,0 0 0,0-1 0,-1 1 0,-1 0 0,0-1 0,0 1 0,-1-1 0,-6 15 0,17-119-1083,-2 72 133,0 0 1,1 1-1,1 0 1,2 0-1,0 0 1,1 2-1,0-1 1,2 1-1,0 1 1,2 0-1,21-22 1,-34 38 524,0 0 1,1 0-1,-1 0 0,0 0 1,0 0-1,1 0 1,-1 1-1,1-1 0,0 1 1,-1-1-1,1 1 1,0 0-1,0 0 1,0 1-1,0-1 0,0 0 1,0 1-1,0 0 1,0 0-1,0 0 1,0 0-1,0 0 0,0 1 1,0-1-1,0 1 1,0 0-1,-1-1 1,1 1-1,0 1 0,0-1 1,-1 0-1,1 1 1,0-1-1,-1 1 1,0 0-1,1 0 0,-1 0 1,0 0-1,0 0 1,0 1-1,0-1 1,0 1-1,-1-1 0,1 1 1,-1-1-1,0 1 1,0 0-1,0 0 0,0 0 1,0-1-1,0 1 1,-1 0-1,1 0 1,-1 0-1,0 0 0,0 4 1,1 54 1073,-3 1 0,-20 119 0,22-179-1116,0-3-82,0 1 0,1 0 0,-1-1 0,0 1 0,1 0 0,-1 0 0,0-1 0,0 1 0,1 0 0,-1-1 1,1 1-1,-1 0 0,0 0 0,1 0 0,-1 0 0,0-1 0,1 1 0,-1 0 0,1 0 0,-1 0 0,1 0 0,-1 0 0,0 0 0,1 0 0,-1 0 0,1 0 0,-1 0 0,1 0 0,-1 0 0,0 0 0,1 0 0,-1 1 0,1-1 0,-1 0 0,0 0 0,1 0 0,-1 1 0,0-1 1,1 0-1,-1 0 0,0 1 0,1-1 0,-1 0 0,0 1 0,0-1 0,1 0 0,-1 1 0,0-1 0,0 0 0,0 1 0,1-1 0,-1 1 0,0-1 0,0 0 0,0 1 0,0-1 0,0 1 0,0-1 0,0 1 0,0-1 0,0 0 0,0 1 0,0-1 0,0 1 0,0-1 1,0 0-1,-1 1 0,26-26-8452,0-13 926,-10 13 4546</inkml:trace>
+</inkml:ink>
+</file>
+
 <file path=ppt/notesMasters/notesMaster1.xml><?xml version="1.0" encoding="utf-8"?>
 <p:notesMaster xmlns:a="http://schemas.openxmlformats.org/drawingml/2006/main" xmlns:r="http://schemas.openxmlformats.org/officeDocument/2006/relationships" xmlns:p="http://schemas.openxmlformats.org/presentationml/2006/main">
   <p:cSld>
@@ -217,7 +1062,7 @@
           <a:p>
             <a:fld id="{E3ED8F79-32D7-4346-8DD5-A5372D9E2309}" type="datetimeFigureOut">
               <a:rPr lang="pl-PL" smtClean="0"/>
-              <a:t>21.03.2022</a:t>
+              <a:t>22.03.2022</a:t>
             </a:fld>
             <a:endParaRPr lang="pl-PL"/>
           </a:p>
@@ -819,7 +1664,7 @@
           <a:p>
             <a:fld id="{A74E30F0-DD37-224C-A875-641D476CB079}" type="datetimeFigureOut">
               <a:rPr lang="pl-PL" smtClean="0"/>
-              <a:t>21.03.2022</a:t>
+              <a:t>22.03.2022</a:t>
             </a:fld>
             <a:endParaRPr lang="pl-PL"/>
           </a:p>
@@ -1907,7 +2752,7 @@
           <a:p>
             <a:fld id="{A74E30F0-DD37-224C-A875-641D476CB079}" type="datetimeFigureOut">
               <a:rPr lang="pl-PL" smtClean="0"/>
-              <a:t>21.03.2022</a:t>
+              <a:t>22.03.2022</a:t>
             </a:fld>
             <a:endParaRPr lang="pl-PL"/>
           </a:p>
@@ -2887,7 +3732,7 @@
           <a:p>
             <a:fld id="{A74E30F0-DD37-224C-A875-641D476CB079}" type="datetimeFigureOut">
               <a:rPr lang="pl-PL" smtClean="0"/>
-              <a:t>21.03.2022</a:t>
+              <a:t>22.03.2022</a:t>
             </a:fld>
             <a:endParaRPr lang="pl-PL"/>
           </a:p>
@@ -4021,7 +4866,7 @@
           <a:p>
             <a:fld id="{A74E30F0-DD37-224C-A875-641D476CB079}" type="datetimeFigureOut">
               <a:rPr lang="pl-PL" smtClean="0"/>
-              <a:t>21.03.2022</a:t>
+              <a:t>22.03.2022</a:t>
             </a:fld>
             <a:endParaRPr lang="pl-PL"/>
           </a:p>
@@ -5054,7 +5899,7 @@
           <a:p>
             <a:fld id="{A74E30F0-DD37-224C-A875-641D476CB079}" type="datetimeFigureOut">
               <a:rPr lang="pl-PL" smtClean="0"/>
-              <a:t>21.03.2022</a:t>
+              <a:t>22.03.2022</a:t>
             </a:fld>
             <a:endParaRPr lang="pl-PL"/>
           </a:p>
@@ -5714,7 +6559,7 @@
           <a:p>
             <a:fld id="{A74E30F0-DD37-224C-A875-641D476CB079}" type="datetimeFigureOut">
               <a:rPr lang="pl-PL" smtClean="0"/>
-              <a:t>21.03.2022</a:t>
+              <a:t>22.03.2022</a:t>
             </a:fld>
             <a:endParaRPr lang="pl-PL"/>
           </a:p>
@@ -6575,7 +7420,7 @@
           <a:p>
             <a:fld id="{A74E30F0-DD37-224C-A875-641D476CB079}" type="datetimeFigureOut">
               <a:rPr lang="pl-PL" smtClean="0"/>
-              <a:t>21.03.2022</a:t>
+              <a:t>22.03.2022</a:t>
             </a:fld>
             <a:endParaRPr lang="pl-PL"/>
           </a:p>
@@ -6765,7 +7610,7 @@
           <a:p>
             <a:fld id="{A74E30F0-DD37-224C-A875-641D476CB079}" type="datetimeFigureOut">
               <a:rPr lang="pl-PL" smtClean="0"/>
-              <a:t>21.03.2022</a:t>
+              <a:t>22.03.2022</a:t>
             </a:fld>
             <a:endParaRPr lang="pl-PL"/>
           </a:p>
@@ -7737,7 +8582,7 @@
           <a:p>
             <a:fld id="{A74E30F0-DD37-224C-A875-641D476CB079}" type="datetimeFigureOut">
               <a:rPr lang="pl-PL" smtClean="0"/>
-              <a:t>21.03.2022</a:t>
+              <a:t>22.03.2022</a:t>
             </a:fld>
             <a:endParaRPr lang="pl-PL"/>
           </a:p>
@@ -7948,7 +8793,7 @@
           <a:p>
             <a:fld id="{A74E30F0-DD37-224C-A875-641D476CB079}" type="datetimeFigureOut">
               <a:rPr lang="pl-PL" smtClean="0"/>
-              <a:t>21.03.2022</a:t>
+              <a:t>22.03.2022</a:t>
             </a:fld>
             <a:endParaRPr lang="pl-PL"/>
           </a:p>
@@ -8982,7 +9827,7 @@
           <a:p>
             <a:fld id="{A74E30F0-DD37-224C-A875-641D476CB079}" type="datetimeFigureOut">
               <a:rPr lang="pl-PL" smtClean="0"/>
-              <a:t>21.03.2022</a:t>
+              <a:t>22.03.2022</a:t>
             </a:fld>
             <a:endParaRPr lang="pl-PL"/>
           </a:p>
@@ -9254,7 +10099,7 @@
           <a:p>
             <a:fld id="{A74E30F0-DD37-224C-A875-641D476CB079}" type="datetimeFigureOut">
               <a:rPr lang="pl-PL" smtClean="0"/>
-              <a:t>21.03.2022</a:t>
+              <a:t>22.03.2022</a:t>
             </a:fld>
             <a:endParaRPr lang="pl-PL"/>
           </a:p>
@@ -9664,7 +10509,7 @@
           <a:p>
             <a:fld id="{A74E30F0-DD37-224C-A875-641D476CB079}" type="datetimeFigureOut">
               <a:rPr lang="pl-PL" smtClean="0"/>
-              <a:t>21.03.2022</a:t>
+              <a:t>22.03.2022</a:t>
             </a:fld>
             <a:endParaRPr lang="pl-PL"/>
           </a:p>
@@ -9791,7 +10636,7 @@
           <a:p>
             <a:fld id="{A74E30F0-DD37-224C-A875-641D476CB079}" type="datetimeFigureOut">
               <a:rPr lang="pl-PL" smtClean="0"/>
-              <a:t>21.03.2022</a:t>
+              <a:t>22.03.2022</a:t>
             </a:fld>
             <a:endParaRPr lang="pl-PL"/>
           </a:p>
@@ -9886,7 +10731,7 @@
           <a:p>
             <a:fld id="{A74E30F0-DD37-224C-A875-641D476CB079}" type="datetimeFigureOut">
               <a:rPr lang="pl-PL" smtClean="0"/>
-              <a:t>21.03.2022</a:t>
+              <a:t>22.03.2022</a:t>
             </a:fld>
             <a:endParaRPr lang="pl-PL"/>
           </a:p>
@@ -10967,7 +11812,7 @@
           <a:p>
             <a:fld id="{A74E30F0-DD37-224C-A875-641D476CB079}" type="datetimeFigureOut">
               <a:rPr lang="pl-PL" smtClean="0"/>
-              <a:t>21.03.2022</a:t>
+              <a:t>22.03.2022</a:t>
             </a:fld>
             <a:endParaRPr lang="pl-PL"/>
           </a:p>
@@ -12075,7 +12920,7 @@
           <a:p>
             <a:fld id="{A74E30F0-DD37-224C-A875-641D476CB079}" type="datetimeFigureOut">
               <a:rPr lang="pl-PL" smtClean="0"/>
-              <a:t>21.03.2022</a:t>
+              <a:t>22.03.2022</a:t>
             </a:fld>
             <a:endParaRPr lang="pl-PL"/>
           </a:p>
@@ -13072,7 +13917,7 @@
           <a:p>
             <a:fld id="{A74E30F0-DD37-224C-A875-641D476CB079}" type="datetimeFigureOut">
               <a:rPr lang="pl-PL" smtClean="0"/>
-              <a:t>21.03.2022</a:t>
+              <a:t>22.03.2022</a:t>
             </a:fld>
             <a:endParaRPr lang="pl-PL"/>
           </a:p>
@@ -15378,6 +16223,2135 @@
     <p:extLst>
       <p:ext uri="{BB962C8B-B14F-4D97-AF65-F5344CB8AC3E}">
         <p14:creationId xmlns:p14="http://schemas.microsoft.com/office/powerpoint/2010/main" val="758355448"/>
+      </p:ext>
+    </p:extLst>
+  </p:cSld>
+  <p:clrMapOvr>
+    <a:masterClrMapping/>
+  </p:clrMapOvr>
+</p:sld>
+</file>
+
+<file path=ppt/slides/slide22.xml><?xml version="1.0" encoding="utf-8"?>
+<p:sld xmlns:a="http://schemas.openxmlformats.org/drawingml/2006/main" xmlns:r="http://schemas.openxmlformats.org/officeDocument/2006/relationships" xmlns:p="http://schemas.openxmlformats.org/presentationml/2006/main">
+  <p:cSld>
+    <p:spTree>
+      <p:nvGrpSpPr>
+        <p:cNvPr id="1" name=""/>
+        <p:cNvGrpSpPr/>
+        <p:nvPr/>
+      </p:nvGrpSpPr>
+      <p:grpSpPr>
+        <a:xfrm>
+          <a:off x="0" y="0"/>
+          <a:ext cx="0" cy="0"/>
+          <a:chOff x="0" y="0"/>
+          <a:chExt cx="0" cy="0"/>
+        </a:xfrm>
+      </p:grpSpPr>
+      <p:sp>
+        <p:nvSpPr>
+          <p:cNvPr id="2" name="Tytuł 1">
+            <a:extLst>
+              <a:ext uri="{FF2B5EF4-FFF2-40B4-BE49-F238E27FC236}">
+                <a16:creationId xmlns:a16="http://schemas.microsoft.com/office/drawing/2014/main" id="{1D454815-18F5-4D66-9AE7-4D6FC222982D}"/>
+              </a:ext>
+            </a:extLst>
+          </p:cNvPr>
+          <p:cNvSpPr>
+            <a:spLocks noGrp="1"/>
+          </p:cNvSpPr>
+          <p:nvPr>
+            <p:ph type="ctrTitle"/>
+          </p:nvPr>
+        </p:nvSpPr>
+        <p:spPr>
+          <a:xfrm>
+            <a:off x="1462285" y="2575549"/>
+            <a:ext cx="9267429" cy="853451"/>
+          </a:xfrm>
+        </p:spPr>
+        <p:txBody>
+          <a:bodyPr/>
+          <a:lstStyle/>
+          <a:p>
+            <a:r>
+              <a:rPr lang="pl-PL" dirty="0"/>
+              <a:t>Dodawanie CSS do </a:t>
+            </a:r>
+            <a:r>
+              <a:rPr lang="pl-PL" dirty="0" err="1"/>
+              <a:t>JavaFX</a:t>
+            </a:r>
+            <a:endParaRPr lang="pl-PL" dirty="0"/>
+          </a:p>
+        </p:txBody>
+      </p:sp>
+    </p:spTree>
+    <p:extLst>
+      <p:ext uri="{BB962C8B-B14F-4D97-AF65-F5344CB8AC3E}">
+        <p14:creationId xmlns:p14="http://schemas.microsoft.com/office/powerpoint/2010/main" val="4168471998"/>
+      </p:ext>
+    </p:extLst>
+  </p:cSld>
+  <p:clrMapOvr>
+    <a:masterClrMapping/>
+  </p:clrMapOvr>
+</p:sld>
+</file>
+
+<file path=ppt/slides/slide23.xml><?xml version="1.0" encoding="utf-8"?>
+<p:sld xmlns:a="http://schemas.openxmlformats.org/drawingml/2006/main" xmlns:r="http://schemas.openxmlformats.org/officeDocument/2006/relationships" xmlns:p="http://schemas.openxmlformats.org/presentationml/2006/main">
+  <p:cSld>
+    <p:spTree>
+      <p:nvGrpSpPr>
+        <p:cNvPr id="1" name=""/>
+        <p:cNvGrpSpPr/>
+        <p:nvPr/>
+      </p:nvGrpSpPr>
+      <p:grpSpPr>
+        <a:xfrm>
+          <a:off x="0" y="0"/>
+          <a:ext cx="0" cy="0"/>
+          <a:chOff x="0" y="0"/>
+          <a:chExt cx="0" cy="0"/>
+        </a:xfrm>
+      </p:grpSpPr>
+      <p:sp>
+        <p:nvSpPr>
+          <p:cNvPr id="3" name="Podtytuł 2">
+            <a:extLst>
+              <a:ext uri="{FF2B5EF4-FFF2-40B4-BE49-F238E27FC236}">
+                <a16:creationId xmlns:a16="http://schemas.microsoft.com/office/drawing/2014/main" id="{B63CFF8B-1A09-46AC-A9AF-BA1EE1B3D6E6}"/>
+              </a:ext>
+            </a:extLst>
+          </p:cNvPr>
+          <p:cNvSpPr>
+            <a:spLocks noGrp="1"/>
+          </p:cNvSpPr>
+          <p:nvPr>
+            <p:ph type="subTitle" idx="1"/>
+          </p:nvPr>
+        </p:nvSpPr>
+        <p:spPr>
+          <a:xfrm>
+            <a:off x="570223" y="5578025"/>
+            <a:ext cx="3807662" cy="291770"/>
+          </a:xfrm>
+        </p:spPr>
+        <p:txBody>
+          <a:bodyPr>
+            <a:normAutofit/>
+          </a:bodyPr>
+          <a:lstStyle/>
+          <a:p>
+            <a:r>
+              <a:rPr lang="pl-PL" sz="1200" cap="none" dirty="0"/>
+              <a:t>https://www.youtube.com/watch?v=o-lAsVuskKI</a:t>
+            </a:r>
+          </a:p>
+        </p:txBody>
+      </p:sp>
+      <p:pic>
+        <p:nvPicPr>
+          <p:cNvPr id="5" name="Obraz 4" descr="Obraz zawierający tekst&#10;&#10;Opis wygenerowany automatycznie">
+            <a:extLst>
+              <a:ext uri="{FF2B5EF4-FFF2-40B4-BE49-F238E27FC236}">
+                <a16:creationId xmlns:a16="http://schemas.microsoft.com/office/drawing/2014/main" id="{69816438-4EBB-4F10-94C2-FB9F5604984C}"/>
+              </a:ext>
+            </a:extLst>
+          </p:cNvPr>
+          <p:cNvPicPr>
+            <a:picLocks noChangeAspect="1"/>
+          </p:cNvPicPr>
+          <p:nvPr/>
+        </p:nvPicPr>
+        <p:blipFill>
+          <a:blip r:embed="rId2"/>
+          <a:stretch>
+            <a:fillRect/>
+          </a:stretch>
+        </p:blipFill>
+        <p:spPr>
+          <a:xfrm>
+            <a:off x="570223" y="1289319"/>
+            <a:ext cx="11051553" cy="4279361"/>
+          </a:xfrm>
+          <a:prstGeom prst="rect">
+            <a:avLst/>
+          </a:prstGeom>
+        </p:spPr>
+      </p:pic>
+      <p:grpSp>
+        <p:nvGrpSpPr>
+          <p:cNvPr id="8" name="Grupa 7">
+            <a:extLst>
+              <a:ext uri="{FF2B5EF4-FFF2-40B4-BE49-F238E27FC236}">
+                <a16:creationId xmlns:a16="http://schemas.microsoft.com/office/drawing/2014/main" id="{8C7B5658-7340-4F0D-AC25-9C5D27860D80}"/>
+              </a:ext>
+            </a:extLst>
+          </p:cNvPr>
+          <p:cNvGrpSpPr/>
+          <p:nvPr/>
+        </p:nvGrpSpPr>
+        <p:grpSpPr>
+          <a:xfrm>
+            <a:off x="9050385" y="2881778"/>
+            <a:ext cx="876600" cy="1293120"/>
+            <a:chOff x="9050385" y="2881778"/>
+            <a:chExt cx="876600" cy="1293120"/>
+          </a:xfrm>
+        </p:grpSpPr>
+        <mc:AlternateContent xmlns:mc="http://schemas.openxmlformats.org/markup-compatibility/2006" xmlns:p14="http://schemas.microsoft.com/office/powerpoint/2010/main">
+          <mc:Choice Requires="p14">
+            <p:contentPart p14:bwMode="auto" r:id="rId3">
+              <p14:nvContentPartPr>
+                <p14:cNvPr id="6" name="Pismo odręczne 5">
+                  <a:extLst>
+                    <a:ext uri="{FF2B5EF4-FFF2-40B4-BE49-F238E27FC236}">
+                      <a16:creationId xmlns:a16="http://schemas.microsoft.com/office/drawing/2014/main" id="{89831E7A-D6B5-4939-A615-9823B2A6CD6E}"/>
+                    </a:ext>
+                  </a:extLst>
+                </p14:cNvPr>
+                <p14:cNvContentPartPr/>
+                <p14:nvPr/>
+              </p14:nvContentPartPr>
+              <p14:xfrm>
+                <a:off x="9147225" y="2881778"/>
+                <a:ext cx="779760" cy="1212840"/>
+              </p14:xfrm>
+            </p:contentPart>
+          </mc:Choice>
+          <mc:Fallback xmlns="">
+            <p:pic>
+              <p:nvPicPr>
+                <p:cNvPr id="6" name="Pismo odręczne 5">
+                  <a:extLst>
+                    <a:ext uri="{FF2B5EF4-FFF2-40B4-BE49-F238E27FC236}">
+                      <a16:creationId xmlns:a16="http://schemas.microsoft.com/office/drawing/2014/main" id="{89831E7A-D6B5-4939-A615-9823B2A6CD6E}"/>
+                    </a:ext>
+                  </a:extLst>
+                </p:cNvPr>
+                <p:cNvPicPr/>
+                <p:nvPr/>
+              </p:nvPicPr>
+              <p:blipFill>
+                <a:blip r:embed="rId4"/>
+                <a:stretch>
+                  <a:fillRect/>
+                </a:stretch>
+              </p:blipFill>
+              <p:spPr>
+                <a:xfrm>
+                  <a:off x="9138585" y="2872778"/>
+                  <a:ext cx="797400" cy="1230480"/>
+                </a:xfrm>
+                <a:prstGeom prst="rect">
+                  <a:avLst/>
+                </a:prstGeom>
+              </p:spPr>
+            </p:pic>
+          </mc:Fallback>
+        </mc:AlternateContent>
+        <mc:AlternateContent xmlns:mc="http://schemas.openxmlformats.org/markup-compatibility/2006" xmlns:p14="http://schemas.microsoft.com/office/powerpoint/2010/main">
+          <mc:Choice Requires="p14">
+            <p:contentPart p14:bwMode="auto" r:id="rId5">
+              <p14:nvContentPartPr>
+                <p14:cNvPr id="7" name="Pismo odręczne 6">
+                  <a:extLst>
+                    <a:ext uri="{FF2B5EF4-FFF2-40B4-BE49-F238E27FC236}">
+                      <a16:creationId xmlns:a16="http://schemas.microsoft.com/office/drawing/2014/main" id="{31312A2B-2495-4629-A481-94DAC4AFCD7C}"/>
+                    </a:ext>
+                  </a:extLst>
+                </p14:cNvPr>
+                <p14:cNvContentPartPr/>
+                <p14:nvPr/>
+              </p14:nvContentPartPr>
+              <p14:xfrm>
+                <a:off x="9050385" y="4018658"/>
+                <a:ext cx="155520" cy="156240"/>
+              </p14:xfrm>
+            </p:contentPart>
+          </mc:Choice>
+          <mc:Fallback xmlns="">
+            <p:pic>
+              <p:nvPicPr>
+                <p:cNvPr id="7" name="Pismo odręczne 6">
+                  <a:extLst>
+                    <a:ext uri="{FF2B5EF4-FFF2-40B4-BE49-F238E27FC236}">
+                      <a16:creationId xmlns:a16="http://schemas.microsoft.com/office/drawing/2014/main" id="{31312A2B-2495-4629-A481-94DAC4AFCD7C}"/>
+                    </a:ext>
+                  </a:extLst>
+                </p:cNvPr>
+                <p:cNvPicPr/>
+                <p:nvPr/>
+              </p:nvPicPr>
+              <p:blipFill>
+                <a:blip r:embed="rId6"/>
+                <a:stretch>
+                  <a:fillRect/>
+                </a:stretch>
+              </p:blipFill>
+              <p:spPr>
+                <a:xfrm>
+                  <a:off x="9041385" y="4010018"/>
+                  <a:ext cx="173160" cy="173880"/>
+                </a:xfrm>
+                <a:prstGeom prst="rect">
+                  <a:avLst/>
+                </a:prstGeom>
+              </p:spPr>
+            </p:pic>
+          </mc:Fallback>
+        </mc:AlternateContent>
+      </p:grpSp>
+      <p:grpSp>
+        <p:nvGrpSpPr>
+          <p:cNvPr id="37" name="Grupa 36">
+            <a:extLst>
+              <a:ext uri="{FF2B5EF4-FFF2-40B4-BE49-F238E27FC236}">
+                <a16:creationId xmlns:a16="http://schemas.microsoft.com/office/drawing/2014/main" id="{C459AE36-2353-41CF-8AAC-1483C6108772}"/>
+              </a:ext>
+            </a:extLst>
+          </p:cNvPr>
+          <p:cNvGrpSpPr/>
+          <p:nvPr/>
+        </p:nvGrpSpPr>
+        <p:grpSpPr>
+          <a:xfrm>
+            <a:off x="7972905" y="2034698"/>
+            <a:ext cx="2434320" cy="750960"/>
+            <a:chOff x="7972905" y="2034698"/>
+            <a:chExt cx="2434320" cy="750960"/>
+          </a:xfrm>
+        </p:grpSpPr>
+        <mc:AlternateContent xmlns:mc="http://schemas.openxmlformats.org/markup-compatibility/2006" xmlns:p14="http://schemas.microsoft.com/office/powerpoint/2010/main">
+          <mc:Choice Requires="p14">
+            <p:contentPart p14:bwMode="auto" r:id="rId7">
+              <p14:nvContentPartPr>
+                <p14:cNvPr id="9" name="Pismo odręczne 8">
+                  <a:extLst>
+                    <a:ext uri="{FF2B5EF4-FFF2-40B4-BE49-F238E27FC236}">
+                      <a16:creationId xmlns:a16="http://schemas.microsoft.com/office/drawing/2014/main" id="{33D42748-6C09-4AB2-8DA1-288CE603B230}"/>
+                    </a:ext>
+                  </a:extLst>
+                </p14:cNvPr>
+                <p14:cNvContentPartPr/>
+                <p14:nvPr/>
+              </p14:nvContentPartPr>
+              <p14:xfrm>
+                <a:off x="7972905" y="2123618"/>
+                <a:ext cx="215280" cy="212760"/>
+              </p14:xfrm>
+            </p:contentPart>
+          </mc:Choice>
+          <mc:Fallback xmlns="">
+            <p:pic>
+              <p:nvPicPr>
+                <p:cNvPr id="9" name="Pismo odręczne 8">
+                  <a:extLst>
+                    <a:ext uri="{FF2B5EF4-FFF2-40B4-BE49-F238E27FC236}">
+                      <a16:creationId xmlns:a16="http://schemas.microsoft.com/office/drawing/2014/main" id="{33D42748-6C09-4AB2-8DA1-288CE603B230}"/>
+                    </a:ext>
+                  </a:extLst>
+                </p:cNvPr>
+                <p:cNvPicPr/>
+                <p:nvPr/>
+              </p:nvPicPr>
+              <p:blipFill>
+                <a:blip r:embed="rId8"/>
+                <a:stretch>
+                  <a:fillRect/>
+                </a:stretch>
+              </p:blipFill>
+              <p:spPr>
+                <a:xfrm>
+                  <a:off x="7964265" y="2114618"/>
+                  <a:ext cx="232920" cy="230400"/>
+                </a:xfrm>
+                <a:prstGeom prst="rect">
+                  <a:avLst/>
+                </a:prstGeom>
+              </p:spPr>
+            </p:pic>
+          </mc:Fallback>
+        </mc:AlternateContent>
+        <mc:AlternateContent xmlns:mc="http://schemas.openxmlformats.org/markup-compatibility/2006" xmlns:p14="http://schemas.microsoft.com/office/powerpoint/2010/main">
+          <mc:Choice Requires="p14">
+            <p:contentPart p14:bwMode="auto" r:id="rId9">
+              <p14:nvContentPartPr>
+                <p14:cNvPr id="10" name="Pismo odręczne 9">
+                  <a:extLst>
+                    <a:ext uri="{FF2B5EF4-FFF2-40B4-BE49-F238E27FC236}">
+                      <a16:creationId xmlns:a16="http://schemas.microsoft.com/office/drawing/2014/main" id="{8197F22D-9400-4C05-8A95-CCE405F0C732}"/>
+                    </a:ext>
+                  </a:extLst>
+                </p14:cNvPr>
+                <p14:cNvContentPartPr/>
+                <p14:nvPr/>
+              </p14:nvContentPartPr>
+              <p14:xfrm>
+                <a:off x="8224545" y="2221178"/>
+                <a:ext cx="74880" cy="102240"/>
+              </p14:xfrm>
+            </p:contentPart>
+          </mc:Choice>
+          <mc:Fallback xmlns="">
+            <p:pic>
+              <p:nvPicPr>
+                <p:cNvPr id="10" name="Pismo odręczne 9">
+                  <a:extLst>
+                    <a:ext uri="{FF2B5EF4-FFF2-40B4-BE49-F238E27FC236}">
+                      <a16:creationId xmlns:a16="http://schemas.microsoft.com/office/drawing/2014/main" id="{8197F22D-9400-4C05-8A95-CCE405F0C732}"/>
+                    </a:ext>
+                  </a:extLst>
+                </p:cNvPr>
+                <p:cNvPicPr/>
+                <p:nvPr/>
+              </p:nvPicPr>
+              <p:blipFill>
+                <a:blip r:embed="rId10"/>
+                <a:stretch>
+                  <a:fillRect/>
+                </a:stretch>
+              </p:blipFill>
+              <p:spPr>
+                <a:xfrm>
+                  <a:off x="8215905" y="2212538"/>
+                  <a:ext cx="92520" cy="119880"/>
+                </a:xfrm>
+                <a:prstGeom prst="rect">
+                  <a:avLst/>
+                </a:prstGeom>
+              </p:spPr>
+            </p:pic>
+          </mc:Fallback>
+        </mc:AlternateContent>
+        <mc:AlternateContent xmlns:mc="http://schemas.openxmlformats.org/markup-compatibility/2006" xmlns:p14="http://schemas.microsoft.com/office/powerpoint/2010/main">
+          <mc:Choice Requires="p14">
+            <p:contentPart p14:bwMode="auto" r:id="rId11">
+              <p14:nvContentPartPr>
+                <p14:cNvPr id="11" name="Pismo odręczne 10">
+                  <a:extLst>
+                    <a:ext uri="{FF2B5EF4-FFF2-40B4-BE49-F238E27FC236}">
+                      <a16:creationId xmlns:a16="http://schemas.microsoft.com/office/drawing/2014/main" id="{EF98A33F-4182-4E92-9F91-3ED87D3733AE}"/>
+                    </a:ext>
+                  </a:extLst>
+                </p14:cNvPr>
+                <p14:cNvContentPartPr/>
+                <p14:nvPr/>
+              </p14:nvContentPartPr>
+              <p14:xfrm>
+                <a:off x="8267385" y="2245298"/>
+                <a:ext cx="108000" cy="51840"/>
+              </p14:xfrm>
+            </p:contentPart>
+          </mc:Choice>
+          <mc:Fallback xmlns="">
+            <p:pic>
+              <p:nvPicPr>
+                <p:cNvPr id="11" name="Pismo odręczne 10">
+                  <a:extLst>
+                    <a:ext uri="{FF2B5EF4-FFF2-40B4-BE49-F238E27FC236}">
+                      <a16:creationId xmlns:a16="http://schemas.microsoft.com/office/drawing/2014/main" id="{EF98A33F-4182-4E92-9F91-3ED87D3733AE}"/>
+                    </a:ext>
+                  </a:extLst>
+                </p:cNvPr>
+                <p:cNvPicPr/>
+                <p:nvPr/>
+              </p:nvPicPr>
+              <p:blipFill>
+                <a:blip r:embed="rId12"/>
+                <a:stretch>
+                  <a:fillRect/>
+                </a:stretch>
+              </p:blipFill>
+              <p:spPr>
+                <a:xfrm>
+                  <a:off x="8258745" y="2236658"/>
+                  <a:ext cx="125640" cy="69480"/>
+                </a:xfrm>
+                <a:prstGeom prst="rect">
+                  <a:avLst/>
+                </a:prstGeom>
+              </p:spPr>
+            </p:pic>
+          </mc:Fallback>
+        </mc:AlternateContent>
+        <mc:AlternateContent xmlns:mc="http://schemas.openxmlformats.org/markup-compatibility/2006" xmlns:p14="http://schemas.microsoft.com/office/powerpoint/2010/main">
+          <mc:Choice Requires="p14">
+            <p:contentPart p14:bwMode="auto" r:id="rId13">
+              <p14:nvContentPartPr>
+                <p14:cNvPr id="12" name="Pismo odręczne 11">
+                  <a:extLst>
+                    <a:ext uri="{FF2B5EF4-FFF2-40B4-BE49-F238E27FC236}">
+                      <a16:creationId xmlns:a16="http://schemas.microsoft.com/office/drawing/2014/main" id="{20DC57A3-C730-4223-B041-DD88B14E6F92}"/>
+                    </a:ext>
+                  </a:extLst>
+                </p14:cNvPr>
+                <p14:cNvContentPartPr/>
+                <p14:nvPr/>
+              </p14:nvContentPartPr>
+              <p14:xfrm>
+                <a:off x="8387265" y="2186618"/>
+                <a:ext cx="162720" cy="115920"/>
+              </p14:xfrm>
+            </p:contentPart>
+          </mc:Choice>
+          <mc:Fallback xmlns="">
+            <p:pic>
+              <p:nvPicPr>
+                <p:cNvPr id="12" name="Pismo odręczne 11">
+                  <a:extLst>
+                    <a:ext uri="{FF2B5EF4-FFF2-40B4-BE49-F238E27FC236}">
+                      <a16:creationId xmlns:a16="http://schemas.microsoft.com/office/drawing/2014/main" id="{20DC57A3-C730-4223-B041-DD88B14E6F92}"/>
+                    </a:ext>
+                  </a:extLst>
+                </p:cNvPr>
+                <p:cNvPicPr/>
+                <p:nvPr/>
+              </p:nvPicPr>
+              <p:blipFill>
+                <a:blip r:embed="rId14"/>
+                <a:stretch>
+                  <a:fillRect/>
+                </a:stretch>
+              </p:blipFill>
+              <p:spPr>
+                <a:xfrm>
+                  <a:off x="8378625" y="2177978"/>
+                  <a:ext cx="180360" cy="133560"/>
+                </a:xfrm>
+                <a:prstGeom prst="rect">
+                  <a:avLst/>
+                </a:prstGeom>
+              </p:spPr>
+            </p:pic>
+          </mc:Fallback>
+        </mc:AlternateContent>
+        <mc:AlternateContent xmlns:mc="http://schemas.openxmlformats.org/markup-compatibility/2006" xmlns:p14="http://schemas.microsoft.com/office/powerpoint/2010/main">
+          <mc:Choice Requires="p14">
+            <p:contentPart p14:bwMode="auto" r:id="rId15">
+              <p14:nvContentPartPr>
+                <p14:cNvPr id="13" name="Pismo odręczne 12">
+                  <a:extLst>
+                    <a:ext uri="{FF2B5EF4-FFF2-40B4-BE49-F238E27FC236}">
+                      <a16:creationId xmlns:a16="http://schemas.microsoft.com/office/drawing/2014/main" id="{B9ACAE2D-E701-49A9-AD16-810FE35E3894}"/>
+                    </a:ext>
+                  </a:extLst>
+                </p14:cNvPr>
+                <p14:cNvContentPartPr/>
+                <p14:nvPr/>
+              </p14:nvContentPartPr>
+              <p14:xfrm>
+                <a:off x="8576625" y="2170778"/>
+                <a:ext cx="146160" cy="101520"/>
+              </p14:xfrm>
+            </p:contentPart>
+          </mc:Choice>
+          <mc:Fallback xmlns="">
+            <p:pic>
+              <p:nvPicPr>
+                <p:cNvPr id="13" name="Pismo odręczne 12">
+                  <a:extLst>
+                    <a:ext uri="{FF2B5EF4-FFF2-40B4-BE49-F238E27FC236}">
+                      <a16:creationId xmlns:a16="http://schemas.microsoft.com/office/drawing/2014/main" id="{B9ACAE2D-E701-49A9-AD16-810FE35E3894}"/>
+                    </a:ext>
+                  </a:extLst>
+                </p:cNvPr>
+                <p:cNvPicPr/>
+                <p:nvPr/>
+              </p:nvPicPr>
+              <p:blipFill>
+                <a:blip r:embed="rId16"/>
+                <a:stretch>
+                  <a:fillRect/>
+                </a:stretch>
+              </p:blipFill>
+              <p:spPr>
+                <a:xfrm>
+                  <a:off x="8567985" y="2161778"/>
+                  <a:ext cx="163800" cy="119160"/>
+                </a:xfrm>
+                <a:prstGeom prst="rect">
+                  <a:avLst/>
+                </a:prstGeom>
+              </p:spPr>
+            </p:pic>
+          </mc:Fallback>
+        </mc:AlternateContent>
+        <mc:AlternateContent xmlns:mc="http://schemas.openxmlformats.org/markup-compatibility/2006" xmlns:p14="http://schemas.microsoft.com/office/powerpoint/2010/main">
+          <mc:Choice Requires="p14">
+            <p:contentPart p14:bwMode="auto" r:id="rId17">
+              <p14:nvContentPartPr>
+                <p14:cNvPr id="14" name="Pismo odręczne 13">
+                  <a:extLst>
+                    <a:ext uri="{FF2B5EF4-FFF2-40B4-BE49-F238E27FC236}">
+                      <a16:creationId xmlns:a16="http://schemas.microsoft.com/office/drawing/2014/main" id="{545B59CD-B639-44EB-9C0D-032A59B1E193}"/>
+                    </a:ext>
+                  </a:extLst>
+                </p14:cNvPr>
+                <p14:cNvContentPartPr/>
+                <p14:nvPr/>
+              </p14:nvContentPartPr>
+              <p14:xfrm>
+                <a:off x="8791905" y="2158178"/>
+                <a:ext cx="290520" cy="105120"/>
+              </p14:xfrm>
+            </p:contentPart>
+          </mc:Choice>
+          <mc:Fallback xmlns="">
+            <p:pic>
+              <p:nvPicPr>
+                <p:cNvPr id="14" name="Pismo odręczne 13">
+                  <a:extLst>
+                    <a:ext uri="{FF2B5EF4-FFF2-40B4-BE49-F238E27FC236}">
+                      <a16:creationId xmlns:a16="http://schemas.microsoft.com/office/drawing/2014/main" id="{545B59CD-B639-44EB-9C0D-032A59B1E193}"/>
+                    </a:ext>
+                  </a:extLst>
+                </p:cNvPr>
+                <p:cNvPicPr/>
+                <p:nvPr/>
+              </p:nvPicPr>
+              <p:blipFill>
+                <a:blip r:embed="rId18"/>
+                <a:stretch>
+                  <a:fillRect/>
+                </a:stretch>
+              </p:blipFill>
+              <p:spPr>
+                <a:xfrm>
+                  <a:off x="8782905" y="2149538"/>
+                  <a:ext cx="308160" cy="122760"/>
+                </a:xfrm>
+                <a:prstGeom prst="rect">
+                  <a:avLst/>
+                </a:prstGeom>
+              </p:spPr>
+            </p:pic>
+          </mc:Fallback>
+        </mc:AlternateContent>
+        <mc:AlternateContent xmlns:mc="http://schemas.openxmlformats.org/markup-compatibility/2006" xmlns:p14="http://schemas.microsoft.com/office/powerpoint/2010/main">
+          <mc:Choice Requires="p14">
+            <p:contentPart p14:bwMode="auto" r:id="rId19">
+              <p14:nvContentPartPr>
+                <p14:cNvPr id="16" name="Pismo odręczne 15">
+                  <a:extLst>
+                    <a:ext uri="{FF2B5EF4-FFF2-40B4-BE49-F238E27FC236}">
+                      <a16:creationId xmlns:a16="http://schemas.microsoft.com/office/drawing/2014/main" id="{1262269D-3E3D-40C1-8930-05A7F65BD7C0}"/>
+                    </a:ext>
+                  </a:extLst>
+                </p14:cNvPr>
+                <p14:cNvContentPartPr/>
+                <p14:nvPr/>
+              </p14:nvContentPartPr>
+              <p14:xfrm>
+                <a:off x="9257385" y="2150618"/>
+                <a:ext cx="121320" cy="140400"/>
+              </p14:xfrm>
+            </p:contentPart>
+          </mc:Choice>
+          <mc:Fallback xmlns="">
+            <p:pic>
+              <p:nvPicPr>
+                <p:cNvPr id="16" name="Pismo odręczne 15">
+                  <a:extLst>
+                    <a:ext uri="{FF2B5EF4-FFF2-40B4-BE49-F238E27FC236}">
+                      <a16:creationId xmlns:a16="http://schemas.microsoft.com/office/drawing/2014/main" id="{1262269D-3E3D-40C1-8930-05A7F65BD7C0}"/>
+                    </a:ext>
+                  </a:extLst>
+                </p:cNvPr>
+                <p:cNvPicPr/>
+                <p:nvPr/>
+              </p:nvPicPr>
+              <p:blipFill>
+                <a:blip r:embed="rId20"/>
+                <a:stretch>
+                  <a:fillRect/>
+                </a:stretch>
+              </p:blipFill>
+              <p:spPr>
+                <a:xfrm>
+                  <a:off x="9248385" y="2141978"/>
+                  <a:ext cx="138960" cy="158040"/>
+                </a:xfrm>
+                <a:prstGeom prst="rect">
+                  <a:avLst/>
+                </a:prstGeom>
+              </p:spPr>
+            </p:pic>
+          </mc:Fallback>
+        </mc:AlternateContent>
+        <mc:AlternateContent xmlns:mc="http://schemas.openxmlformats.org/markup-compatibility/2006" xmlns:p14="http://schemas.microsoft.com/office/powerpoint/2010/main">
+          <mc:Choice Requires="p14">
+            <p:contentPart p14:bwMode="auto" r:id="rId21">
+              <p14:nvContentPartPr>
+                <p14:cNvPr id="17" name="Pismo odręczne 16">
+                  <a:extLst>
+                    <a:ext uri="{FF2B5EF4-FFF2-40B4-BE49-F238E27FC236}">
+                      <a16:creationId xmlns:a16="http://schemas.microsoft.com/office/drawing/2014/main" id="{C12DA358-B215-4AC3-AFBF-D27A7846699C}"/>
+                    </a:ext>
+                  </a:extLst>
+                </p14:cNvPr>
+                <p14:cNvContentPartPr/>
+                <p14:nvPr/>
+              </p14:nvContentPartPr>
+              <p14:xfrm>
+                <a:off x="9438825" y="2166458"/>
+                <a:ext cx="163800" cy="90360"/>
+              </p14:xfrm>
+            </p:contentPart>
+          </mc:Choice>
+          <mc:Fallback xmlns="">
+            <p:pic>
+              <p:nvPicPr>
+                <p:cNvPr id="17" name="Pismo odręczne 16">
+                  <a:extLst>
+                    <a:ext uri="{FF2B5EF4-FFF2-40B4-BE49-F238E27FC236}">
+                      <a16:creationId xmlns:a16="http://schemas.microsoft.com/office/drawing/2014/main" id="{C12DA358-B215-4AC3-AFBF-D27A7846699C}"/>
+                    </a:ext>
+                  </a:extLst>
+                </p:cNvPr>
+                <p:cNvPicPr/>
+                <p:nvPr/>
+              </p:nvPicPr>
+              <p:blipFill>
+                <a:blip r:embed="rId22"/>
+                <a:stretch>
+                  <a:fillRect/>
+                </a:stretch>
+              </p:blipFill>
+              <p:spPr>
+                <a:xfrm>
+                  <a:off x="9429825" y="2157458"/>
+                  <a:ext cx="181440" cy="108000"/>
+                </a:xfrm>
+                <a:prstGeom prst="rect">
+                  <a:avLst/>
+                </a:prstGeom>
+              </p:spPr>
+            </p:pic>
+          </mc:Fallback>
+        </mc:AlternateContent>
+        <mc:AlternateContent xmlns:mc="http://schemas.openxmlformats.org/markup-compatibility/2006" xmlns:p14="http://schemas.microsoft.com/office/powerpoint/2010/main">
+          <mc:Choice Requires="p14">
+            <p:contentPart p14:bwMode="auto" r:id="rId23">
+              <p14:nvContentPartPr>
+                <p14:cNvPr id="18" name="Pismo odręczne 17">
+                  <a:extLst>
+                    <a:ext uri="{FF2B5EF4-FFF2-40B4-BE49-F238E27FC236}">
+                      <a16:creationId xmlns:a16="http://schemas.microsoft.com/office/drawing/2014/main" id="{A1C5E5D3-05AB-4896-A58C-0BFF47A26506}"/>
+                    </a:ext>
+                  </a:extLst>
+                </p14:cNvPr>
+                <p14:cNvContentPartPr/>
+                <p14:nvPr/>
+              </p14:nvContentPartPr>
+              <p14:xfrm>
+                <a:off x="9634305" y="2138738"/>
+                <a:ext cx="69840" cy="129960"/>
+              </p14:xfrm>
+            </p:contentPart>
+          </mc:Choice>
+          <mc:Fallback xmlns="">
+            <p:pic>
+              <p:nvPicPr>
+                <p:cNvPr id="18" name="Pismo odręczne 17">
+                  <a:extLst>
+                    <a:ext uri="{FF2B5EF4-FFF2-40B4-BE49-F238E27FC236}">
+                      <a16:creationId xmlns:a16="http://schemas.microsoft.com/office/drawing/2014/main" id="{A1C5E5D3-05AB-4896-A58C-0BFF47A26506}"/>
+                    </a:ext>
+                  </a:extLst>
+                </p:cNvPr>
+                <p:cNvPicPr/>
+                <p:nvPr/>
+              </p:nvPicPr>
+              <p:blipFill>
+                <a:blip r:embed="rId24"/>
+                <a:stretch>
+                  <a:fillRect/>
+                </a:stretch>
+              </p:blipFill>
+              <p:spPr>
+                <a:xfrm>
+                  <a:off x="9625305" y="2129738"/>
+                  <a:ext cx="87480" cy="147600"/>
+                </a:xfrm>
+                <a:prstGeom prst="rect">
+                  <a:avLst/>
+                </a:prstGeom>
+              </p:spPr>
+            </p:pic>
+          </mc:Fallback>
+        </mc:AlternateContent>
+        <mc:AlternateContent xmlns:mc="http://schemas.openxmlformats.org/markup-compatibility/2006" xmlns:p14="http://schemas.microsoft.com/office/powerpoint/2010/main">
+          <mc:Choice Requires="p14">
+            <p:contentPart p14:bwMode="auto" r:id="rId25">
+              <p14:nvContentPartPr>
+                <p14:cNvPr id="19" name="Pismo odręczne 18">
+                  <a:extLst>
+                    <a:ext uri="{FF2B5EF4-FFF2-40B4-BE49-F238E27FC236}">
+                      <a16:creationId xmlns:a16="http://schemas.microsoft.com/office/drawing/2014/main" id="{6956C292-E963-470E-B5C7-A7D4BE739C42}"/>
+                    </a:ext>
+                  </a:extLst>
+                </p14:cNvPr>
+                <p14:cNvContentPartPr/>
+                <p14:nvPr/>
+              </p14:nvContentPartPr>
+              <p14:xfrm>
+                <a:off x="9773265" y="2104178"/>
+                <a:ext cx="132480" cy="119520"/>
+              </p14:xfrm>
+            </p:contentPart>
+          </mc:Choice>
+          <mc:Fallback xmlns="">
+            <p:pic>
+              <p:nvPicPr>
+                <p:cNvPr id="19" name="Pismo odręczne 18">
+                  <a:extLst>
+                    <a:ext uri="{FF2B5EF4-FFF2-40B4-BE49-F238E27FC236}">
+                      <a16:creationId xmlns:a16="http://schemas.microsoft.com/office/drawing/2014/main" id="{6956C292-E963-470E-B5C7-A7D4BE739C42}"/>
+                    </a:ext>
+                  </a:extLst>
+                </p:cNvPr>
+                <p:cNvPicPr/>
+                <p:nvPr/>
+              </p:nvPicPr>
+              <p:blipFill>
+                <a:blip r:embed="rId26"/>
+                <a:stretch>
+                  <a:fillRect/>
+                </a:stretch>
+              </p:blipFill>
+              <p:spPr>
+                <a:xfrm>
+                  <a:off x="9764625" y="2095178"/>
+                  <a:ext cx="150120" cy="137160"/>
+                </a:xfrm>
+                <a:prstGeom prst="rect">
+                  <a:avLst/>
+                </a:prstGeom>
+              </p:spPr>
+            </p:pic>
+          </mc:Fallback>
+        </mc:AlternateContent>
+        <mc:AlternateContent xmlns:mc="http://schemas.openxmlformats.org/markup-compatibility/2006" xmlns:p14="http://schemas.microsoft.com/office/powerpoint/2010/main">
+          <mc:Choice Requires="p14">
+            <p:contentPart p14:bwMode="auto" r:id="rId27">
+              <p14:nvContentPartPr>
+                <p14:cNvPr id="20" name="Pismo odręczne 19">
+                  <a:extLst>
+                    <a:ext uri="{FF2B5EF4-FFF2-40B4-BE49-F238E27FC236}">
+                      <a16:creationId xmlns:a16="http://schemas.microsoft.com/office/drawing/2014/main" id="{00C17F79-379C-480E-B8F8-8B4F854EE93E}"/>
+                    </a:ext>
+                  </a:extLst>
+                </p14:cNvPr>
+                <p14:cNvContentPartPr/>
+                <p14:nvPr/>
+              </p14:nvContentPartPr>
+              <p14:xfrm>
+                <a:off x="9950025" y="2113898"/>
+                <a:ext cx="167400" cy="84960"/>
+              </p14:xfrm>
+            </p:contentPart>
+          </mc:Choice>
+          <mc:Fallback xmlns="">
+            <p:pic>
+              <p:nvPicPr>
+                <p:cNvPr id="20" name="Pismo odręczne 19">
+                  <a:extLst>
+                    <a:ext uri="{FF2B5EF4-FFF2-40B4-BE49-F238E27FC236}">
+                      <a16:creationId xmlns:a16="http://schemas.microsoft.com/office/drawing/2014/main" id="{00C17F79-379C-480E-B8F8-8B4F854EE93E}"/>
+                    </a:ext>
+                  </a:extLst>
+                </p:cNvPr>
+                <p:cNvPicPr/>
+                <p:nvPr/>
+              </p:nvPicPr>
+              <p:blipFill>
+                <a:blip r:embed="rId28"/>
+                <a:stretch>
+                  <a:fillRect/>
+                </a:stretch>
+              </p:blipFill>
+              <p:spPr>
+                <a:xfrm>
+                  <a:off x="9941385" y="2105258"/>
+                  <a:ext cx="185040" cy="102600"/>
+                </a:xfrm>
+                <a:prstGeom prst="rect">
+                  <a:avLst/>
+                </a:prstGeom>
+              </p:spPr>
+            </p:pic>
+          </mc:Fallback>
+        </mc:AlternateContent>
+        <mc:AlternateContent xmlns:mc="http://schemas.openxmlformats.org/markup-compatibility/2006" xmlns:p14="http://schemas.microsoft.com/office/powerpoint/2010/main">
+          <mc:Choice Requires="p14">
+            <p:contentPart p14:bwMode="auto" r:id="rId29">
+              <p14:nvContentPartPr>
+                <p14:cNvPr id="21" name="Pismo odręczne 20">
+                  <a:extLst>
+                    <a:ext uri="{FF2B5EF4-FFF2-40B4-BE49-F238E27FC236}">
+                      <a16:creationId xmlns:a16="http://schemas.microsoft.com/office/drawing/2014/main" id="{6E3B2B90-8099-4A8F-8EE7-F364136239B3}"/>
+                    </a:ext>
+                  </a:extLst>
+                </p14:cNvPr>
+                <p14:cNvContentPartPr/>
+                <p14:nvPr/>
+              </p14:nvContentPartPr>
+              <p14:xfrm>
+                <a:off x="10137225" y="2102378"/>
+                <a:ext cx="109080" cy="244440"/>
+              </p14:xfrm>
+            </p:contentPart>
+          </mc:Choice>
+          <mc:Fallback xmlns="">
+            <p:pic>
+              <p:nvPicPr>
+                <p:cNvPr id="21" name="Pismo odręczne 20">
+                  <a:extLst>
+                    <a:ext uri="{FF2B5EF4-FFF2-40B4-BE49-F238E27FC236}">
+                      <a16:creationId xmlns:a16="http://schemas.microsoft.com/office/drawing/2014/main" id="{6E3B2B90-8099-4A8F-8EE7-F364136239B3}"/>
+                    </a:ext>
+                  </a:extLst>
+                </p:cNvPr>
+                <p:cNvPicPr/>
+                <p:nvPr/>
+              </p:nvPicPr>
+              <p:blipFill>
+                <a:blip r:embed="rId30"/>
+                <a:stretch>
+                  <a:fillRect/>
+                </a:stretch>
+              </p:blipFill>
+              <p:spPr>
+                <a:xfrm>
+                  <a:off x="10128225" y="2093378"/>
+                  <a:ext cx="126720" cy="262080"/>
+                </a:xfrm>
+                <a:prstGeom prst="rect">
+                  <a:avLst/>
+                </a:prstGeom>
+              </p:spPr>
+            </p:pic>
+          </mc:Fallback>
+        </mc:AlternateContent>
+        <mc:AlternateContent xmlns:mc="http://schemas.openxmlformats.org/markup-compatibility/2006" xmlns:p14="http://schemas.microsoft.com/office/powerpoint/2010/main">
+          <mc:Choice Requires="p14">
+            <p:contentPart p14:bwMode="auto" r:id="rId31">
+              <p14:nvContentPartPr>
+                <p14:cNvPr id="22" name="Pismo odręczne 21">
+                  <a:extLst>
+                    <a:ext uri="{FF2B5EF4-FFF2-40B4-BE49-F238E27FC236}">
+                      <a16:creationId xmlns:a16="http://schemas.microsoft.com/office/drawing/2014/main" id="{2EA5402E-815D-49D4-B438-D1DDE845DFA6}"/>
+                    </a:ext>
+                  </a:extLst>
+                </p14:cNvPr>
+                <p14:cNvContentPartPr/>
+                <p14:nvPr/>
+              </p14:nvContentPartPr>
+              <p14:xfrm>
+                <a:off x="10292025" y="2034698"/>
+                <a:ext cx="115200" cy="146880"/>
+              </p14:xfrm>
+            </p:contentPart>
+          </mc:Choice>
+          <mc:Fallback xmlns="">
+            <p:pic>
+              <p:nvPicPr>
+                <p:cNvPr id="22" name="Pismo odręczne 21">
+                  <a:extLst>
+                    <a:ext uri="{FF2B5EF4-FFF2-40B4-BE49-F238E27FC236}">
+                      <a16:creationId xmlns:a16="http://schemas.microsoft.com/office/drawing/2014/main" id="{2EA5402E-815D-49D4-B438-D1DDE845DFA6}"/>
+                    </a:ext>
+                  </a:extLst>
+                </p:cNvPr>
+                <p:cNvPicPr/>
+                <p:nvPr/>
+              </p:nvPicPr>
+              <p:blipFill>
+                <a:blip r:embed="rId32"/>
+                <a:stretch>
+                  <a:fillRect/>
+                </a:stretch>
+              </p:blipFill>
+              <p:spPr>
+                <a:xfrm>
+                  <a:off x="10283385" y="2025698"/>
+                  <a:ext cx="132840" cy="164520"/>
+                </a:xfrm>
+                <a:prstGeom prst="rect">
+                  <a:avLst/>
+                </a:prstGeom>
+              </p:spPr>
+            </p:pic>
+          </mc:Fallback>
+        </mc:AlternateContent>
+        <mc:AlternateContent xmlns:mc="http://schemas.openxmlformats.org/markup-compatibility/2006" xmlns:p14="http://schemas.microsoft.com/office/powerpoint/2010/main">
+          <mc:Choice Requires="p14">
+            <p:contentPart p14:bwMode="auto" r:id="rId33">
+              <p14:nvContentPartPr>
+                <p14:cNvPr id="24" name="Pismo odręczne 23">
+                  <a:extLst>
+                    <a:ext uri="{FF2B5EF4-FFF2-40B4-BE49-F238E27FC236}">
+                      <a16:creationId xmlns:a16="http://schemas.microsoft.com/office/drawing/2014/main" id="{80132E50-3B6D-4A8C-AD3C-DECD6B797A29}"/>
+                    </a:ext>
+                  </a:extLst>
+                </p14:cNvPr>
+                <p14:cNvContentPartPr/>
+                <p14:nvPr/>
+              </p14:nvContentPartPr>
+              <p14:xfrm>
+                <a:off x="10068465" y="2298578"/>
+                <a:ext cx="140400" cy="180360"/>
+              </p14:xfrm>
+            </p:contentPart>
+          </mc:Choice>
+          <mc:Fallback xmlns="">
+            <p:pic>
+              <p:nvPicPr>
+                <p:cNvPr id="24" name="Pismo odręczne 23">
+                  <a:extLst>
+                    <a:ext uri="{FF2B5EF4-FFF2-40B4-BE49-F238E27FC236}">
+                      <a16:creationId xmlns:a16="http://schemas.microsoft.com/office/drawing/2014/main" id="{80132E50-3B6D-4A8C-AD3C-DECD6B797A29}"/>
+                    </a:ext>
+                  </a:extLst>
+                </p:cNvPr>
+                <p:cNvPicPr/>
+                <p:nvPr/>
+              </p:nvPicPr>
+              <p:blipFill>
+                <a:blip r:embed="rId34"/>
+                <a:stretch>
+                  <a:fillRect/>
+                </a:stretch>
+              </p:blipFill>
+              <p:spPr>
+                <a:xfrm>
+                  <a:off x="10059825" y="2289578"/>
+                  <a:ext cx="158040" cy="198000"/>
+                </a:xfrm>
+                <a:prstGeom prst="rect">
+                  <a:avLst/>
+                </a:prstGeom>
+              </p:spPr>
+            </p:pic>
+          </mc:Fallback>
+        </mc:AlternateContent>
+        <mc:AlternateContent xmlns:mc="http://schemas.openxmlformats.org/markup-compatibility/2006" xmlns:p14="http://schemas.microsoft.com/office/powerpoint/2010/main">
+          <mc:Choice Requires="p14">
+            <p:contentPart p14:bwMode="auto" r:id="rId35">
+              <p14:nvContentPartPr>
+                <p14:cNvPr id="26" name="Pismo odręczne 25">
+                  <a:extLst>
+                    <a:ext uri="{FF2B5EF4-FFF2-40B4-BE49-F238E27FC236}">
+                      <a16:creationId xmlns:a16="http://schemas.microsoft.com/office/drawing/2014/main" id="{79E1E6CC-EE7A-4CC7-84C7-7CA017396F52}"/>
+                    </a:ext>
+                  </a:extLst>
+                </p14:cNvPr>
+                <p14:cNvContentPartPr/>
+                <p14:nvPr/>
+              </p14:nvContentPartPr>
+              <p14:xfrm>
+                <a:off x="8704785" y="2534738"/>
+                <a:ext cx="122400" cy="250920"/>
+              </p14:xfrm>
+            </p:contentPart>
+          </mc:Choice>
+          <mc:Fallback xmlns="">
+            <p:pic>
+              <p:nvPicPr>
+                <p:cNvPr id="26" name="Pismo odręczne 25">
+                  <a:extLst>
+                    <a:ext uri="{FF2B5EF4-FFF2-40B4-BE49-F238E27FC236}">
+                      <a16:creationId xmlns:a16="http://schemas.microsoft.com/office/drawing/2014/main" id="{79E1E6CC-EE7A-4CC7-84C7-7CA017396F52}"/>
+                    </a:ext>
+                  </a:extLst>
+                </p:cNvPr>
+                <p:cNvPicPr/>
+                <p:nvPr/>
+              </p:nvPicPr>
+              <p:blipFill>
+                <a:blip r:embed="rId36"/>
+                <a:stretch>
+                  <a:fillRect/>
+                </a:stretch>
+              </p:blipFill>
+              <p:spPr>
+                <a:xfrm>
+                  <a:off x="8695785" y="2526098"/>
+                  <a:ext cx="140040" cy="268560"/>
+                </a:xfrm>
+                <a:prstGeom prst="rect">
+                  <a:avLst/>
+                </a:prstGeom>
+              </p:spPr>
+            </p:pic>
+          </mc:Fallback>
+        </mc:AlternateContent>
+        <mc:AlternateContent xmlns:mc="http://schemas.openxmlformats.org/markup-compatibility/2006" xmlns:p14="http://schemas.microsoft.com/office/powerpoint/2010/main">
+          <mc:Choice Requires="p14">
+            <p:contentPart p14:bwMode="auto" r:id="rId37">
+              <p14:nvContentPartPr>
+                <p14:cNvPr id="27" name="Pismo odręczne 26">
+                  <a:extLst>
+                    <a:ext uri="{FF2B5EF4-FFF2-40B4-BE49-F238E27FC236}">
+                      <a16:creationId xmlns:a16="http://schemas.microsoft.com/office/drawing/2014/main" id="{33FD49F1-742C-4B03-8225-B9EA5518BB96}"/>
+                    </a:ext>
+                  </a:extLst>
+                </p14:cNvPr>
+                <p14:cNvContentPartPr/>
+                <p14:nvPr/>
+              </p14:nvContentPartPr>
+              <p14:xfrm>
+                <a:off x="8874705" y="2549858"/>
+                <a:ext cx="100440" cy="196560"/>
+              </p14:xfrm>
+            </p:contentPart>
+          </mc:Choice>
+          <mc:Fallback xmlns="">
+            <p:pic>
+              <p:nvPicPr>
+                <p:cNvPr id="27" name="Pismo odręczne 26">
+                  <a:extLst>
+                    <a:ext uri="{FF2B5EF4-FFF2-40B4-BE49-F238E27FC236}">
+                      <a16:creationId xmlns:a16="http://schemas.microsoft.com/office/drawing/2014/main" id="{33FD49F1-742C-4B03-8225-B9EA5518BB96}"/>
+                    </a:ext>
+                  </a:extLst>
+                </p:cNvPr>
+                <p:cNvPicPr/>
+                <p:nvPr/>
+              </p:nvPicPr>
+              <p:blipFill>
+                <a:blip r:embed="rId38"/>
+                <a:stretch>
+                  <a:fillRect/>
+                </a:stretch>
+              </p:blipFill>
+              <p:spPr>
+                <a:xfrm>
+                  <a:off x="8865705" y="2541218"/>
+                  <a:ext cx="118080" cy="214200"/>
+                </a:xfrm>
+                <a:prstGeom prst="rect">
+                  <a:avLst/>
+                </a:prstGeom>
+              </p:spPr>
+            </p:pic>
+          </mc:Fallback>
+        </mc:AlternateContent>
+        <mc:AlternateContent xmlns:mc="http://schemas.openxmlformats.org/markup-compatibility/2006" xmlns:p14="http://schemas.microsoft.com/office/powerpoint/2010/main">
+          <mc:Choice Requires="p14">
+            <p:contentPart p14:bwMode="auto" r:id="rId39">
+              <p14:nvContentPartPr>
+                <p14:cNvPr id="28" name="Pismo odręczne 27">
+                  <a:extLst>
+                    <a:ext uri="{FF2B5EF4-FFF2-40B4-BE49-F238E27FC236}">
+                      <a16:creationId xmlns:a16="http://schemas.microsoft.com/office/drawing/2014/main" id="{CB389F90-B737-4C61-A427-ECAFFA54C46D}"/>
+                    </a:ext>
+                  </a:extLst>
+                </p14:cNvPr>
+                <p14:cNvContentPartPr/>
+                <p14:nvPr/>
+              </p14:nvContentPartPr>
+              <p14:xfrm>
+                <a:off x="9029145" y="2621498"/>
+                <a:ext cx="92160" cy="92880"/>
+              </p14:xfrm>
+            </p:contentPart>
+          </mc:Choice>
+          <mc:Fallback xmlns="">
+            <p:pic>
+              <p:nvPicPr>
+                <p:cNvPr id="28" name="Pismo odręczne 27">
+                  <a:extLst>
+                    <a:ext uri="{FF2B5EF4-FFF2-40B4-BE49-F238E27FC236}">
+                      <a16:creationId xmlns:a16="http://schemas.microsoft.com/office/drawing/2014/main" id="{CB389F90-B737-4C61-A427-ECAFFA54C46D}"/>
+                    </a:ext>
+                  </a:extLst>
+                </p:cNvPr>
+                <p:cNvPicPr/>
+                <p:nvPr/>
+              </p:nvPicPr>
+              <p:blipFill>
+                <a:blip r:embed="rId40"/>
+                <a:stretch>
+                  <a:fillRect/>
+                </a:stretch>
+              </p:blipFill>
+              <p:spPr>
+                <a:xfrm>
+                  <a:off x="9020505" y="2612498"/>
+                  <a:ext cx="109800" cy="110520"/>
+                </a:xfrm>
+                <a:prstGeom prst="rect">
+                  <a:avLst/>
+                </a:prstGeom>
+              </p:spPr>
+            </p:pic>
+          </mc:Fallback>
+        </mc:AlternateContent>
+        <mc:AlternateContent xmlns:mc="http://schemas.openxmlformats.org/markup-compatibility/2006" xmlns:p14="http://schemas.microsoft.com/office/powerpoint/2010/main">
+          <mc:Choice Requires="p14">
+            <p:contentPart p14:bwMode="auto" r:id="rId41">
+              <p14:nvContentPartPr>
+                <p14:cNvPr id="29" name="Pismo odręczne 28">
+                  <a:extLst>
+                    <a:ext uri="{FF2B5EF4-FFF2-40B4-BE49-F238E27FC236}">
+                      <a16:creationId xmlns:a16="http://schemas.microsoft.com/office/drawing/2014/main" id="{5BF396A7-47BA-4AF7-817E-FA170C17D6B9}"/>
+                    </a:ext>
+                  </a:extLst>
+                </p14:cNvPr>
+                <p14:cNvContentPartPr/>
+                <p14:nvPr/>
+              </p14:nvContentPartPr>
+              <p14:xfrm>
+                <a:off x="9097905" y="2545178"/>
+                <a:ext cx="16200" cy="50400"/>
+              </p14:xfrm>
+            </p:contentPart>
+          </mc:Choice>
+          <mc:Fallback xmlns="">
+            <p:pic>
+              <p:nvPicPr>
+                <p:cNvPr id="29" name="Pismo odręczne 28">
+                  <a:extLst>
+                    <a:ext uri="{FF2B5EF4-FFF2-40B4-BE49-F238E27FC236}">
+                      <a16:creationId xmlns:a16="http://schemas.microsoft.com/office/drawing/2014/main" id="{5BF396A7-47BA-4AF7-817E-FA170C17D6B9}"/>
+                    </a:ext>
+                  </a:extLst>
+                </p:cNvPr>
+                <p:cNvPicPr/>
+                <p:nvPr/>
+              </p:nvPicPr>
+              <p:blipFill>
+                <a:blip r:embed="rId42"/>
+                <a:stretch>
+                  <a:fillRect/>
+                </a:stretch>
+              </p:blipFill>
+              <p:spPr>
+                <a:xfrm>
+                  <a:off x="9089265" y="2536538"/>
+                  <a:ext cx="33840" cy="68040"/>
+                </a:xfrm>
+                <a:prstGeom prst="rect">
+                  <a:avLst/>
+                </a:prstGeom>
+              </p:spPr>
+            </p:pic>
+          </mc:Fallback>
+        </mc:AlternateContent>
+        <mc:AlternateContent xmlns:mc="http://schemas.openxmlformats.org/markup-compatibility/2006" xmlns:p14="http://schemas.microsoft.com/office/powerpoint/2010/main">
+          <mc:Choice Requires="p14">
+            <p:contentPart p14:bwMode="auto" r:id="rId43">
+              <p14:nvContentPartPr>
+                <p14:cNvPr id="30" name="Pismo odręczne 29">
+                  <a:extLst>
+                    <a:ext uri="{FF2B5EF4-FFF2-40B4-BE49-F238E27FC236}">
+                      <a16:creationId xmlns:a16="http://schemas.microsoft.com/office/drawing/2014/main" id="{95B8DB24-8FE5-4782-8DE0-2EF9BAC8170E}"/>
+                    </a:ext>
+                  </a:extLst>
+                </p14:cNvPr>
+                <p14:cNvContentPartPr/>
+                <p14:nvPr/>
+              </p14:nvContentPartPr>
+              <p14:xfrm>
+                <a:off x="9200505" y="2458778"/>
+                <a:ext cx="229320" cy="216360"/>
+              </p14:xfrm>
+            </p:contentPart>
+          </mc:Choice>
+          <mc:Fallback xmlns="">
+            <p:pic>
+              <p:nvPicPr>
+                <p:cNvPr id="30" name="Pismo odręczne 29">
+                  <a:extLst>
+                    <a:ext uri="{FF2B5EF4-FFF2-40B4-BE49-F238E27FC236}">
+                      <a16:creationId xmlns:a16="http://schemas.microsoft.com/office/drawing/2014/main" id="{95B8DB24-8FE5-4782-8DE0-2EF9BAC8170E}"/>
+                    </a:ext>
+                  </a:extLst>
+                </p:cNvPr>
+                <p:cNvPicPr/>
+                <p:nvPr/>
+              </p:nvPicPr>
+              <p:blipFill>
+                <a:blip r:embed="rId44"/>
+                <a:stretch>
+                  <a:fillRect/>
+                </a:stretch>
+              </p:blipFill>
+              <p:spPr>
+                <a:xfrm>
+                  <a:off x="9191865" y="2450138"/>
+                  <a:ext cx="246960" cy="234000"/>
+                </a:xfrm>
+                <a:prstGeom prst="rect">
+                  <a:avLst/>
+                </a:prstGeom>
+              </p:spPr>
+            </p:pic>
+          </mc:Fallback>
+        </mc:AlternateContent>
+        <mc:AlternateContent xmlns:mc="http://schemas.openxmlformats.org/markup-compatibility/2006" xmlns:p14="http://schemas.microsoft.com/office/powerpoint/2010/main">
+          <mc:Choice Requires="p14">
+            <p:contentPart p14:bwMode="auto" r:id="rId45">
+              <p14:nvContentPartPr>
+                <p14:cNvPr id="31" name="Pismo odręczne 30">
+                  <a:extLst>
+                    <a:ext uri="{FF2B5EF4-FFF2-40B4-BE49-F238E27FC236}">
+                      <a16:creationId xmlns:a16="http://schemas.microsoft.com/office/drawing/2014/main" id="{4C43EABF-1172-461E-A142-06C1D62334AD}"/>
+                    </a:ext>
+                  </a:extLst>
+                </p14:cNvPr>
+                <p14:cNvContentPartPr/>
+                <p14:nvPr/>
+              </p14:nvContentPartPr>
+              <p14:xfrm>
+                <a:off x="9435585" y="2513498"/>
+                <a:ext cx="165240" cy="128160"/>
+              </p14:xfrm>
+            </p:contentPart>
+          </mc:Choice>
+          <mc:Fallback xmlns="">
+            <p:pic>
+              <p:nvPicPr>
+                <p:cNvPr id="31" name="Pismo odręczne 30">
+                  <a:extLst>
+                    <a:ext uri="{FF2B5EF4-FFF2-40B4-BE49-F238E27FC236}">
+                      <a16:creationId xmlns:a16="http://schemas.microsoft.com/office/drawing/2014/main" id="{4C43EABF-1172-461E-A142-06C1D62334AD}"/>
+                    </a:ext>
+                  </a:extLst>
+                </p:cNvPr>
+                <p:cNvPicPr/>
+                <p:nvPr/>
+              </p:nvPicPr>
+              <p:blipFill>
+                <a:blip r:embed="rId46"/>
+                <a:stretch>
+                  <a:fillRect/>
+                </a:stretch>
+              </p:blipFill>
+              <p:spPr>
+                <a:xfrm>
+                  <a:off x="9426945" y="2504858"/>
+                  <a:ext cx="182880" cy="145800"/>
+                </a:xfrm>
+                <a:prstGeom prst="rect">
+                  <a:avLst/>
+                </a:prstGeom>
+              </p:spPr>
+            </p:pic>
+          </mc:Fallback>
+        </mc:AlternateContent>
+        <mc:AlternateContent xmlns:mc="http://schemas.openxmlformats.org/markup-compatibility/2006" xmlns:p14="http://schemas.microsoft.com/office/powerpoint/2010/main">
+          <mc:Choice Requires="p14">
+            <p:contentPart p14:bwMode="auto" r:id="rId47">
+              <p14:nvContentPartPr>
+                <p14:cNvPr id="33" name="Pismo odręczne 32">
+                  <a:extLst>
+                    <a:ext uri="{FF2B5EF4-FFF2-40B4-BE49-F238E27FC236}">
+                      <a16:creationId xmlns:a16="http://schemas.microsoft.com/office/drawing/2014/main" id="{898E47A7-F32C-4BD0-9ECF-9C48C3872C31}"/>
+                    </a:ext>
+                  </a:extLst>
+                </p14:cNvPr>
+                <p14:cNvContentPartPr/>
+                <p14:nvPr/>
+              </p14:nvContentPartPr>
+              <p14:xfrm>
+                <a:off x="9752385" y="2492258"/>
+                <a:ext cx="155520" cy="236880"/>
+              </p14:xfrm>
+            </p:contentPart>
+          </mc:Choice>
+          <mc:Fallback xmlns="">
+            <p:pic>
+              <p:nvPicPr>
+                <p:cNvPr id="33" name="Pismo odręczne 32">
+                  <a:extLst>
+                    <a:ext uri="{FF2B5EF4-FFF2-40B4-BE49-F238E27FC236}">
+                      <a16:creationId xmlns:a16="http://schemas.microsoft.com/office/drawing/2014/main" id="{898E47A7-F32C-4BD0-9ECF-9C48C3872C31}"/>
+                    </a:ext>
+                  </a:extLst>
+                </p:cNvPr>
+                <p:cNvPicPr/>
+                <p:nvPr/>
+              </p:nvPicPr>
+              <p:blipFill>
+                <a:blip r:embed="rId48"/>
+                <a:stretch>
+                  <a:fillRect/>
+                </a:stretch>
+              </p:blipFill>
+              <p:spPr>
+                <a:xfrm>
+                  <a:off x="9743385" y="2483258"/>
+                  <a:ext cx="173160" cy="254520"/>
+                </a:xfrm>
+                <a:prstGeom prst="rect">
+                  <a:avLst/>
+                </a:prstGeom>
+              </p:spPr>
+            </p:pic>
+          </mc:Fallback>
+        </mc:AlternateContent>
+        <mc:AlternateContent xmlns:mc="http://schemas.openxmlformats.org/markup-compatibility/2006" xmlns:p14="http://schemas.microsoft.com/office/powerpoint/2010/main">
+          <mc:Choice Requires="p14">
+            <p:contentPart p14:bwMode="auto" r:id="rId49">
+              <p14:nvContentPartPr>
+                <p14:cNvPr id="35" name="Pismo odręczne 34">
+                  <a:extLst>
+                    <a:ext uri="{FF2B5EF4-FFF2-40B4-BE49-F238E27FC236}">
+                      <a16:creationId xmlns:a16="http://schemas.microsoft.com/office/drawing/2014/main" id="{EA8CBC5C-54E9-422B-8C42-EF81F3950B94}"/>
+                    </a:ext>
+                  </a:extLst>
+                </p14:cNvPr>
+                <p14:cNvContentPartPr/>
+                <p14:nvPr/>
+              </p14:nvContentPartPr>
+              <p14:xfrm>
+                <a:off x="9912225" y="2509178"/>
+                <a:ext cx="100440" cy="175680"/>
+              </p14:xfrm>
+            </p:contentPart>
+          </mc:Choice>
+          <mc:Fallback xmlns="">
+            <p:pic>
+              <p:nvPicPr>
+                <p:cNvPr id="35" name="Pismo odręczne 34">
+                  <a:extLst>
+                    <a:ext uri="{FF2B5EF4-FFF2-40B4-BE49-F238E27FC236}">
+                      <a16:creationId xmlns:a16="http://schemas.microsoft.com/office/drawing/2014/main" id="{EA8CBC5C-54E9-422B-8C42-EF81F3950B94}"/>
+                    </a:ext>
+                  </a:extLst>
+                </p:cNvPr>
+                <p:cNvPicPr/>
+                <p:nvPr/>
+              </p:nvPicPr>
+              <p:blipFill>
+                <a:blip r:embed="rId50"/>
+                <a:stretch>
+                  <a:fillRect/>
+                </a:stretch>
+              </p:blipFill>
+              <p:spPr>
+                <a:xfrm>
+                  <a:off x="9903225" y="2500178"/>
+                  <a:ext cx="118080" cy="193320"/>
+                </a:xfrm>
+                <a:prstGeom prst="rect">
+                  <a:avLst/>
+                </a:prstGeom>
+              </p:spPr>
+            </p:pic>
+          </mc:Fallback>
+        </mc:AlternateContent>
+        <mc:AlternateContent xmlns:mc="http://schemas.openxmlformats.org/markup-compatibility/2006" xmlns:p14="http://schemas.microsoft.com/office/powerpoint/2010/main">
+          <mc:Choice Requires="p14">
+            <p:contentPart p14:bwMode="auto" r:id="rId51">
+              <p14:nvContentPartPr>
+                <p14:cNvPr id="36" name="Pismo odręczne 35">
+                  <a:extLst>
+                    <a:ext uri="{FF2B5EF4-FFF2-40B4-BE49-F238E27FC236}">
+                      <a16:creationId xmlns:a16="http://schemas.microsoft.com/office/drawing/2014/main" id="{F67E49AE-D9C6-4FBC-9DC9-88A450C75056}"/>
+                    </a:ext>
+                  </a:extLst>
+                </p14:cNvPr>
+                <p14:cNvContentPartPr/>
+                <p14:nvPr/>
+              </p14:nvContentPartPr>
+              <p14:xfrm>
+                <a:off x="10084305" y="2474258"/>
+                <a:ext cx="106920" cy="181440"/>
+              </p14:xfrm>
+            </p:contentPart>
+          </mc:Choice>
+          <mc:Fallback xmlns="">
+            <p:pic>
+              <p:nvPicPr>
+                <p:cNvPr id="36" name="Pismo odręczne 35">
+                  <a:extLst>
+                    <a:ext uri="{FF2B5EF4-FFF2-40B4-BE49-F238E27FC236}">
+                      <a16:creationId xmlns:a16="http://schemas.microsoft.com/office/drawing/2014/main" id="{F67E49AE-D9C6-4FBC-9DC9-88A450C75056}"/>
+                    </a:ext>
+                  </a:extLst>
+                </p:cNvPr>
+                <p:cNvPicPr/>
+                <p:nvPr/>
+              </p:nvPicPr>
+              <p:blipFill>
+                <a:blip r:embed="rId52"/>
+                <a:stretch>
+                  <a:fillRect/>
+                </a:stretch>
+              </p:blipFill>
+              <p:spPr>
+                <a:xfrm>
+                  <a:off x="10075305" y="2465618"/>
+                  <a:ext cx="124560" cy="199080"/>
+                </a:xfrm>
+                <a:prstGeom prst="rect">
+                  <a:avLst/>
+                </a:prstGeom>
+              </p:spPr>
+            </p:pic>
+          </mc:Fallback>
+        </mc:AlternateContent>
+      </p:grpSp>
+      <p:grpSp>
+        <p:nvGrpSpPr>
+          <p:cNvPr id="44" name="Grupa 43">
+            <a:extLst>
+              <a:ext uri="{FF2B5EF4-FFF2-40B4-BE49-F238E27FC236}">
+                <a16:creationId xmlns:a16="http://schemas.microsoft.com/office/drawing/2014/main" id="{9FD75754-2FDE-4E80-8837-66077EC1D3AC}"/>
+              </a:ext>
+            </a:extLst>
+          </p:cNvPr>
+          <p:cNvGrpSpPr/>
+          <p:nvPr/>
+        </p:nvGrpSpPr>
+        <p:grpSpPr>
+          <a:xfrm>
+            <a:off x="1662825" y="4200098"/>
+            <a:ext cx="155520" cy="150480"/>
+            <a:chOff x="1662825" y="4200098"/>
+            <a:chExt cx="155520" cy="150480"/>
+          </a:xfrm>
+        </p:grpSpPr>
+        <mc:AlternateContent xmlns:mc="http://schemas.openxmlformats.org/markup-compatibility/2006" xmlns:p14="http://schemas.microsoft.com/office/powerpoint/2010/main">
+          <mc:Choice Requires="p14">
+            <p:contentPart p14:bwMode="auto" r:id="rId53">
+              <p14:nvContentPartPr>
+                <p14:cNvPr id="38" name="Pismo odręczne 37">
+                  <a:extLst>
+                    <a:ext uri="{FF2B5EF4-FFF2-40B4-BE49-F238E27FC236}">
+                      <a16:creationId xmlns:a16="http://schemas.microsoft.com/office/drawing/2014/main" id="{9A0AFF74-6D3A-474B-94B5-DB8720F76340}"/>
+                    </a:ext>
+                  </a:extLst>
+                </p14:cNvPr>
+                <p14:cNvContentPartPr/>
+                <p14:nvPr/>
+              </p14:nvContentPartPr>
+              <p14:xfrm>
+                <a:off x="1701705" y="4200098"/>
+                <a:ext cx="77040" cy="111600"/>
+              </p14:xfrm>
+            </p:contentPart>
+          </mc:Choice>
+          <mc:Fallback xmlns="">
+            <p:pic>
+              <p:nvPicPr>
+                <p:cNvPr id="38" name="Pismo odręczne 37">
+                  <a:extLst>
+                    <a:ext uri="{FF2B5EF4-FFF2-40B4-BE49-F238E27FC236}">
+                      <a16:creationId xmlns:a16="http://schemas.microsoft.com/office/drawing/2014/main" id="{9A0AFF74-6D3A-474B-94B5-DB8720F76340}"/>
+                    </a:ext>
+                  </a:extLst>
+                </p:cNvPr>
+                <p:cNvPicPr/>
+                <p:nvPr/>
+              </p:nvPicPr>
+              <p:blipFill>
+                <a:blip r:embed="rId54"/>
+                <a:stretch>
+                  <a:fillRect/>
+                </a:stretch>
+              </p:blipFill>
+              <p:spPr>
+                <a:xfrm>
+                  <a:off x="1693065" y="4191098"/>
+                  <a:ext cx="94680" cy="129240"/>
+                </a:xfrm>
+                <a:prstGeom prst="rect">
+                  <a:avLst/>
+                </a:prstGeom>
+              </p:spPr>
+            </p:pic>
+          </mc:Fallback>
+        </mc:AlternateContent>
+        <mc:AlternateContent xmlns:mc="http://schemas.openxmlformats.org/markup-compatibility/2006" xmlns:p14="http://schemas.microsoft.com/office/powerpoint/2010/main">
+          <mc:Choice Requires="p14">
+            <p:contentPart p14:bwMode="auto" r:id="rId55">
+              <p14:nvContentPartPr>
+                <p14:cNvPr id="39" name="Pismo odręczne 38">
+                  <a:extLst>
+                    <a:ext uri="{FF2B5EF4-FFF2-40B4-BE49-F238E27FC236}">
+                      <a16:creationId xmlns:a16="http://schemas.microsoft.com/office/drawing/2014/main" id="{50F32FD1-DD75-406D-BB89-43A2819B4799}"/>
+                    </a:ext>
+                  </a:extLst>
+                </p14:cNvPr>
+                <p14:cNvContentPartPr/>
+                <p14:nvPr/>
+              </p14:nvContentPartPr>
+              <p14:xfrm>
+                <a:off x="1673265" y="4268498"/>
+                <a:ext cx="92160" cy="49680"/>
+              </p14:xfrm>
+            </p:contentPart>
+          </mc:Choice>
+          <mc:Fallback xmlns="">
+            <p:pic>
+              <p:nvPicPr>
+                <p:cNvPr id="39" name="Pismo odręczne 38">
+                  <a:extLst>
+                    <a:ext uri="{FF2B5EF4-FFF2-40B4-BE49-F238E27FC236}">
+                      <a16:creationId xmlns:a16="http://schemas.microsoft.com/office/drawing/2014/main" id="{50F32FD1-DD75-406D-BB89-43A2819B4799}"/>
+                    </a:ext>
+                  </a:extLst>
+                </p:cNvPr>
+                <p:cNvPicPr/>
+                <p:nvPr/>
+              </p:nvPicPr>
+              <p:blipFill>
+                <a:blip r:embed="rId56"/>
+                <a:stretch>
+                  <a:fillRect/>
+                </a:stretch>
+              </p:blipFill>
+              <p:spPr>
+                <a:xfrm>
+                  <a:off x="1664265" y="4259858"/>
+                  <a:ext cx="109800" cy="67320"/>
+                </a:xfrm>
+                <a:prstGeom prst="rect">
+                  <a:avLst/>
+                </a:prstGeom>
+              </p:spPr>
+            </p:pic>
+          </mc:Fallback>
+        </mc:AlternateContent>
+        <mc:AlternateContent xmlns:mc="http://schemas.openxmlformats.org/markup-compatibility/2006" xmlns:p14="http://schemas.microsoft.com/office/powerpoint/2010/main">
+          <mc:Choice Requires="p14">
+            <p:contentPart p14:bwMode="auto" r:id="rId57">
+              <p14:nvContentPartPr>
+                <p14:cNvPr id="40" name="Pismo odręczne 39">
+                  <a:extLst>
+                    <a:ext uri="{FF2B5EF4-FFF2-40B4-BE49-F238E27FC236}">
+                      <a16:creationId xmlns:a16="http://schemas.microsoft.com/office/drawing/2014/main" id="{C2564CDA-C5BA-4BC3-B480-332B798D7702}"/>
+                    </a:ext>
+                  </a:extLst>
+                </p14:cNvPr>
+                <p14:cNvContentPartPr/>
+                <p14:nvPr/>
+              </p14:nvContentPartPr>
+              <p14:xfrm>
+                <a:off x="1734825" y="4212338"/>
+                <a:ext cx="14400" cy="104760"/>
+              </p14:xfrm>
+            </p:contentPart>
+          </mc:Choice>
+          <mc:Fallback xmlns="">
+            <p:pic>
+              <p:nvPicPr>
+                <p:cNvPr id="40" name="Pismo odręczne 39">
+                  <a:extLst>
+                    <a:ext uri="{FF2B5EF4-FFF2-40B4-BE49-F238E27FC236}">
+                      <a16:creationId xmlns:a16="http://schemas.microsoft.com/office/drawing/2014/main" id="{C2564CDA-C5BA-4BC3-B480-332B798D7702}"/>
+                    </a:ext>
+                  </a:extLst>
+                </p:cNvPr>
+                <p:cNvPicPr/>
+                <p:nvPr/>
+              </p:nvPicPr>
+              <p:blipFill>
+                <a:blip r:embed="rId58"/>
+                <a:stretch>
+                  <a:fillRect/>
+                </a:stretch>
+              </p:blipFill>
+              <p:spPr>
+                <a:xfrm>
+                  <a:off x="1726185" y="4203338"/>
+                  <a:ext cx="32040" cy="122400"/>
+                </a:xfrm>
+                <a:prstGeom prst="rect">
+                  <a:avLst/>
+                </a:prstGeom>
+              </p:spPr>
+            </p:pic>
+          </mc:Fallback>
+        </mc:AlternateContent>
+        <mc:AlternateContent xmlns:mc="http://schemas.openxmlformats.org/markup-compatibility/2006" xmlns:p14="http://schemas.microsoft.com/office/powerpoint/2010/main">
+          <mc:Choice Requires="p14">
+            <p:contentPart p14:bwMode="auto" r:id="rId59">
+              <p14:nvContentPartPr>
+                <p14:cNvPr id="41" name="Pismo odręczne 40">
+                  <a:extLst>
+                    <a:ext uri="{FF2B5EF4-FFF2-40B4-BE49-F238E27FC236}">
+                      <a16:creationId xmlns:a16="http://schemas.microsoft.com/office/drawing/2014/main" id="{0E563074-EB64-42DA-AC52-8373739E8FBB}"/>
+                    </a:ext>
+                  </a:extLst>
+                </p14:cNvPr>
+                <p14:cNvContentPartPr/>
+                <p14:nvPr/>
+              </p14:nvContentPartPr>
+              <p14:xfrm>
+                <a:off x="1666425" y="4270298"/>
+                <a:ext cx="151920" cy="46440"/>
+              </p14:xfrm>
+            </p:contentPart>
+          </mc:Choice>
+          <mc:Fallback xmlns="">
+            <p:pic>
+              <p:nvPicPr>
+                <p:cNvPr id="41" name="Pismo odręczne 40">
+                  <a:extLst>
+                    <a:ext uri="{FF2B5EF4-FFF2-40B4-BE49-F238E27FC236}">
+                      <a16:creationId xmlns:a16="http://schemas.microsoft.com/office/drawing/2014/main" id="{0E563074-EB64-42DA-AC52-8373739E8FBB}"/>
+                    </a:ext>
+                  </a:extLst>
+                </p:cNvPr>
+                <p:cNvPicPr/>
+                <p:nvPr/>
+              </p:nvPicPr>
+              <p:blipFill>
+                <a:blip r:embed="rId60"/>
+                <a:stretch>
+                  <a:fillRect/>
+                </a:stretch>
+              </p:blipFill>
+              <p:spPr>
+                <a:xfrm>
+                  <a:off x="1657785" y="4261298"/>
+                  <a:ext cx="169560" cy="64080"/>
+                </a:xfrm>
+                <a:prstGeom prst="rect">
+                  <a:avLst/>
+                </a:prstGeom>
+              </p:spPr>
+            </p:pic>
+          </mc:Fallback>
+        </mc:AlternateContent>
+        <mc:AlternateContent xmlns:mc="http://schemas.openxmlformats.org/markup-compatibility/2006" xmlns:p14="http://schemas.microsoft.com/office/powerpoint/2010/main">
+          <mc:Choice Requires="p14">
+            <p:contentPart p14:bwMode="auto" r:id="rId61">
+              <p14:nvContentPartPr>
+                <p14:cNvPr id="43" name="Pismo odręczne 42">
+                  <a:extLst>
+                    <a:ext uri="{FF2B5EF4-FFF2-40B4-BE49-F238E27FC236}">
+                      <a16:creationId xmlns:a16="http://schemas.microsoft.com/office/drawing/2014/main" id="{7CFE9836-935A-4488-8A61-0D744A109A59}"/>
+                    </a:ext>
+                  </a:extLst>
+                </p14:cNvPr>
+                <p14:cNvContentPartPr/>
+                <p14:nvPr/>
+              </p14:nvContentPartPr>
+              <p14:xfrm>
+                <a:off x="1662825" y="4218458"/>
+                <a:ext cx="110880" cy="132120"/>
+              </p14:xfrm>
+            </p:contentPart>
+          </mc:Choice>
+          <mc:Fallback xmlns="">
+            <p:pic>
+              <p:nvPicPr>
+                <p:cNvPr id="43" name="Pismo odręczne 42">
+                  <a:extLst>
+                    <a:ext uri="{FF2B5EF4-FFF2-40B4-BE49-F238E27FC236}">
+                      <a16:creationId xmlns:a16="http://schemas.microsoft.com/office/drawing/2014/main" id="{7CFE9836-935A-4488-8A61-0D744A109A59}"/>
+                    </a:ext>
+                  </a:extLst>
+                </p:cNvPr>
+                <p:cNvPicPr/>
+                <p:nvPr/>
+              </p:nvPicPr>
+              <p:blipFill>
+                <a:blip r:embed="rId62"/>
+                <a:stretch>
+                  <a:fillRect/>
+                </a:stretch>
+              </p:blipFill>
+              <p:spPr>
+                <a:xfrm>
+                  <a:off x="1653825" y="4209818"/>
+                  <a:ext cx="128520" cy="149760"/>
+                </a:xfrm>
+                <a:prstGeom prst="rect">
+                  <a:avLst/>
+                </a:prstGeom>
+              </p:spPr>
+            </p:pic>
+          </mc:Fallback>
+        </mc:AlternateContent>
+      </p:grpSp>
+      <p:sp>
+        <p:nvSpPr>
+          <p:cNvPr id="42" name="Tytuł 1">
+            <a:extLst>
+              <a:ext uri="{FF2B5EF4-FFF2-40B4-BE49-F238E27FC236}">
+                <a16:creationId xmlns:a16="http://schemas.microsoft.com/office/drawing/2014/main" id="{52F27DA8-B0B6-42E5-8CC1-77E5CD5AC53C}"/>
+              </a:ext>
+            </a:extLst>
+          </p:cNvPr>
+          <p:cNvSpPr>
+            <a:spLocks noGrp="1"/>
+          </p:cNvSpPr>
+          <p:nvPr>
+            <p:ph type="ctrTitle"/>
+          </p:nvPr>
+        </p:nvSpPr>
+        <p:spPr>
+          <a:xfrm>
+            <a:off x="963397" y="516657"/>
+            <a:ext cx="9386228" cy="727943"/>
+          </a:xfrm>
+        </p:spPr>
+        <p:txBody>
+          <a:bodyPr/>
+          <a:lstStyle/>
+          <a:p>
+            <a:r>
+              <a:rPr lang="pl-PL" sz="4800" dirty="0"/>
+              <a:t>W pliku .</a:t>
+            </a:r>
+            <a:r>
+              <a:rPr lang="pl-PL" sz="4800" dirty="0" err="1"/>
+              <a:t>java</a:t>
+            </a:r>
+            <a:r>
+              <a:rPr lang="pl-PL" sz="4800" dirty="0"/>
+              <a:t> w metodzie start()</a:t>
+            </a:r>
+          </a:p>
+        </p:txBody>
+      </p:sp>
+    </p:spTree>
+    <p:extLst>
+      <p:ext uri="{BB962C8B-B14F-4D97-AF65-F5344CB8AC3E}">
+        <p14:creationId xmlns:p14="http://schemas.microsoft.com/office/powerpoint/2010/main" val="3436200627"/>
+      </p:ext>
+    </p:extLst>
+  </p:cSld>
+  <p:clrMapOvr>
+    <a:masterClrMapping/>
+  </p:clrMapOvr>
+</p:sld>
+</file>
+
+<file path=ppt/slides/slide24.xml><?xml version="1.0" encoding="utf-8"?>
+<p:sld xmlns:a="http://schemas.openxmlformats.org/drawingml/2006/main" xmlns:r="http://schemas.openxmlformats.org/officeDocument/2006/relationships" xmlns:p="http://schemas.openxmlformats.org/presentationml/2006/main">
+  <p:cSld>
+    <p:spTree>
+      <p:nvGrpSpPr>
+        <p:cNvPr id="1" name=""/>
+        <p:cNvGrpSpPr/>
+        <p:nvPr/>
+      </p:nvGrpSpPr>
+      <p:grpSpPr>
+        <a:xfrm>
+          <a:off x="0" y="0"/>
+          <a:ext cx="0" cy="0"/>
+          <a:chOff x="0" y="0"/>
+          <a:chExt cx="0" cy="0"/>
+        </a:xfrm>
+      </p:grpSpPr>
+      <p:sp>
+        <p:nvSpPr>
+          <p:cNvPr id="3" name="Podtytuł 2">
+            <a:extLst>
+              <a:ext uri="{FF2B5EF4-FFF2-40B4-BE49-F238E27FC236}">
+                <a16:creationId xmlns:a16="http://schemas.microsoft.com/office/drawing/2014/main" id="{B63CFF8B-1A09-46AC-A9AF-BA1EE1B3D6E6}"/>
+              </a:ext>
+            </a:extLst>
+          </p:cNvPr>
+          <p:cNvSpPr>
+            <a:spLocks noGrp="1"/>
+          </p:cNvSpPr>
+          <p:nvPr>
+            <p:ph type="subTitle" idx="1"/>
+          </p:nvPr>
+        </p:nvSpPr>
+        <p:spPr>
+          <a:xfrm>
+            <a:off x="597326" y="4785538"/>
+            <a:ext cx="3807662" cy="291770"/>
+          </a:xfrm>
+        </p:spPr>
+        <p:txBody>
+          <a:bodyPr>
+            <a:normAutofit/>
+          </a:bodyPr>
+          <a:lstStyle/>
+          <a:p>
+            <a:r>
+              <a:rPr lang="pl-PL" sz="1200" cap="none" dirty="0"/>
+              <a:t>https://www.youtube.com/watch?v=o-lAsVuskKI</a:t>
+            </a:r>
+          </a:p>
+        </p:txBody>
+      </p:sp>
+      <p:pic>
+        <p:nvPicPr>
+          <p:cNvPr id="4" name="Obraz 3" descr="Obraz zawierający tekst&#10;&#10;Opis wygenerowany automatycznie">
+            <a:extLst>
+              <a:ext uri="{FF2B5EF4-FFF2-40B4-BE49-F238E27FC236}">
+                <a16:creationId xmlns:a16="http://schemas.microsoft.com/office/drawing/2014/main" id="{3FFF7859-5C28-4DB4-899D-7A98A7AA548F}"/>
+              </a:ext>
+            </a:extLst>
+          </p:cNvPr>
+          <p:cNvPicPr>
+            <a:picLocks noChangeAspect="1"/>
+          </p:cNvPicPr>
+          <p:nvPr/>
+        </p:nvPicPr>
+        <p:blipFill>
+          <a:blip r:embed="rId2"/>
+          <a:stretch>
+            <a:fillRect/>
+          </a:stretch>
+        </p:blipFill>
+        <p:spPr>
+          <a:xfrm>
+            <a:off x="597326" y="2084187"/>
+            <a:ext cx="10997348" cy="2689625"/>
+          </a:xfrm>
+          <a:prstGeom prst="rect">
+            <a:avLst/>
+          </a:prstGeom>
+        </p:spPr>
+      </p:pic>
+      <p:sp>
+        <p:nvSpPr>
+          <p:cNvPr id="5" name="Tytuł 1">
+            <a:extLst>
+              <a:ext uri="{FF2B5EF4-FFF2-40B4-BE49-F238E27FC236}">
+                <a16:creationId xmlns:a16="http://schemas.microsoft.com/office/drawing/2014/main" id="{3EA01F09-984E-48F5-AFE9-6BB371BA8244}"/>
+              </a:ext>
+            </a:extLst>
+          </p:cNvPr>
+          <p:cNvSpPr>
+            <a:spLocks noGrp="1"/>
+          </p:cNvSpPr>
+          <p:nvPr>
+            <p:ph type="ctrTitle"/>
+          </p:nvPr>
+        </p:nvSpPr>
+        <p:spPr>
+          <a:xfrm>
+            <a:off x="963397" y="516657"/>
+            <a:ext cx="9386228" cy="727943"/>
+          </a:xfrm>
+        </p:spPr>
+        <p:txBody>
+          <a:bodyPr/>
+          <a:lstStyle/>
+          <a:p>
+            <a:r>
+              <a:rPr lang="pl-PL" sz="4800" dirty="0"/>
+              <a:t>W pliku .</a:t>
+            </a:r>
+            <a:r>
+              <a:rPr lang="pl-PL" sz="4800" dirty="0" err="1"/>
+              <a:t>fxml</a:t>
+            </a:r>
+            <a:r>
+              <a:rPr lang="pl-PL" sz="4800" dirty="0"/>
+              <a:t> dodajemy </a:t>
+            </a:r>
+            <a:r>
+              <a:rPr lang="pl-PL" sz="4800" dirty="0" err="1"/>
+              <a:t>fx:id</a:t>
+            </a:r>
+            <a:endParaRPr lang="pl-PL" sz="4800" dirty="0"/>
+          </a:p>
+        </p:txBody>
+      </p:sp>
+    </p:spTree>
+    <p:extLst>
+      <p:ext uri="{BB962C8B-B14F-4D97-AF65-F5344CB8AC3E}">
+        <p14:creationId xmlns:p14="http://schemas.microsoft.com/office/powerpoint/2010/main" val="593985838"/>
+      </p:ext>
+    </p:extLst>
+  </p:cSld>
+  <p:clrMapOvr>
+    <a:masterClrMapping/>
+  </p:clrMapOvr>
+</p:sld>
+</file>
+
+<file path=ppt/slides/slide25.xml><?xml version="1.0" encoding="utf-8"?>
+<p:sld xmlns:a="http://schemas.openxmlformats.org/drawingml/2006/main" xmlns:r="http://schemas.openxmlformats.org/officeDocument/2006/relationships" xmlns:p="http://schemas.openxmlformats.org/presentationml/2006/main">
+  <p:cSld>
+    <p:spTree>
+      <p:nvGrpSpPr>
+        <p:cNvPr id="1" name=""/>
+        <p:cNvGrpSpPr/>
+        <p:nvPr/>
+      </p:nvGrpSpPr>
+      <p:grpSpPr>
+        <a:xfrm>
+          <a:off x="0" y="0"/>
+          <a:ext cx="0" cy="0"/>
+          <a:chOff x="0" y="0"/>
+          <a:chExt cx="0" cy="0"/>
+        </a:xfrm>
+      </p:grpSpPr>
+      <p:sp>
+        <p:nvSpPr>
+          <p:cNvPr id="3" name="Podtytuł 2">
+            <a:extLst>
+              <a:ext uri="{FF2B5EF4-FFF2-40B4-BE49-F238E27FC236}">
+                <a16:creationId xmlns:a16="http://schemas.microsoft.com/office/drawing/2014/main" id="{B63CFF8B-1A09-46AC-A9AF-BA1EE1B3D6E6}"/>
+              </a:ext>
+            </a:extLst>
+          </p:cNvPr>
+          <p:cNvSpPr>
+            <a:spLocks noGrp="1"/>
+          </p:cNvSpPr>
+          <p:nvPr>
+            <p:ph type="subTitle" idx="1"/>
+          </p:nvPr>
+        </p:nvSpPr>
+        <p:spPr>
+          <a:xfrm>
+            <a:off x="3338803" y="5635396"/>
+            <a:ext cx="3807662" cy="291770"/>
+          </a:xfrm>
+        </p:spPr>
+        <p:txBody>
+          <a:bodyPr>
+            <a:normAutofit/>
+          </a:bodyPr>
+          <a:lstStyle/>
+          <a:p>
+            <a:r>
+              <a:rPr lang="pl-PL" sz="1200" cap="none" dirty="0"/>
+              <a:t>https://www.youtube.com/watch?v=o-lAsVuskKI</a:t>
+            </a:r>
+          </a:p>
+        </p:txBody>
+      </p:sp>
+      <p:sp>
+        <p:nvSpPr>
+          <p:cNvPr id="5" name="Tytuł 1">
+            <a:extLst>
+              <a:ext uri="{FF2B5EF4-FFF2-40B4-BE49-F238E27FC236}">
+                <a16:creationId xmlns:a16="http://schemas.microsoft.com/office/drawing/2014/main" id="{3EA01F09-984E-48F5-AFE9-6BB371BA8244}"/>
+              </a:ext>
+            </a:extLst>
+          </p:cNvPr>
+          <p:cNvSpPr>
+            <a:spLocks noGrp="1"/>
+          </p:cNvSpPr>
+          <p:nvPr>
+            <p:ph type="ctrTitle"/>
+          </p:nvPr>
+        </p:nvSpPr>
+        <p:spPr>
+          <a:xfrm>
+            <a:off x="4908296" y="516657"/>
+            <a:ext cx="2375406" cy="727943"/>
+          </a:xfrm>
+        </p:spPr>
+        <p:txBody>
+          <a:bodyPr/>
+          <a:lstStyle/>
+          <a:p>
+            <a:r>
+              <a:rPr lang="pl-PL" sz="4800" dirty="0"/>
+              <a:t>Plik CSS</a:t>
+            </a:r>
+          </a:p>
+        </p:txBody>
+      </p:sp>
+      <p:pic>
+        <p:nvPicPr>
+          <p:cNvPr id="6" name="Obraz 5" descr="Obraz zawierający tekst&#10;&#10;Opis wygenerowany automatycznie">
+            <a:extLst>
+              <a:ext uri="{FF2B5EF4-FFF2-40B4-BE49-F238E27FC236}">
+                <a16:creationId xmlns:a16="http://schemas.microsoft.com/office/drawing/2014/main" id="{9F9657B1-FB4A-44A0-8F4D-5D2DE772D70F}"/>
+              </a:ext>
+            </a:extLst>
+          </p:cNvPr>
+          <p:cNvPicPr>
+            <a:picLocks noChangeAspect="1"/>
+          </p:cNvPicPr>
+          <p:nvPr/>
+        </p:nvPicPr>
+        <p:blipFill>
+          <a:blip r:embed="rId2"/>
+          <a:stretch>
+            <a:fillRect/>
+          </a:stretch>
+        </p:blipFill>
+        <p:spPr>
+          <a:xfrm>
+            <a:off x="3338803" y="1254027"/>
+            <a:ext cx="5514393" cy="4349945"/>
+          </a:xfrm>
+          <a:prstGeom prst="rect">
+            <a:avLst/>
+          </a:prstGeom>
+        </p:spPr>
+      </p:pic>
+    </p:spTree>
+    <p:extLst>
+      <p:ext uri="{BB962C8B-B14F-4D97-AF65-F5344CB8AC3E}">
+        <p14:creationId xmlns:p14="http://schemas.microsoft.com/office/powerpoint/2010/main" val="4227090843"/>
+      </p:ext>
+    </p:extLst>
+  </p:cSld>
+  <p:clrMapOvr>
+    <a:masterClrMapping/>
+  </p:clrMapOvr>
+</p:sld>
+</file>
+
+<file path=ppt/slides/slide26.xml><?xml version="1.0" encoding="utf-8"?>
+<p:sld xmlns:a="http://schemas.openxmlformats.org/drawingml/2006/main" xmlns:r="http://schemas.openxmlformats.org/officeDocument/2006/relationships" xmlns:p="http://schemas.openxmlformats.org/presentationml/2006/main">
+  <p:cSld>
+    <p:spTree>
+      <p:nvGrpSpPr>
+        <p:cNvPr id="1" name=""/>
+        <p:cNvGrpSpPr/>
+        <p:nvPr/>
+      </p:nvGrpSpPr>
+      <p:grpSpPr>
+        <a:xfrm>
+          <a:off x="0" y="0"/>
+          <a:ext cx="0" cy="0"/>
+          <a:chOff x="0" y="0"/>
+          <a:chExt cx="0" cy="0"/>
+        </a:xfrm>
+      </p:grpSpPr>
+      <p:sp>
+        <p:nvSpPr>
+          <p:cNvPr id="2" name="Tytuł 1">
+            <a:extLst>
+              <a:ext uri="{FF2B5EF4-FFF2-40B4-BE49-F238E27FC236}">
+                <a16:creationId xmlns:a16="http://schemas.microsoft.com/office/drawing/2014/main" id="{E1E44503-F14E-40CF-842F-5DBE60C83E01}"/>
+              </a:ext>
+            </a:extLst>
+          </p:cNvPr>
+          <p:cNvSpPr>
+            <a:spLocks noGrp="1"/>
+          </p:cNvSpPr>
+          <p:nvPr>
+            <p:ph type="ctrTitle"/>
+          </p:nvPr>
+        </p:nvSpPr>
+        <p:spPr>
+          <a:xfrm>
+            <a:off x="2358069" y="3069717"/>
+            <a:ext cx="7475861" cy="718565"/>
+          </a:xfrm>
+        </p:spPr>
+        <p:txBody>
+          <a:bodyPr/>
+          <a:lstStyle/>
+          <a:p>
+            <a:r>
+              <a:rPr lang="pl-PL" dirty="0"/>
+              <a:t>Dziękujemy za uwagę</a:t>
+            </a:r>
+          </a:p>
+        </p:txBody>
+      </p:sp>
+    </p:spTree>
+    <p:extLst>
+      <p:ext uri="{BB962C8B-B14F-4D97-AF65-F5344CB8AC3E}">
+        <p14:creationId xmlns:p14="http://schemas.microsoft.com/office/powerpoint/2010/main" val="603861003"/>
       </p:ext>
     </p:extLst>
   </p:cSld>

--- a/JavaFX vs Swing.pptx
+++ b/JavaFX vs Swing.pptx
@@ -1062,7 +1062,7 @@
           <a:p>
             <a:fld id="{E3ED8F79-32D7-4346-8DD5-A5372D9E2309}" type="datetimeFigureOut">
               <a:rPr lang="pl-PL" smtClean="0"/>
-              <a:t>22.03.2022</a:t>
+              <a:t>24.03.2022</a:t>
             </a:fld>
             <a:endParaRPr lang="pl-PL"/>
           </a:p>
@@ -1664,7 +1664,7 @@
           <a:p>
             <a:fld id="{A74E30F0-DD37-224C-A875-641D476CB079}" type="datetimeFigureOut">
               <a:rPr lang="pl-PL" smtClean="0"/>
-              <a:t>22.03.2022</a:t>
+              <a:t>24.03.2022</a:t>
             </a:fld>
             <a:endParaRPr lang="pl-PL"/>
           </a:p>
@@ -2752,7 +2752,7 @@
           <a:p>
             <a:fld id="{A74E30F0-DD37-224C-A875-641D476CB079}" type="datetimeFigureOut">
               <a:rPr lang="pl-PL" smtClean="0"/>
-              <a:t>22.03.2022</a:t>
+              <a:t>24.03.2022</a:t>
             </a:fld>
             <a:endParaRPr lang="pl-PL"/>
           </a:p>
@@ -3732,7 +3732,7 @@
           <a:p>
             <a:fld id="{A74E30F0-DD37-224C-A875-641D476CB079}" type="datetimeFigureOut">
               <a:rPr lang="pl-PL" smtClean="0"/>
-              <a:t>22.03.2022</a:t>
+              <a:t>24.03.2022</a:t>
             </a:fld>
             <a:endParaRPr lang="pl-PL"/>
           </a:p>
@@ -4866,7 +4866,7 @@
           <a:p>
             <a:fld id="{A74E30F0-DD37-224C-A875-641D476CB079}" type="datetimeFigureOut">
               <a:rPr lang="pl-PL" smtClean="0"/>
-              <a:t>22.03.2022</a:t>
+              <a:t>24.03.2022</a:t>
             </a:fld>
             <a:endParaRPr lang="pl-PL"/>
           </a:p>
@@ -5899,7 +5899,7 @@
           <a:p>
             <a:fld id="{A74E30F0-DD37-224C-A875-641D476CB079}" type="datetimeFigureOut">
               <a:rPr lang="pl-PL" smtClean="0"/>
-              <a:t>22.03.2022</a:t>
+              <a:t>24.03.2022</a:t>
             </a:fld>
             <a:endParaRPr lang="pl-PL"/>
           </a:p>
@@ -6559,7 +6559,7 @@
           <a:p>
             <a:fld id="{A74E30F0-DD37-224C-A875-641D476CB079}" type="datetimeFigureOut">
               <a:rPr lang="pl-PL" smtClean="0"/>
-              <a:t>22.03.2022</a:t>
+              <a:t>24.03.2022</a:t>
             </a:fld>
             <a:endParaRPr lang="pl-PL"/>
           </a:p>
@@ -7420,7 +7420,7 @@
           <a:p>
             <a:fld id="{A74E30F0-DD37-224C-A875-641D476CB079}" type="datetimeFigureOut">
               <a:rPr lang="pl-PL" smtClean="0"/>
-              <a:t>22.03.2022</a:t>
+              <a:t>24.03.2022</a:t>
             </a:fld>
             <a:endParaRPr lang="pl-PL"/>
           </a:p>
@@ -7610,7 +7610,7 @@
           <a:p>
             <a:fld id="{A74E30F0-DD37-224C-A875-641D476CB079}" type="datetimeFigureOut">
               <a:rPr lang="pl-PL" smtClean="0"/>
-              <a:t>22.03.2022</a:t>
+              <a:t>24.03.2022</a:t>
             </a:fld>
             <a:endParaRPr lang="pl-PL"/>
           </a:p>
@@ -8582,7 +8582,7 @@
           <a:p>
             <a:fld id="{A74E30F0-DD37-224C-A875-641D476CB079}" type="datetimeFigureOut">
               <a:rPr lang="pl-PL" smtClean="0"/>
-              <a:t>22.03.2022</a:t>
+              <a:t>24.03.2022</a:t>
             </a:fld>
             <a:endParaRPr lang="pl-PL"/>
           </a:p>
@@ -8793,7 +8793,7 @@
           <a:p>
             <a:fld id="{A74E30F0-DD37-224C-A875-641D476CB079}" type="datetimeFigureOut">
               <a:rPr lang="pl-PL" smtClean="0"/>
-              <a:t>22.03.2022</a:t>
+              <a:t>24.03.2022</a:t>
             </a:fld>
             <a:endParaRPr lang="pl-PL"/>
           </a:p>
@@ -9827,7 +9827,7 @@
           <a:p>
             <a:fld id="{A74E30F0-DD37-224C-A875-641D476CB079}" type="datetimeFigureOut">
               <a:rPr lang="pl-PL" smtClean="0"/>
-              <a:t>22.03.2022</a:t>
+              <a:t>24.03.2022</a:t>
             </a:fld>
             <a:endParaRPr lang="pl-PL"/>
           </a:p>
@@ -10099,7 +10099,7 @@
           <a:p>
             <a:fld id="{A74E30F0-DD37-224C-A875-641D476CB079}" type="datetimeFigureOut">
               <a:rPr lang="pl-PL" smtClean="0"/>
-              <a:t>22.03.2022</a:t>
+              <a:t>24.03.2022</a:t>
             </a:fld>
             <a:endParaRPr lang="pl-PL"/>
           </a:p>
@@ -10509,7 +10509,7 @@
           <a:p>
             <a:fld id="{A74E30F0-DD37-224C-A875-641D476CB079}" type="datetimeFigureOut">
               <a:rPr lang="pl-PL" smtClean="0"/>
-              <a:t>22.03.2022</a:t>
+              <a:t>24.03.2022</a:t>
             </a:fld>
             <a:endParaRPr lang="pl-PL"/>
           </a:p>
@@ -10636,7 +10636,7 @@
           <a:p>
             <a:fld id="{A74E30F0-DD37-224C-A875-641D476CB079}" type="datetimeFigureOut">
               <a:rPr lang="pl-PL" smtClean="0"/>
-              <a:t>22.03.2022</a:t>
+              <a:t>24.03.2022</a:t>
             </a:fld>
             <a:endParaRPr lang="pl-PL"/>
           </a:p>
@@ -10731,7 +10731,7 @@
           <a:p>
             <a:fld id="{A74E30F0-DD37-224C-A875-641D476CB079}" type="datetimeFigureOut">
               <a:rPr lang="pl-PL" smtClean="0"/>
-              <a:t>22.03.2022</a:t>
+              <a:t>24.03.2022</a:t>
             </a:fld>
             <a:endParaRPr lang="pl-PL"/>
           </a:p>
@@ -11812,7 +11812,7 @@
           <a:p>
             <a:fld id="{A74E30F0-DD37-224C-A875-641D476CB079}" type="datetimeFigureOut">
               <a:rPr lang="pl-PL" smtClean="0"/>
-              <a:t>22.03.2022</a:t>
+              <a:t>24.03.2022</a:t>
             </a:fld>
             <a:endParaRPr lang="pl-PL"/>
           </a:p>
@@ -12920,7 +12920,7 @@
           <a:p>
             <a:fld id="{A74E30F0-DD37-224C-A875-641D476CB079}" type="datetimeFigureOut">
               <a:rPr lang="pl-PL" smtClean="0"/>
-              <a:t>22.03.2022</a:t>
+              <a:t>24.03.2022</a:t>
             </a:fld>
             <a:endParaRPr lang="pl-PL"/>
           </a:p>
@@ -13917,7 +13917,7 @@
           <a:p>
             <a:fld id="{A74E30F0-DD37-224C-A875-641D476CB079}" type="datetimeFigureOut">
               <a:rPr lang="pl-PL" smtClean="0"/>
-              <a:t>22.03.2022</a:t>
+              <a:t>24.03.2022</a:t>
             </a:fld>
             <a:endParaRPr lang="pl-PL"/>
           </a:p>
@@ -14767,13 +14767,8 @@
           <a:p>
             <a:r>
               <a:rPr lang="pl-PL" dirty="0"/>
-              <a:t>Węzeł bez rodzica to </a:t>
-            </a:r>
-            <a:r>
-              <a:rPr lang="pl-PL" dirty="0" err="1"/>
-              <a:t>ilść</a:t>
-            </a:r>
-            <a:endParaRPr lang="pl-PL" dirty="0"/>
+              <a:t>Węzeł bez rodzica to liść</a:t>
+            </a:r>
           </a:p>
           <a:p>
             <a:r>
